--- a/ppt/information-redundancy.pptx
+++ b/ppt/information-redundancy.pptx
@@ -2,12 +2,12 @@
 <file path=ppt/presentation.xml><?xml version="1.0" encoding="utf-8"?>
 <p:presentation xmlns:a="http://schemas.openxmlformats.org/drawingml/2006/main" xmlns:r="http://schemas.openxmlformats.org/officeDocument/2006/relationships" xmlns:p="http://schemas.openxmlformats.org/presentationml/2006/main" saveSubsetFonts="1">
   <p:sldMasterIdLst>
-    <p:sldMasterId id="2147483648" r:id="rId1"/>
+    <p:sldMasterId id="2147483684" r:id="rId1"/>
   </p:sldMasterIdLst>
   <p:sldIdLst>
     <p:sldId id="256" r:id="rId2"/>
   </p:sldIdLst>
-  <p:sldSz cx="12192000" cy="6858000"/>
+  <p:sldSz cx="10391775" cy="6137275"/>
   <p:notesSz cx="6858000" cy="9144000"/>
   <p:defaultTextStyle>
     <a:defPPr>
@@ -104,6 +104,11 @@
       </a:defRPr>
     </a:lvl9pPr>
   </p:defaultTextStyle>
+  <p:extLst>
+    <p:ext uri="{EFAFB233-063F-42B5-8137-9DF3F51BA10A}">
+      <p15:sldGuideLst xmlns:p15="http://schemas.microsoft.com/office/powerpoint/2012/main"/>
+    </p:ext>
+  </p:extLst>
 </p:presentation>
 </file>
 
@@ -126,7 +131,7 @@
       </p:grpSpPr>
       <p:sp>
         <p:nvSpPr>
-          <p:cNvPr id="2" name="标题 1"/>
+          <p:cNvPr id="2" name="Title 1"/>
           <p:cNvSpPr>
             <a:spLocks noGrp="1"/>
           </p:cNvSpPr>
@@ -136,15 +141,15 @@
         </p:nvSpPr>
         <p:spPr>
           <a:xfrm>
-            <a:off x="1524000" y="1122363"/>
-            <a:ext cx="9144000" cy="2387600"/>
+            <a:off x="1298972" y="1004411"/>
+            <a:ext cx="7793831" cy="2136681"/>
           </a:xfrm>
         </p:spPr>
         <p:txBody>
           <a:bodyPr anchor="b"/>
           <a:lstStyle>
             <a:lvl1pPr algn="ctr">
-              <a:defRPr sz="6000"/>
+              <a:defRPr sz="5114"/>
             </a:lvl1pPr>
           </a:lstStyle>
           <a:p>
@@ -152,13 +157,13 @@
               <a:rPr lang="zh-CN" altLang="en-US" smtClean="0"/>
               <a:t>单击此处编辑母版标题样式</a:t>
             </a:r>
-            <a:endParaRPr lang="zh-CN" altLang="en-US"/>
+            <a:endParaRPr lang="en-US" dirty="0"/>
           </a:p>
         </p:txBody>
       </p:sp>
       <p:sp>
         <p:nvSpPr>
-          <p:cNvPr id="3" name="副标题 2"/>
+          <p:cNvPr id="3" name="Subtitle 2"/>
           <p:cNvSpPr>
             <a:spLocks noGrp="1"/>
           </p:cNvSpPr>
@@ -168,8 +173,8 @@
         </p:nvSpPr>
         <p:spPr>
           <a:xfrm>
-            <a:off x="1524000" y="3602038"/>
-            <a:ext cx="9144000" cy="1655762"/>
+            <a:off x="1298972" y="3223490"/>
+            <a:ext cx="7793831" cy="1481754"/>
           </a:xfrm>
         </p:spPr>
         <p:txBody>
@@ -177,39 +182,39 @@
           <a:lstStyle>
             <a:lvl1pPr marL="0" indent="0" algn="ctr">
               <a:buNone/>
-              <a:defRPr sz="2400"/>
+              <a:defRPr sz="2046"/>
             </a:lvl1pPr>
-            <a:lvl2pPr marL="457200" indent="0" algn="ctr">
+            <a:lvl2pPr marL="389672" indent="0" algn="ctr">
               <a:buNone/>
-              <a:defRPr sz="2000"/>
+              <a:defRPr sz="1705"/>
             </a:lvl2pPr>
-            <a:lvl3pPr marL="914400" indent="0" algn="ctr">
+            <a:lvl3pPr marL="779343" indent="0" algn="ctr">
               <a:buNone/>
-              <a:defRPr sz="1800"/>
+              <a:defRPr sz="1534"/>
             </a:lvl3pPr>
-            <a:lvl4pPr marL="1371600" indent="0" algn="ctr">
+            <a:lvl4pPr marL="1169015" indent="0" algn="ctr">
               <a:buNone/>
-              <a:defRPr sz="1600"/>
+              <a:defRPr sz="1364"/>
             </a:lvl4pPr>
-            <a:lvl5pPr marL="1828800" indent="0" algn="ctr">
+            <a:lvl5pPr marL="1558686" indent="0" algn="ctr">
               <a:buNone/>
-              <a:defRPr sz="1600"/>
+              <a:defRPr sz="1364"/>
             </a:lvl5pPr>
-            <a:lvl6pPr marL="2286000" indent="0" algn="ctr">
+            <a:lvl6pPr marL="1948358" indent="0" algn="ctr">
               <a:buNone/>
-              <a:defRPr sz="1600"/>
+              <a:defRPr sz="1364"/>
             </a:lvl6pPr>
-            <a:lvl7pPr marL="2743200" indent="0" algn="ctr">
+            <a:lvl7pPr marL="2338029" indent="0" algn="ctr">
               <a:buNone/>
-              <a:defRPr sz="1600"/>
+              <a:defRPr sz="1364"/>
             </a:lvl7pPr>
-            <a:lvl8pPr marL="3200400" indent="0" algn="ctr">
+            <a:lvl8pPr marL="2727701" indent="0" algn="ctr">
               <a:buNone/>
-              <a:defRPr sz="1600"/>
+              <a:defRPr sz="1364"/>
             </a:lvl8pPr>
-            <a:lvl9pPr marL="3657600" indent="0" algn="ctr">
+            <a:lvl9pPr marL="3117372" indent="0" algn="ctr">
               <a:buNone/>
-              <a:defRPr sz="1600"/>
+              <a:defRPr sz="1364"/>
             </a:lvl9pPr>
           </a:lstStyle>
           <a:p>
@@ -217,13 +222,13 @@
               <a:rPr lang="zh-CN" altLang="en-US" smtClean="0"/>
               <a:t>单击以编辑母版副标题样式</a:t>
             </a:r>
-            <a:endParaRPr lang="zh-CN" altLang="en-US"/>
+            <a:endParaRPr lang="en-US" dirty="0"/>
           </a:p>
         </p:txBody>
       </p:sp>
       <p:sp>
         <p:nvSpPr>
-          <p:cNvPr id="4" name="日期占位符 3"/>
+          <p:cNvPr id="4" name="Date Placeholder 3"/>
           <p:cNvSpPr>
             <a:spLocks noGrp="1"/>
           </p:cNvSpPr>
@@ -238,7 +243,7 @@
           <a:p>
             <a:fld id="{D857D34E-A449-4BDD-AE85-C66AD236077B}" type="datetimeFigureOut">
               <a:rPr lang="zh-CN" altLang="en-US" smtClean="0"/>
-              <a:t>2021/12/10</a:t>
+              <a:t>2021/12/29</a:t>
             </a:fld>
             <a:endParaRPr lang="zh-CN" altLang="en-US"/>
           </a:p>
@@ -246,7 +251,7 @@
       </p:sp>
       <p:sp>
         <p:nvSpPr>
-          <p:cNvPr id="5" name="页脚占位符 4"/>
+          <p:cNvPr id="5" name="Footer Placeholder 4"/>
           <p:cNvSpPr>
             <a:spLocks noGrp="1"/>
           </p:cNvSpPr>
@@ -265,7 +270,7 @@
       </p:sp>
       <p:sp>
         <p:nvSpPr>
-          <p:cNvPr id="6" name="灯片编号占位符 5"/>
+          <p:cNvPr id="6" name="Slide Number Placeholder 5"/>
           <p:cNvSpPr>
             <a:spLocks noGrp="1"/>
           </p:cNvSpPr>
@@ -289,7 +294,7 @@
     </p:spTree>
     <p:extLst>
       <p:ext uri="{BB962C8B-B14F-4D97-AF65-F5344CB8AC3E}">
-        <p14:creationId xmlns:p14="http://schemas.microsoft.com/office/powerpoint/2010/main" val="3030109418"/>
+        <p14:creationId xmlns:p14="http://schemas.microsoft.com/office/powerpoint/2010/main" val="3244975746"/>
       </p:ext>
     </p:extLst>
   </p:cSld>
@@ -318,7 +323,7 @@
       </p:grpSpPr>
       <p:sp>
         <p:nvSpPr>
-          <p:cNvPr id="2" name="标题 1"/>
+          <p:cNvPr id="2" name="Title 1"/>
           <p:cNvSpPr>
             <a:spLocks noGrp="1"/>
           </p:cNvSpPr>
@@ -335,13 +340,13 @@
               <a:rPr lang="zh-CN" altLang="en-US" smtClean="0"/>
               <a:t>单击此处编辑母版标题样式</a:t>
             </a:r>
-            <a:endParaRPr lang="zh-CN" altLang="en-US"/>
+            <a:endParaRPr lang="en-US" dirty="0"/>
           </a:p>
         </p:txBody>
       </p:sp>
       <p:sp>
         <p:nvSpPr>
-          <p:cNvPr id="3" name="竖排文字占位符 2"/>
+          <p:cNvPr id="3" name="Vertical Text Placeholder 2"/>
           <p:cNvSpPr>
             <a:spLocks noGrp="1"/>
           </p:cNvSpPr>
@@ -387,13 +392,13 @@
               <a:rPr lang="zh-CN" altLang="en-US" smtClean="0"/>
               <a:t>第五级</a:t>
             </a:r>
-            <a:endParaRPr lang="zh-CN" altLang="en-US"/>
+            <a:endParaRPr lang="en-US" dirty="0"/>
           </a:p>
         </p:txBody>
       </p:sp>
       <p:sp>
         <p:nvSpPr>
-          <p:cNvPr id="4" name="日期占位符 3"/>
+          <p:cNvPr id="4" name="Date Placeholder 3"/>
           <p:cNvSpPr>
             <a:spLocks noGrp="1"/>
           </p:cNvSpPr>
@@ -408,7 +413,7 @@
           <a:p>
             <a:fld id="{D857D34E-A449-4BDD-AE85-C66AD236077B}" type="datetimeFigureOut">
               <a:rPr lang="zh-CN" altLang="en-US" smtClean="0"/>
-              <a:t>2021/12/10</a:t>
+              <a:t>2021/12/29</a:t>
             </a:fld>
             <a:endParaRPr lang="zh-CN" altLang="en-US"/>
           </a:p>
@@ -416,7 +421,7 @@
       </p:sp>
       <p:sp>
         <p:nvSpPr>
-          <p:cNvPr id="5" name="页脚占位符 4"/>
+          <p:cNvPr id="5" name="Footer Placeholder 4"/>
           <p:cNvSpPr>
             <a:spLocks noGrp="1"/>
           </p:cNvSpPr>
@@ -435,7 +440,7 @@
       </p:sp>
       <p:sp>
         <p:nvSpPr>
-          <p:cNvPr id="6" name="灯片编号占位符 5"/>
+          <p:cNvPr id="6" name="Slide Number Placeholder 5"/>
           <p:cNvSpPr>
             <a:spLocks noGrp="1"/>
           </p:cNvSpPr>
@@ -459,7 +464,7 @@
     </p:spTree>
     <p:extLst>
       <p:ext uri="{BB962C8B-B14F-4D97-AF65-F5344CB8AC3E}">
-        <p14:creationId xmlns:p14="http://schemas.microsoft.com/office/powerpoint/2010/main" val="554849231"/>
+        <p14:creationId xmlns:p14="http://schemas.microsoft.com/office/powerpoint/2010/main" val="2260466001"/>
       </p:ext>
     </p:extLst>
   </p:cSld>
@@ -488,7 +493,7 @@
       </p:grpSpPr>
       <p:sp>
         <p:nvSpPr>
-          <p:cNvPr id="2" name="竖排标题 1"/>
+          <p:cNvPr id="2" name="Vertical Title 1"/>
           <p:cNvSpPr>
             <a:spLocks noGrp="1"/>
           </p:cNvSpPr>
@@ -498,8 +503,8 @@
         </p:nvSpPr>
         <p:spPr>
           <a:xfrm>
-            <a:off x="8724900" y="365125"/>
-            <a:ext cx="2628900" cy="5811838"/>
+            <a:off x="7436614" y="326753"/>
+            <a:ext cx="2240726" cy="5201057"/>
           </a:xfrm>
         </p:spPr>
         <p:txBody>
@@ -510,13 +515,13 @@
               <a:rPr lang="zh-CN" altLang="en-US" smtClean="0"/>
               <a:t>单击此处编辑母版标题样式</a:t>
             </a:r>
-            <a:endParaRPr lang="zh-CN" altLang="en-US"/>
+            <a:endParaRPr lang="en-US" dirty="0"/>
           </a:p>
         </p:txBody>
       </p:sp>
       <p:sp>
         <p:nvSpPr>
-          <p:cNvPr id="3" name="竖排文字占位符 2"/>
+          <p:cNvPr id="3" name="Vertical Text Placeholder 2"/>
           <p:cNvSpPr>
             <a:spLocks noGrp="1"/>
           </p:cNvSpPr>
@@ -526,8 +531,8 @@
         </p:nvSpPr>
         <p:spPr>
           <a:xfrm>
-            <a:off x="838200" y="365125"/>
-            <a:ext cx="7734300" cy="5811838"/>
+            <a:off x="714435" y="326753"/>
+            <a:ext cx="6592282" cy="5201057"/>
           </a:xfrm>
         </p:spPr>
         <p:txBody>
@@ -567,13 +572,13 @@
               <a:rPr lang="zh-CN" altLang="en-US" smtClean="0"/>
               <a:t>第五级</a:t>
             </a:r>
-            <a:endParaRPr lang="zh-CN" altLang="en-US"/>
+            <a:endParaRPr lang="en-US" dirty="0"/>
           </a:p>
         </p:txBody>
       </p:sp>
       <p:sp>
         <p:nvSpPr>
-          <p:cNvPr id="4" name="日期占位符 3"/>
+          <p:cNvPr id="4" name="Date Placeholder 3"/>
           <p:cNvSpPr>
             <a:spLocks noGrp="1"/>
           </p:cNvSpPr>
@@ -588,7 +593,7 @@
           <a:p>
             <a:fld id="{D857D34E-A449-4BDD-AE85-C66AD236077B}" type="datetimeFigureOut">
               <a:rPr lang="zh-CN" altLang="en-US" smtClean="0"/>
-              <a:t>2021/12/10</a:t>
+              <a:t>2021/12/29</a:t>
             </a:fld>
             <a:endParaRPr lang="zh-CN" altLang="en-US"/>
           </a:p>
@@ -596,7 +601,7 @@
       </p:sp>
       <p:sp>
         <p:nvSpPr>
-          <p:cNvPr id="5" name="页脚占位符 4"/>
+          <p:cNvPr id="5" name="Footer Placeholder 4"/>
           <p:cNvSpPr>
             <a:spLocks noGrp="1"/>
           </p:cNvSpPr>
@@ -615,7 +620,7 @@
       </p:sp>
       <p:sp>
         <p:nvSpPr>
-          <p:cNvPr id="6" name="灯片编号占位符 5"/>
+          <p:cNvPr id="6" name="Slide Number Placeholder 5"/>
           <p:cNvSpPr>
             <a:spLocks noGrp="1"/>
           </p:cNvSpPr>
@@ -639,7 +644,7 @@
     </p:spTree>
     <p:extLst>
       <p:ext uri="{BB962C8B-B14F-4D97-AF65-F5344CB8AC3E}">
-        <p14:creationId xmlns:p14="http://schemas.microsoft.com/office/powerpoint/2010/main" val="360610485"/>
+        <p14:creationId xmlns:p14="http://schemas.microsoft.com/office/powerpoint/2010/main" val="1538399492"/>
       </p:ext>
     </p:extLst>
   </p:cSld>
@@ -668,7 +673,7 @@
       </p:grpSpPr>
       <p:sp>
         <p:nvSpPr>
-          <p:cNvPr id="2" name="标题 1"/>
+          <p:cNvPr id="2" name="Title 1"/>
           <p:cNvSpPr>
             <a:spLocks noGrp="1"/>
           </p:cNvSpPr>
@@ -685,13 +690,13 @@
               <a:rPr lang="zh-CN" altLang="en-US" smtClean="0"/>
               <a:t>单击此处编辑母版标题样式</a:t>
             </a:r>
-            <a:endParaRPr lang="zh-CN" altLang="en-US"/>
+            <a:endParaRPr lang="en-US" dirty="0"/>
           </a:p>
         </p:txBody>
       </p:sp>
       <p:sp>
         <p:nvSpPr>
-          <p:cNvPr id="3" name="内容占位符 2"/>
+          <p:cNvPr id="3" name="Content Placeholder 2"/>
           <p:cNvSpPr>
             <a:spLocks noGrp="1"/>
           </p:cNvSpPr>
@@ -737,13 +742,13 @@
               <a:rPr lang="zh-CN" altLang="en-US" smtClean="0"/>
               <a:t>第五级</a:t>
             </a:r>
-            <a:endParaRPr lang="zh-CN" altLang="en-US"/>
+            <a:endParaRPr lang="en-US" dirty="0"/>
           </a:p>
         </p:txBody>
       </p:sp>
       <p:sp>
         <p:nvSpPr>
-          <p:cNvPr id="4" name="日期占位符 3"/>
+          <p:cNvPr id="4" name="Date Placeholder 3"/>
           <p:cNvSpPr>
             <a:spLocks noGrp="1"/>
           </p:cNvSpPr>
@@ -758,7 +763,7 @@
           <a:p>
             <a:fld id="{D857D34E-A449-4BDD-AE85-C66AD236077B}" type="datetimeFigureOut">
               <a:rPr lang="zh-CN" altLang="en-US" smtClean="0"/>
-              <a:t>2021/12/10</a:t>
+              <a:t>2021/12/29</a:t>
             </a:fld>
             <a:endParaRPr lang="zh-CN" altLang="en-US"/>
           </a:p>
@@ -766,7 +771,7 @@
       </p:sp>
       <p:sp>
         <p:nvSpPr>
-          <p:cNvPr id="5" name="页脚占位符 4"/>
+          <p:cNvPr id="5" name="Footer Placeholder 4"/>
           <p:cNvSpPr>
             <a:spLocks noGrp="1"/>
           </p:cNvSpPr>
@@ -785,7 +790,7 @@
       </p:sp>
       <p:sp>
         <p:nvSpPr>
-          <p:cNvPr id="6" name="灯片编号占位符 5"/>
+          <p:cNvPr id="6" name="Slide Number Placeholder 5"/>
           <p:cNvSpPr>
             <a:spLocks noGrp="1"/>
           </p:cNvSpPr>
@@ -809,7 +814,7 @@
     </p:spTree>
     <p:extLst>
       <p:ext uri="{BB962C8B-B14F-4D97-AF65-F5344CB8AC3E}">
-        <p14:creationId xmlns:p14="http://schemas.microsoft.com/office/powerpoint/2010/main" val="3677809835"/>
+        <p14:creationId xmlns:p14="http://schemas.microsoft.com/office/powerpoint/2010/main" val="2045077705"/>
       </p:ext>
     </p:extLst>
   </p:cSld>
@@ -838,7 +843,7 @@
       </p:grpSpPr>
       <p:sp>
         <p:nvSpPr>
-          <p:cNvPr id="2" name="标题 1"/>
+          <p:cNvPr id="2" name="Title 1"/>
           <p:cNvSpPr>
             <a:spLocks noGrp="1"/>
           </p:cNvSpPr>
@@ -848,15 +853,15 @@
         </p:nvSpPr>
         <p:spPr>
           <a:xfrm>
-            <a:off x="831850" y="1709738"/>
-            <a:ext cx="10515600" cy="2852737"/>
+            <a:off x="709022" y="1530058"/>
+            <a:ext cx="8962906" cy="2552935"/>
           </a:xfrm>
         </p:spPr>
         <p:txBody>
           <a:bodyPr anchor="b"/>
           <a:lstStyle>
             <a:lvl1pPr>
-              <a:defRPr sz="6000"/>
+              <a:defRPr sz="5114"/>
             </a:lvl1pPr>
           </a:lstStyle>
           <a:p>
@@ -864,13 +869,13 @@
               <a:rPr lang="zh-CN" altLang="en-US" smtClean="0"/>
               <a:t>单击此处编辑母版标题样式</a:t>
             </a:r>
-            <a:endParaRPr lang="zh-CN" altLang="en-US"/>
+            <a:endParaRPr lang="en-US" dirty="0"/>
           </a:p>
         </p:txBody>
       </p:sp>
       <p:sp>
         <p:nvSpPr>
-          <p:cNvPr id="3" name="文本占位符 2"/>
+          <p:cNvPr id="3" name="Text Placeholder 2"/>
           <p:cNvSpPr>
             <a:spLocks noGrp="1"/>
           </p:cNvSpPr>
@@ -880,8 +885,8 @@
         </p:nvSpPr>
         <p:spPr>
           <a:xfrm>
-            <a:off x="831850" y="4589463"/>
-            <a:ext cx="10515600" cy="1500187"/>
+            <a:off x="709022" y="4107145"/>
+            <a:ext cx="8962906" cy="1342528"/>
           </a:xfrm>
         </p:spPr>
         <p:txBody>
@@ -889,7 +894,7 @@
           <a:lstStyle>
             <a:lvl1pPr marL="0" indent="0">
               <a:buNone/>
-              <a:defRPr sz="2400">
+              <a:defRPr sz="2046">
                 <a:solidFill>
                   <a:schemeClr val="tx1">
                     <a:tint val="75000"/>
@@ -897,9 +902,9 @@
                 </a:solidFill>
               </a:defRPr>
             </a:lvl1pPr>
-            <a:lvl2pPr marL="457200" indent="0">
+            <a:lvl2pPr marL="389672" indent="0">
               <a:buNone/>
-              <a:defRPr sz="2000">
+              <a:defRPr sz="1705">
                 <a:solidFill>
                   <a:schemeClr val="tx1">
                     <a:tint val="75000"/>
@@ -907,9 +912,9 @@
                 </a:solidFill>
               </a:defRPr>
             </a:lvl2pPr>
-            <a:lvl3pPr marL="914400" indent="0">
+            <a:lvl3pPr marL="779343" indent="0">
               <a:buNone/>
-              <a:defRPr sz="1800">
+              <a:defRPr sz="1534">
                 <a:solidFill>
                   <a:schemeClr val="tx1">
                     <a:tint val="75000"/>
@@ -917,9 +922,9 @@
                 </a:solidFill>
               </a:defRPr>
             </a:lvl3pPr>
-            <a:lvl4pPr marL="1371600" indent="0">
+            <a:lvl4pPr marL="1169015" indent="0">
               <a:buNone/>
-              <a:defRPr sz="1600">
+              <a:defRPr sz="1364">
                 <a:solidFill>
                   <a:schemeClr val="tx1">
                     <a:tint val="75000"/>
@@ -927,9 +932,9 @@
                 </a:solidFill>
               </a:defRPr>
             </a:lvl4pPr>
-            <a:lvl5pPr marL="1828800" indent="0">
+            <a:lvl5pPr marL="1558686" indent="0">
               <a:buNone/>
-              <a:defRPr sz="1600">
+              <a:defRPr sz="1364">
                 <a:solidFill>
                   <a:schemeClr val="tx1">
                     <a:tint val="75000"/>
@@ -937,9 +942,9 @@
                 </a:solidFill>
               </a:defRPr>
             </a:lvl5pPr>
-            <a:lvl6pPr marL="2286000" indent="0">
+            <a:lvl6pPr marL="1948358" indent="0">
               <a:buNone/>
-              <a:defRPr sz="1600">
+              <a:defRPr sz="1364">
                 <a:solidFill>
                   <a:schemeClr val="tx1">
                     <a:tint val="75000"/>
@@ -947,9 +952,9 @@
                 </a:solidFill>
               </a:defRPr>
             </a:lvl6pPr>
-            <a:lvl7pPr marL="2743200" indent="0">
+            <a:lvl7pPr marL="2338029" indent="0">
               <a:buNone/>
-              <a:defRPr sz="1600">
+              <a:defRPr sz="1364">
                 <a:solidFill>
                   <a:schemeClr val="tx1">
                     <a:tint val="75000"/>
@@ -957,9 +962,9 @@
                 </a:solidFill>
               </a:defRPr>
             </a:lvl7pPr>
-            <a:lvl8pPr marL="3200400" indent="0">
+            <a:lvl8pPr marL="2727701" indent="0">
               <a:buNone/>
-              <a:defRPr sz="1600">
+              <a:defRPr sz="1364">
                 <a:solidFill>
                   <a:schemeClr val="tx1">
                     <a:tint val="75000"/>
@@ -967,9 +972,9 @@
                 </a:solidFill>
               </a:defRPr>
             </a:lvl8pPr>
-            <a:lvl9pPr marL="3657600" indent="0">
+            <a:lvl9pPr marL="3117372" indent="0">
               <a:buNone/>
-              <a:defRPr sz="1600">
+              <a:defRPr sz="1364">
                 <a:solidFill>
                   <a:schemeClr val="tx1">
                     <a:tint val="75000"/>
@@ -989,7 +994,7 @@
       </p:sp>
       <p:sp>
         <p:nvSpPr>
-          <p:cNvPr id="4" name="日期占位符 3"/>
+          <p:cNvPr id="4" name="Date Placeholder 3"/>
           <p:cNvSpPr>
             <a:spLocks noGrp="1"/>
           </p:cNvSpPr>
@@ -1004,7 +1009,7 @@
           <a:p>
             <a:fld id="{D857D34E-A449-4BDD-AE85-C66AD236077B}" type="datetimeFigureOut">
               <a:rPr lang="zh-CN" altLang="en-US" smtClean="0"/>
-              <a:t>2021/12/10</a:t>
+              <a:t>2021/12/29</a:t>
             </a:fld>
             <a:endParaRPr lang="zh-CN" altLang="en-US"/>
           </a:p>
@@ -1012,7 +1017,7 @@
       </p:sp>
       <p:sp>
         <p:nvSpPr>
-          <p:cNvPr id="5" name="页脚占位符 4"/>
+          <p:cNvPr id="5" name="Footer Placeholder 4"/>
           <p:cNvSpPr>
             <a:spLocks noGrp="1"/>
           </p:cNvSpPr>
@@ -1031,7 +1036,7 @@
       </p:sp>
       <p:sp>
         <p:nvSpPr>
-          <p:cNvPr id="6" name="灯片编号占位符 5"/>
+          <p:cNvPr id="6" name="Slide Number Placeholder 5"/>
           <p:cNvSpPr>
             <a:spLocks noGrp="1"/>
           </p:cNvSpPr>
@@ -1055,7 +1060,7 @@
     </p:spTree>
     <p:extLst>
       <p:ext uri="{BB962C8B-B14F-4D97-AF65-F5344CB8AC3E}">
-        <p14:creationId xmlns:p14="http://schemas.microsoft.com/office/powerpoint/2010/main" val="1534888192"/>
+        <p14:creationId xmlns:p14="http://schemas.microsoft.com/office/powerpoint/2010/main" val="2275448670"/>
       </p:ext>
     </p:extLst>
   </p:cSld>
@@ -1084,7 +1089,7 @@
       </p:grpSpPr>
       <p:sp>
         <p:nvSpPr>
-          <p:cNvPr id="2" name="标题 1"/>
+          <p:cNvPr id="2" name="Title 1"/>
           <p:cNvSpPr>
             <a:spLocks noGrp="1"/>
           </p:cNvSpPr>
@@ -1101,13 +1106,13 @@
               <a:rPr lang="zh-CN" altLang="en-US" smtClean="0"/>
               <a:t>单击此处编辑母版标题样式</a:t>
             </a:r>
-            <a:endParaRPr lang="zh-CN" altLang="en-US"/>
+            <a:endParaRPr lang="en-US" dirty="0"/>
           </a:p>
         </p:txBody>
       </p:sp>
       <p:sp>
         <p:nvSpPr>
-          <p:cNvPr id="3" name="内容占位符 2"/>
+          <p:cNvPr id="3" name="Content Placeholder 2"/>
           <p:cNvSpPr>
             <a:spLocks noGrp="1"/>
           </p:cNvSpPr>
@@ -1117,8 +1122,8 @@
         </p:nvSpPr>
         <p:spPr>
           <a:xfrm>
-            <a:off x="838200" y="1825625"/>
-            <a:ext cx="5181600" cy="4351338"/>
+            <a:off x="714435" y="1633765"/>
+            <a:ext cx="4416504" cy="3894045"/>
           </a:xfrm>
         </p:spPr>
         <p:txBody>
@@ -1158,13 +1163,13 @@
               <a:rPr lang="zh-CN" altLang="en-US" smtClean="0"/>
               <a:t>第五级</a:t>
             </a:r>
-            <a:endParaRPr lang="zh-CN" altLang="en-US"/>
+            <a:endParaRPr lang="en-US" dirty="0"/>
           </a:p>
         </p:txBody>
       </p:sp>
       <p:sp>
         <p:nvSpPr>
-          <p:cNvPr id="4" name="内容占位符 3"/>
+          <p:cNvPr id="4" name="Content Placeholder 3"/>
           <p:cNvSpPr>
             <a:spLocks noGrp="1"/>
           </p:cNvSpPr>
@@ -1174,8 +1179,8 @@
         </p:nvSpPr>
         <p:spPr>
           <a:xfrm>
-            <a:off x="6172200" y="1825625"/>
-            <a:ext cx="5181600" cy="4351338"/>
+            <a:off x="5260836" y="1633765"/>
+            <a:ext cx="4416504" cy="3894045"/>
           </a:xfrm>
         </p:spPr>
         <p:txBody>
@@ -1215,13 +1220,13 @@
               <a:rPr lang="zh-CN" altLang="en-US" smtClean="0"/>
               <a:t>第五级</a:t>
             </a:r>
-            <a:endParaRPr lang="zh-CN" altLang="en-US"/>
+            <a:endParaRPr lang="en-US" dirty="0"/>
           </a:p>
         </p:txBody>
       </p:sp>
       <p:sp>
         <p:nvSpPr>
-          <p:cNvPr id="5" name="日期占位符 4"/>
+          <p:cNvPr id="5" name="Date Placeholder 4"/>
           <p:cNvSpPr>
             <a:spLocks noGrp="1"/>
           </p:cNvSpPr>
@@ -1236,7 +1241,7 @@
           <a:p>
             <a:fld id="{D857D34E-A449-4BDD-AE85-C66AD236077B}" type="datetimeFigureOut">
               <a:rPr lang="zh-CN" altLang="en-US" smtClean="0"/>
-              <a:t>2021/12/10</a:t>
+              <a:t>2021/12/29</a:t>
             </a:fld>
             <a:endParaRPr lang="zh-CN" altLang="en-US"/>
           </a:p>
@@ -1244,7 +1249,7 @@
       </p:sp>
       <p:sp>
         <p:nvSpPr>
-          <p:cNvPr id="6" name="页脚占位符 5"/>
+          <p:cNvPr id="6" name="Footer Placeholder 5"/>
           <p:cNvSpPr>
             <a:spLocks noGrp="1"/>
           </p:cNvSpPr>
@@ -1263,7 +1268,7 @@
       </p:sp>
       <p:sp>
         <p:nvSpPr>
-          <p:cNvPr id="7" name="灯片编号占位符 6"/>
+          <p:cNvPr id="7" name="Slide Number Placeholder 6"/>
           <p:cNvSpPr>
             <a:spLocks noGrp="1"/>
           </p:cNvSpPr>
@@ -1287,7 +1292,7 @@
     </p:spTree>
     <p:extLst>
       <p:ext uri="{BB962C8B-B14F-4D97-AF65-F5344CB8AC3E}">
-        <p14:creationId xmlns:p14="http://schemas.microsoft.com/office/powerpoint/2010/main" val="3268007037"/>
+        <p14:creationId xmlns:p14="http://schemas.microsoft.com/office/powerpoint/2010/main" val="1071774987"/>
       </p:ext>
     </p:extLst>
   </p:cSld>
@@ -1316,7 +1321,7 @@
       </p:grpSpPr>
       <p:sp>
         <p:nvSpPr>
-          <p:cNvPr id="2" name="标题 1"/>
+          <p:cNvPr id="2" name="Title 1"/>
           <p:cNvSpPr>
             <a:spLocks noGrp="1"/>
           </p:cNvSpPr>
@@ -1326,8 +1331,8 @@
         </p:nvSpPr>
         <p:spPr>
           <a:xfrm>
-            <a:off x="839788" y="365125"/>
-            <a:ext cx="10515600" cy="1325563"/>
+            <a:off x="715788" y="326754"/>
+            <a:ext cx="8962906" cy="1186256"/>
           </a:xfrm>
         </p:spPr>
         <p:txBody>
@@ -1338,13 +1343,13 @@
               <a:rPr lang="zh-CN" altLang="en-US" smtClean="0"/>
               <a:t>单击此处编辑母版标题样式</a:t>
             </a:r>
-            <a:endParaRPr lang="zh-CN" altLang="en-US"/>
+            <a:endParaRPr lang="en-US" dirty="0"/>
           </a:p>
         </p:txBody>
       </p:sp>
       <p:sp>
         <p:nvSpPr>
-          <p:cNvPr id="3" name="文本占位符 2"/>
+          <p:cNvPr id="3" name="Text Placeholder 2"/>
           <p:cNvSpPr>
             <a:spLocks noGrp="1"/>
           </p:cNvSpPr>
@@ -1354,8 +1359,8 @@
         </p:nvSpPr>
         <p:spPr>
           <a:xfrm>
-            <a:off x="839788" y="1681163"/>
-            <a:ext cx="5157787" cy="823912"/>
+            <a:off x="715788" y="1504485"/>
+            <a:ext cx="4396208" cy="737325"/>
           </a:xfrm>
         </p:spPr>
         <p:txBody>
@@ -1363,39 +1368,39 @@
           <a:lstStyle>
             <a:lvl1pPr marL="0" indent="0">
               <a:buNone/>
-              <a:defRPr sz="2400" b="1"/>
+              <a:defRPr sz="2046" b="1"/>
             </a:lvl1pPr>
-            <a:lvl2pPr marL="457200" indent="0">
+            <a:lvl2pPr marL="389672" indent="0">
               <a:buNone/>
-              <a:defRPr sz="2000" b="1"/>
+              <a:defRPr sz="1705" b="1"/>
             </a:lvl2pPr>
-            <a:lvl3pPr marL="914400" indent="0">
+            <a:lvl3pPr marL="779343" indent="0">
               <a:buNone/>
-              <a:defRPr sz="1800" b="1"/>
+              <a:defRPr sz="1534" b="1"/>
             </a:lvl3pPr>
-            <a:lvl4pPr marL="1371600" indent="0">
+            <a:lvl4pPr marL="1169015" indent="0">
               <a:buNone/>
-              <a:defRPr sz="1600" b="1"/>
+              <a:defRPr sz="1364" b="1"/>
             </a:lvl4pPr>
-            <a:lvl5pPr marL="1828800" indent="0">
+            <a:lvl5pPr marL="1558686" indent="0">
               <a:buNone/>
-              <a:defRPr sz="1600" b="1"/>
+              <a:defRPr sz="1364" b="1"/>
             </a:lvl5pPr>
-            <a:lvl6pPr marL="2286000" indent="0">
+            <a:lvl6pPr marL="1948358" indent="0">
               <a:buNone/>
-              <a:defRPr sz="1600" b="1"/>
+              <a:defRPr sz="1364" b="1"/>
             </a:lvl6pPr>
-            <a:lvl7pPr marL="2743200" indent="0">
+            <a:lvl7pPr marL="2338029" indent="0">
               <a:buNone/>
-              <a:defRPr sz="1600" b="1"/>
+              <a:defRPr sz="1364" b="1"/>
             </a:lvl7pPr>
-            <a:lvl8pPr marL="3200400" indent="0">
+            <a:lvl8pPr marL="2727701" indent="0">
               <a:buNone/>
-              <a:defRPr sz="1600" b="1"/>
+              <a:defRPr sz="1364" b="1"/>
             </a:lvl8pPr>
-            <a:lvl9pPr marL="3657600" indent="0">
+            <a:lvl9pPr marL="3117372" indent="0">
               <a:buNone/>
-              <a:defRPr sz="1600" b="1"/>
+              <a:defRPr sz="1364" b="1"/>
             </a:lvl9pPr>
           </a:lstStyle>
           <a:p>
@@ -1409,7 +1414,7 @@
       </p:sp>
       <p:sp>
         <p:nvSpPr>
-          <p:cNvPr id="4" name="内容占位符 3"/>
+          <p:cNvPr id="4" name="Content Placeholder 3"/>
           <p:cNvSpPr>
             <a:spLocks noGrp="1"/>
           </p:cNvSpPr>
@@ -1419,8 +1424,8 @@
         </p:nvSpPr>
         <p:spPr>
           <a:xfrm>
-            <a:off x="839788" y="2505075"/>
-            <a:ext cx="5157787" cy="3684588"/>
+            <a:off x="715788" y="2241810"/>
+            <a:ext cx="4396208" cy="3297365"/>
           </a:xfrm>
         </p:spPr>
         <p:txBody>
@@ -1460,13 +1465,13 @@
               <a:rPr lang="zh-CN" altLang="en-US" smtClean="0"/>
               <a:t>第五级</a:t>
             </a:r>
-            <a:endParaRPr lang="zh-CN" altLang="en-US"/>
+            <a:endParaRPr lang="en-US" dirty="0"/>
           </a:p>
         </p:txBody>
       </p:sp>
       <p:sp>
         <p:nvSpPr>
-          <p:cNvPr id="5" name="文本占位符 4"/>
+          <p:cNvPr id="5" name="Text Placeholder 4"/>
           <p:cNvSpPr>
             <a:spLocks noGrp="1"/>
           </p:cNvSpPr>
@@ -1476,8 +1481,8 @@
         </p:nvSpPr>
         <p:spPr>
           <a:xfrm>
-            <a:off x="6172200" y="1681163"/>
-            <a:ext cx="5183188" cy="823912"/>
+            <a:off x="5260836" y="1504485"/>
+            <a:ext cx="4417858" cy="737325"/>
           </a:xfrm>
         </p:spPr>
         <p:txBody>
@@ -1485,39 +1490,39 @@
           <a:lstStyle>
             <a:lvl1pPr marL="0" indent="0">
               <a:buNone/>
-              <a:defRPr sz="2400" b="1"/>
+              <a:defRPr sz="2046" b="1"/>
             </a:lvl1pPr>
-            <a:lvl2pPr marL="457200" indent="0">
+            <a:lvl2pPr marL="389672" indent="0">
               <a:buNone/>
-              <a:defRPr sz="2000" b="1"/>
+              <a:defRPr sz="1705" b="1"/>
             </a:lvl2pPr>
-            <a:lvl3pPr marL="914400" indent="0">
+            <a:lvl3pPr marL="779343" indent="0">
               <a:buNone/>
-              <a:defRPr sz="1800" b="1"/>
+              <a:defRPr sz="1534" b="1"/>
             </a:lvl3pPr>
-            <a:lvl4pPr marL="1371600" indent="0">
+            <a:lvl4pPr marL="1169015" indent="0">
               <a:buNone/>
-              <a:defRPr sz="1600" b="1"/>
+              <a:defRPr sz="1364" b="1"/>
             </a:lvl4pPr>
-            <a:lvl5pPr marL="1828800" indent="0">
+            <a:lvl5pPr marL="1558686" indent="0">
               <a:buNone/>
-              <a:defRPr sz="1600" b="1"/>
+              <a:defRPr sz="1364" b="1"/>
             </a:lvl5pPr>
-            <a:lvl6pPr marL="2286000" indent="0">
+            <a:lvl6pPr marL="1948358" indent="0">
               <a:buNone/>
-              <a:defRPr sz="1600" b="1"/>
+              <a:defRPr sz="1364" b="1"/>
             </a:lvl6pPr>
-            <a:lvl7pPr marL="2743200" indent="0">
+            <a:lvl7pPr marL="2338029" indent="0">
               <a:buNone/>
-              <a:defRPr sz="1600" b="1"/>
+              <a:defRPr sz="1364" b="1"/>
             </a:lvl7pPr>
-            <a:lvl8pPr marL="3200400" indent="0">
+            <a:lvl8pPr marL="2727701" indent="0">
               <a:buNone/>
-              <a:defRPr sz="1600" b="1"/>
+              <a:defRPr sz="1364" b="1"/>
             </a:lvl8pPr>
-            <a:lvl9pPr marL="3657600" indent="0">
+            <a:lvl9pPr marL="3117372" indent="0">
               <a:buNone/>
-              <a:defRPr sz="1600" b="1"/>
+              <a:defRPr sz="1364" b="1"/>
             </a:lvl9pPr>
           </a:lstStyle>
           <a:p>
@@ -1531,7 +1536,7 @@
       </p:sp>
       <p:sp>
         <p:nvSpPr>
-          <p:cNvPr id="6" name="内容占位符 5"/>
+          <p:cNvPr id="6" name="Content Placeholder 5"/>
           <p:cNvSpPr>
             <a:spLocks noGrp="1"/>
           </p:cNvSpPr>
@@ -1541,8 +1546,8 @@
         </p:nvSpPr>
         <p:spPr>
           <a:xfrm>
-            <a:off x="6172200" y="2505075"/>
-            <a:ext cx="5183188" cy="3684588"/>
+            <a:off x="5260836" y="2241810"/>
+            <a:ext cx="4417858" cy="3297365"/>
           </a:xfrm>
         </p:spPr>
         <p:txBody>
@@ -1582,13 +1587,13 @@
               <a:rPr lang="zh-CN" altLang="en-US" smtClean="0"/>
               <a:t>第五级</a:t>
             </a:r>
-            <a:endParaRPr lang="zh-CN" altLang="en-US"/>
+            <a:endParaRPr lang="en-US" dirty="0"/>
           </a:p>
         </p:txBody>
       </p:sp>
       <p:sp>
         <p:nvSpPr>
-          <p:cNvPr id="7" name="日期占位符 6"/>
+          <p:cNvPr id="7" name="Date Placeholder 6"/>
           <p:cNvSpPr>
             <a:spLocks noGrp="1"/>
           </p:cNvSpPr>
@@ -1603,7 +1608,7 @@
           <a:p>
             <a:fld id="{D857D34E-A449-4BDD-AE85-C66AD236077B}" type="datetimeFigureOut">
               <a:rPr lang="zh-CN" altLang="en-US" smtClean="0"/>
-              <a:t>2021/12/10</a:t>
+              <a:t>2021/12/29</a:t>
             </a:fld>
             <a:endParaRPr lang="zh-CN" altLang="en-US"/>
           </a:p>
@@ -1611,7 +1616,7 @@
       </p:sp>
       <p:sp>
         <p:nvSpPr>
-          <p:cNvPr id="8" name="页脚占位符 7"/>
+          <p:cNvPr id="8" name="Footer Placeholder 7"/>
           <p:cNvSpPr>
             <a:spLocks noGrp="1"/>
           </p:cNvSpPr>
@@ -1630,7 +1635,7 @@
       </p:sp>
       <p:sp>
         <p:nvSpPr>
-          <p:cNvPr id="9" name="灯片编号占位符 8"/>
+          <p:cNvPr id="9" name="Slide Number Placeholder 8"/>
           <p:cNvSpPr>
             <a:spLocks noGrp="1"/>
           </p:cNvSpPr>
@@ -1654,7 +1659,7 @@
     </p:spTree>
     <p:extLst>
       <p:ext uri="{BB962C8B-B14F-4D97-AF65-F5344CB8AC3E}">
-        <p14:creationId xmlns:p14="http://schemas.microsoft.com/office/powerpoint/2010/main" val="1933490731"/>
+        <p14:creationId xmlns:p14="http://schemas.microsoft.com/office/powerpoint/2010/main" val="3033353208"/>
       </p:ext>
     </p:extLst>
   </p:cSld>
@@ -1683,7 +1688,7 @@
       </p:grpSpPr>
       <p:sp>
         <p:nvSpPr>
-          <p:cNvPr id="2" name="标题 1"/>
+          <p:cNvPr id="2" name="Title 1"/>
           <p:cNvSpPr>
             <a:spLocks noGrp="1"/>
           </p:cNvSpPr>
@@ -1700,13 +1705,13 @@
               <a:rPr lang="zh-CN" altLang="en-US" smtClean="0"/>
               <a:t>单击此处编辑母版标题样式</a:t>
             </a:r>
-            <a:endParaRPr lang="zh-CN" altLang="en-US"/>
+            <a:endParaRPr lang="en-US" dirty="0"/>
           </a:p>
         </p:txBody>
       </p:sp>
       <p:sp>
         <p:nvSpPr>
-          <p:cNvPr id="3" name="日期占位符 2"/>
+          <p:cNvPr id="3" name="Date Placeholder 2"/>
           <p:cNvSpPr>
             <a:spLocks noGrp="1"/>
           </p:cNvSpPr>
@@ -1721,7 +1726,7 @@
           <a:p>
             <a:fld id="{D857D34E-A449-4BDD-AE85-C66AD236077B}" type="datetimeFigureOut">
               <a:rPr lang="zh-CN" altLang="en-US" smtClean="0"/>
-              <a:t>2021/12/10</a:t>
+              <a:t>2021/12/29</a:t>
             </a:fld>
             <a:endParaRPr lang="zh-CN" altLang="en-US"/>
           </a:p>
@@ -1729,7 +1734,7 @@
       </p:sp>
       <p:sp>
         <p:nvSpPr>
-          <p:cNvPr id="4" name="页脚占位符 3"/>
+          <p:cNvPr id="4" name="Footer Placeholder 3"/>
           <p:cNvSpPr>
             <a:spLocks noGrp="1"/>
           </p:cNvSpPr>
@@ -1748,7 +1753,7 @@
       </p:sp>
       <p:sp>
         <p:nvSpPr>
-          <p:cNvPr id="5" name="灯片编号占位符 4"/>
+          <p:cNvPr id="5" name="Slide Number Placeholder 4"/>
           <p:cNvSpPr>
             <a:spLocks noGrp="1"/>
           </p:cNvSpPr>
@@ -1772,7 +1777,7 @@
     </p:spTree>
     <p:extLst>
       <p:ext uri="{BB962C8B-B14F-4D97-AF65-F5344CB8AC3E}">
-        <p14:creationId xmlns:p14="http://schemas.microsoft.com/office/powerpoint/2010/main" val="1976874336"/>
+        <p14:creationId xmlns:p14="http://schemas.microsoft.com/office/powerpoint/2010/main" val="1843289339"/>
       </p:ext>
     </p:extLst>
   </p:cSld>
@@ -1801,7 +1806,7 @@
       </p:grpSpPr>
       <p:sp>
         <p:nvSpPr>
-          <p:cNvPr id="2" name="日期占位符 1"/>
+          <p:cNvPr id="2" name="Date Placeholder 1"/>
           <p:cNvSpPr>
             <a:spLocks noGrp="1"/>
           </p:cNvSpPr>
@@ -1816,7 +1821,7 @@
           <a:p>
             <a:fld id="{D857D34E-A449-4BDD-AE85-C66AD236077B}" type="datetimeFigureOut">
               <a:rPr lang="zh-CN" altLang="en-US" smtClean="0"/>
-              <a:t>2021/12/10</a:t>
+              <a:t>2021/12/29</a:t>
             </a:fld>
             <a:endParaRPr lang="zh-CN" altLang="en-US"/>
           </a:p>
@@ -1824,7 +1829,7 @@
       </p:sp>
       <p:sp>
         <p:nvSpPr>
-          <p:cNvPr id="3" name="页脚占位符 2"/>
+          <p:cNvPr id="3" name="Footer Placeholder 2"/>
           <p:cNvSpPr>
             <a:spLocks noGrp="1"/>
           </p:cNvSpPr>
@@ -1843,7 +1848,7 @@
       </p:sp>
       <p:sp>
         <p:nvSpPr>
-          <p:cNvPr id="4" name="灯片编号占位符 3"/>
+          <p:cNvPr id="4" name="Slide Number Placeholder 3"/>
           <p:cNvSpPr>
             <a:spLocks noGrp="1"/>
           </p:cNvSpPr>
@@ -1867,7 +1872,7 @@
     </p:spTree>
     <p:extLst>
       <p:ext uri="{BB962C8B-B14F-4D97-AF65-F5344CB8AC3E}">
-        <p14:creationId xmlns:p14="http://schemas.microsoft.com/office/powerpoint/2010/main" val="3769843273"/>
+        <p14:creationId xmlns:p14="http://schemas.microsoft.com/office/powerpoint/2010/main" val="3898870443"/>
       </p:ext>
     </p:extLst>
   </p:cSld>
@@ -1896,7 +1901,7 @@
       </p:grpSpPr>
       <p:sp>
         <p:nvSpPr>
-          <p:cNvPr id="2" name="标题 1"/>
+          <p:cNvPr id="2" name="Title 1"/>
           <p:cNvSpPr>
             <a:spLocks noGrp="1"/>
           </p:cNvSpPr>
@@ -1906,15 +1911,15 @@
         </p:nvSpPr>
         <p:spPr>
           <a:xfrm>
-            <a:off x="839788" y="457200"/>
-            <a:ext cx="3932237" cy="1600200"/>
+            <a:off x="715788" y="409152"/>
+            <a:ext cx="3351618" cy="1432031"/>
           </a:xfrm>
         </p:spPr>
         <p:txBody>
           <a:bodyPr anchor="b"/>
           <a:lstStyle>
             <a:lvl1pPr>
-              <a:defRPr sz="3200"/>
+              <a:defRPr sz="2727"/>
             </a:lvl1pPr>
           </a:lstStyle>
           <a:p>
@@ -1922,13 +1927,13 @@
               <a:rPr lang="zh-CN" altLang="en-US" smtClean="0"/>
               <a:t>单击此处编辑母版标题样式</a:t>
             </a:r>
-            <a:endParaRPr lang="zh-CN" altLang="en-US"/>
+            <a:endParaRPr lang="en-US" dirty="0"/>
           </a:p>
         </p:txBody>
       </p:sp>
       <p:sp>
         <p:nvSpPr>
-          <p:cNvPr id="3" name="内容占位符 2"/>
+          <p:cNvPr id="3" name="Content Placeholder 2"/>
           <p:cNvSpPr>
             <a:spLocks noGrp="1"/>
           </p:cNvSpPr>
@@ -1938,39 +1943,39 @@
         </p:nvSpPr>
         <p:spPr>
           <a:xfrm>
-            <a:off x="5183188" y="987425"/>
-            <a:ext cx="6172200" cy="4873625"/>
+            <a:off x="4417858" y="883654"/>
+            <a:ext cx="5260836" cy="4361443"/>
           </a:xfrm>
         </p:spPr>
         <p:txBody>
           <a:bodyPr/>
           <a:lstStyle>
             <a:lvl1pPr>
-              <a:defRPr sz="3200"/>
+              <a:defRPr sz="2727"/>
             </a:lvl1pPr>
             <a:lvl2pPr>
-              <a:defRPr sz="2800"/>
+              <a:defRPr sz="2386"/>
             </a:lvl2pPr>
             <a:lvl3pPr>
-              <a:defRPr sz="2400"/>
+              <a:defRPr sz="2046"/>
             </a:lvl3pPr>
             <a:lvl4pPr>
-              <a:defRPr sz="2000"/>
+              <a:defRPr sz="1705"/>
             </a:lvl4pPr>
             <a:lvl5pPr>
-              <a:defRPr sz="2000"/>
+              <a:defRPr sz="1705"/>
             </a:lvl5pPr>
             <a:lvl6pPr>
-              <a:defRPr sz="2000"/>
+              <a:defRPr sz="1705"/>
             </a:lvl6pPr>
             <a:lvl7pPr>
-              <a:defRPr sz="2000"/>
+              <a:defRPr sz="1705"/>
             </a:lvl7pPr>
             <a:lvl8pPr>
-              <a:defRPr sz="2000"/>
+              <a:defRPr sz="1705"/>
             </a:lvl8pPr>
             <a:lvl9pPr>
-              <a:defRPr sz="2000"/>
+              <a:defRPr sz="1705"/>
             </a:lvl9pPr>
           </a:lstStyle>
           <a:p>
@@ -2007,13 +2012,13 @@
               <a:rPr lang="zh-CN" altLang="en-US" smtClean="0"/>
               <a:t>第五级</a:t>
             </a:r>
-            <a:endParaRPr lang="zh-CN" altLang="en-US"/>
+            <a:endParaRPr lang="en-US" dirty="0"/>
           </a:p>
         </p:txBody>
       </p:sp>
       <p:sp>
         <p:nvSpPr>
-          <p:cNvPr id="4" name="文本占位符 3"/>
+          <p:cNvPr id="4" name="Text Placeholder 3"/>
           <p:cNvSpPr>
             <a:spLocks noGrp="1"/>
           </p:cNvSpPr>
@@ -2023,8 +2028,8 @@
         </p:nvSpPr>
         <p:spPr>
           <a:xfrm>
-            <a:off x="839788" y="2057400"/>
-            <a:ext cx="3932237" cy="3811588"/>
+            <a:off x="715788" y="1841183"/>
+            <a:ext cx="3351618" cy="3411018"/>
           </a:xfrm>
         </p:spPr>
         <p:txBody>
@@ -2032,39 +2037,39 @@
           <a:lstStyle>
             <a:lvl1pPr marL="0" indent="0">
               <a:buNone/>
-              <a:defRPr sz="1600"/>
+              <a:defRPr sz="1364"/>
             </a:lvl1pPr>
-            <a:lvl2pPr marL="457200" indent="0">
+            <a:lvl2pPr marL="389672" indent="0">
               <a:buNone/>
-              <a:defRPr sz="1400"/>
+              <a:defRPr sz="1193"/>
             </a:lvl2pPr>
-            <a:lvl3pPr marL="914400" indent="0">
+            <a:lvl3pPr marL="779343" indent="0">
               <a:buNone/>
-              <a:defRPr sz="1200"/>
+              <a:defRPr sz="1023"/>
             </a:lvl3pPr>
-            <a:lvl4pPr marL="1371600" indent="0">
+            <a:lvl4pPr marL="1169015" indent="0">
               <a:buNone/>
-              <a:defRPr sz="1000"/>
+              <a:defRPr sz="852"/>
             </a:lvl4pPr>
-            <a:lvl5pPr marL="1828800" indent="0">
+            <a:lvl5pPr marL="1558686" indent="0">
               <a:buNone/>
-              <a:defRPr sz="1000"/>
+              <a:defRPr sz="852"/>
             </a:lvl5pPr>
-            <a:lvl6pPr marL="2286000" indent="0">
+            <a:lvl6pPr marL="1948358" indent="0">
               <a:buNone/>
-              <a:defRPr sz="1000"/>
+              <a:defRPr sz="852"/>
             </a:lvl6pPr>
-            <a:lvl7pPr marL="2743200" indent="0">
+            <a:lvl7pPr marL="2338029" indent="0">
               <a:buNone/>
-              <a:defRPr sz="1000"/>
+              <a:defRPr sz="852"/>
             </a:lvl7pPr>
-            <a:lvl8pPr marL="3200400" indent="0">
+            <a:lvl8pPr marL="2727701" indent="0">
               <a:buNone/>
-              <a:defRPr sz="1000"/>
+              <a:defRPr sz="852"/>
             </a:lvl8pPr>
-            <a:lvl9pPr marL="3657600" indent="0">
+            <a:lvl9pPr marL="3117372" indent="0">
               <a:buNone/>
-              <a:defRPr sz="1000"/>
+              <a:defRPr sz="852"/>
             </a:lvl9pPr>
           </a:lstStyle>
           <a:p>
@@ -2078,7 +2083,7 @@
       </p:sp>
       <p:sp>
         <p:nvSpPr>
-          <p:cNvPr id="5" name="日期占位符 4"/>
+          <p:cNvPr id="5" name="Date Placeholder 4"/>
           <p:cNvSpPr>
             <a:spLocks noGrp="1"/>
           </p:cNvSpPr>
@@ -2093,7 +2098,7 @@
           <a:p>
             <a:fld id="{D857D34E-A449-4BDD-AE85-C66AD236077B}" type="datetimeFigureOut">
               <a:rPr lang="zh-CN" altLang="en-US" smtClean="0"/>
-              <a:t>2021/12/10</a:t>
+              <a:t>2021/12/29</a:t>
             </a:fld>
             <a:endParaRPr lang="zh-CN" altLang="en-US"/>
           </a:p>
@@ -2101,7 +2106,7 @@
       </p:sp>
       <p:sp>
         <p:nvSpPr>
-          <p:cNvPr id="6" name="页脚占位符 5"/>
+          <p:cNvPr id="6" name="Footer Placeholder 5"/>
           <p:cNvSpPr>
             <a:spLocks noGrp="1"/>
           </p:cNvSpPr>
@@ -2120,7 +2125,7 @@
       </p:sp>
       <p:sp>
         <p:nvSpPr>
-          <p:cNvPr id="7" name="灯片编号占位符 6"/>
+          <p:cNvPr id="7" name="Slide Number Placeholder 6"/>
           <p:cNvSpPr>
             <a:spLocks noGrp="1"/>
           </p:cNvSpPr>
@@ -2144,7 +2149,7 @@
     </p:spTree>
     <p:extLst>
       <p:ext uri="{BB962C8B-B14F-4D97-AF65-F5344CB8AC3E}">
-        <p14:creationId xmlns:p14="http://schemas.microsoft.com/office/powerpoint/2010/main" val="814557813"/>
+        <p14:creationId xmlns:p14="http://schemas.microsoft.com/office/powerpoint/2010/main" val="381883178"/>
       </p:ext>
     </p:extLst>
   </p:cSld>
@@ -2173,7 +2178,7 @@
       </p:grpSpPr>
       <p:sp>
         <p:nvSpPr>
-          <p:cNvPr id="2" name="标题 1"/>
+          <p:cNvPr id="2" name="Title 1"/>
           <p:cNvSpPr>
             <a:spLocks noGrp="1"/>
           </p:cNvSpPr>
@@ -2183,15 +2188,15 @@
         </p:nvSpPr>
         <p:spPr>
           <a:xfrm>
-            <a:off x="839788" y="457200"/>
-            <a:ext cx="3932237" cy="1600200"/>
+            <a:off x="715788" y="409152"/>
+            <a:ext cx="3351618" cy="1432031"/>
           </a:xfrm>
         </p:spPr>
         <p:txBody>
           <a:bodyPr anchor="b"/>
           <a:lstStyle>
             <a:lvl1pPr>
-              <a:defRPr sz="3200"/>
+              <a:defRPr sz="2727"/>
             </a:lvl1pPr>
           </a:lstStyle>
           <a:p>
@@ -2199,15 +2204,15 @@
               <a:rPr lang="zh-CN" altLang="en-US" smtClean="0"/>
               <a:t>单击此处编辑母版标题样式</a:t>
             </a:r>
-            <a:endParaRPr lang="zh-CN" altLang="en-US"/>
+            <a:endParaRPr lang="en-US" dirty="0"/>
           </a:p>
         </p:txBody>
       </p:sp>
       <p:sp>
         <p:nvSpPr>
-          <p:cNvPr id="3" name="图片占位符 2"/>
+          <p:cNvPr id="3" name="Picture Placeholder 2"/>
           <p:cNvSpPr>
-            <a:spLocks noGrp="1"/>
+            <a:spLocks noGrp="1" noChangeAspect="1"/>
           </p:cNvSpPr>
           <p:nvPr>
             <p:ph type="pic" idx="1"/>
@@ -2215,58 +2220,62 @@
         </p:nvSpPr>
         <p:spPr>
           <a:xfrm>
-            <a:off x="5183188" y="987425"/>
-            <a:ext cx="6172200" cy="4873625"/>
+            <a:off x="4417858" y="883654"/>
+            <a:ext cx="5260836" cy="4361443"/>
           </a:xfrm>
         </p:spPr>
         <p:txBody>
-          <a:bodyPr/>
+          <a:bodyPr anchor="t"/>
           <a:lstStyle>
             <a:lvl1pPr marL="0" indent="0">
               <a:buNone/>
-              <a:defRPr sz="3200"/>
+              <a:defRPr sz="2727"/>
             </a:lvl1pPr>
-            <a:lvl2pPr marL="457200" indent="0">
+            <a:lvl2pPr marL="389672" indent="0">
               <a:buNone/>
-              <a:defRPr sz="2800"/>
+              <a:defRPr sz="2386"/>
             </a:lvl2pPr>
-            <a:lvl3pPr marL="914400" indent="0">
+            <a:lvl3pPr marL="779343" indent="0">
               <a:buNone/>
-              <a:defRPr sz="2400"/>
+              <a:defRPr sz="2046"/>
             </a:lvl3pPr>
-            <a:lvl4pPr marL="1371600" indent="0">
+            <a:lvl4pPr marL="1169015" indent="0">
               <a:buNone/>
-              <a:defRPr sz="2000"/>
+              <a:defRPr sz="1705"/>
             </a:lvl4pPr>
-            <a:lvl5pPr marL="1828800" indent="0">
+            <a:lvl5pPr marL="1558686" indent="0">
               <a:buNone/>
-              <a:defRPr sz="2000"/>
+              <a:defRPr sz="1705"/>
             </a:lvl5pPr>
-            <a:lvl6pPr marL="2286000" indent="0">
+            <a:lvl6pPr marL="1948358" indent="0">
               <a:buNone/>
-              <a:defRPr sz="2000"/>
+              <a:defRPr sz="1705"/>
             </a:lvl6pPr>
-            <a:lvl7pPr marL="2743200" indent="0">
+            <a:lvl7pPr marL="2338029" indent="0">
               <a:buNone/>
-              <a:defRPr sz="2000"/>
+              <a:defRPr sz="1705"/>
             </a:lvl7pPr>
-            <a:lvl8pPr marL="3200400" indent="0">
+            <a:lvl8pPr marL="2727701" indent="0">
               <a:buNone/>
-              <a:defRPr sz="2000"/>
+              <a:defRPr sz="1705"/>
             </a:lvl8pPr>
-            <a:lvl9pPr marL="3657600" indent="0">
+            <a:lvl9pPr marL="3117372" indent="0">
               <a:buNone/>
-              <a:defRPr sz="2000"/>
+              <a:defRPr sz="1705"/>
             </a:lvl9pPr>
           </a:lstStyle>
           <a:p>
-            <a:endParaRPr lang="zh-CN" altLang="en-US"/>
+            <a:r>
+              <a:rPr lang="zh-CN" altLang="en-US" smtClean="0"/>
+              <a:t>单击图标添加图片</a:t>
+            </a:r>
+            <a:endParaRPr lang="en-US" dirty="0"/>
           </a:p>
         </p:txBody>
       </p:sp>
       <p:sp>
         <p:nvSpPr>
-          <p:cNvPr id="4" name="文本占位符 3"/>
+          <p:cNvPr id="4" name="Text Placeholder 3"/>
           <p:cNvSpPr>
             <a:spLocks noGrp="1"/>
           </p:cNvSpPr>
@@ -2276,8 +2285,8 @@
         </p:nvSpPr>
         <p:spPr>
           <a:xfrm>
-            <a:off x="839788" y="2057400"/>
-            <a:ext cx="3932237" cy="3811588"/>
+            <a:off x="715788" y="1841183"/>
+            <a:ext cx="3351618" cy="3411018"/>
           </a:xfrm>
         </p:spPr>
         <p:txBody>
@@ -2285,39 +2294,39 @@
           <a:lstStyle>
             <a:lvl1pPr marL="0" indent="0">
               <a:buNone/>
-              <a:defRPr sz="1600"/>
+              <a:defRPr sz="1364"/>
             </a:lvl1pPr>
-            <a:lvl2pPr marL="457200" indent="0">
+            <a:lvl2pPr marL="389672" indent="0">
               <a:buNone/>
-              <a:defRPr sz="1400"/>
+              <a:defRPr sz="1193"/>
             </a:lvl2pPr>
-            <a:lvl3pPr marL="914400" indent="0">
+            <a:lvl3pPr marL="779343" indent="0">
               <a:buNone/>
-              <a:defRPr sz="1200"/>
+              <a:defRPr sz="1023"/>
             </a:lvl3pPr>
-            <a:lvl4pPr marL="1371600" indent="0">
+            <a:lvl4pPr marL="1169015" indent="0">
               <a:buNone/>
-              <a:defRPr sz="1000"/>
+              <a:defRPr sz="852"/>
             </a:lvl4pPr>
-            <a:lvl5pPr marL="1828800" indent="0">
+            <a:lvl5pPr marL="1558686" indent="0">
               <a:buNone/>
-              <a:defRPr sz="1000"/>
+              <a:defRPr sz="852"/>
             </a:lvl5pPr>
-            <a:lvl6pPr marL="2286000" indent="0">
+            <a:lvl6pPr marL="1948358" indent="0">
               <a:buNone/>
-              <a:defRPr sz="1000"/>
+              <a:defRPr sz="852"/>
             </a:lvl6pPr>
-            <a:lvl7pPr marL="2743200" indent="0">
+            <a:lvl7pPr marL="2338029" indent="0">
               <a:buNone/>
-              <a:defRPr sz="1000"/>
+              <a:defRPr sz="852"/>
             </a:lvl7pPr>
-            <a:lvl8pPr marL="3200400" indent="0">
+            <a:lvl8pPr marL="2727701" indent="0">
               <a:buNone/>
-              <a:defRPr sz="1000"/>
+              <a:defRPr sz="852"/>
             </a:lvl8pPr>
-            <a:lvl9pPr marL="3657600" indent="0">
+            <a:lvl9pPr marL="3117372" indent="0">
               <a:buNone/>
-              <a:defRPr sz="1000"/>
+              <a:defRPr sz="852"/>
             </a:lvl9pPr>
           </a:lstStyle>
           <a:p>
@@ -2331,7 +2340,7 @@
       </p:sp>
       <p:sp>
         <p:nvSpPr>
-          <p:cNvPr id="5" name="日期占位符 4"/>
+          <p:cNvPr id="5" name="Date Placeholder 4"/>
           <p:cNvSpPr>
             <a:spLocks noGrp="1"/>
           </p:cNvSpPr>
@@ -2346,7 +2355,7 @@
           <a:p>
             <a:fld id="{D857D34E-A449-4BDD-AE85-C66AD236077B}" type="datetimeFigureOut">
               <a:rPr lang="zh-CN" altLang="en-US" smtClean="0"/>
-              <a:t>2021/12/10</a:t>
+              <a:t>2021/12/29</a:t>
             </a:fld>
             <a:endParaRPr lang="zh-CN" altLang="en-US"/>
           </a:p>
@@ -2354,7 +2363,7 @@
       </p:sp>
       <p:sp>
         <p:nvSpPr>
-          <p:cNvPr id="6" name="页脚占位符 5"/>
+          <p:cNvPr id="6" name="Footer Placeholder 5"/>
           <p:cNvSpPr>
             <a:spLocks noGrp="1"/>
           </p:cNvSpPr>
@@ -2373,7 +2382,7 @@
       </p:sp>
       <p:sp>
         <p:nvSpPr>
-          <p:cNvPr id="7" name="灯片编号占位符 6"/>
+          <p:cNvPr id="7" name="Slide Number Placeholder 6"/>
           <p:cNvSpPr>
             <a:spLocks noGrp="1"/>
           </p:cNvSpPr>
@@ -2397,7 +2406,7 @@
     </p:spTree>
     <p:extLst>
       <p:ext uri="{BB962C8B-B14F-4D97-AF65-F5344CB8AC3E}">
-        <p14:creationId xmlns:p14="http://schemas.microsoft.com/office/powerpoint/2010/main" val="3360455879"/>
+        <p14:creationId xmlns:p14="http://schemas.microsoft.com/office/powerpoint/2010/main" val="2231444617"/>
       </p:ext>
     </p:extLst>
   </p:cSld>
@@ -2431,7 +2440,7 @@
       </p:grpSpPr>
       <p:sp>
         <p:nvSpPr>
-          <p:cNvPr id="2" name="标题占位符 1"/>
+          <p:cNvPr id="2" name="Title Placeholder 1"/>
           <p:cNvSpPr>
             <a:spLocks noGrp="1"/>
           </p:cNvSpPr>
@@ -2441,8 +2450,8 @@
         </p:nvSpPr>
         <p:spPr>
           <a:xfrm>
-            <a:off x="838200" y="365125"/>
-            <a:ext cx="10515600" cy="1325563"/>
+            <a:off x="714435" y="326754"/>
+            <a:ext cx="8962906" cy="1186256"/>
           </a:xfrm>
           <a:prstGeom prst="rect">
             <a:avLst/>
@@ -2458,13 +2467,13 @@
               <a:rPr lang="zh-CN" altLang="en-US" smtClean="0"/>
               <a:t>单击此处编辑母版标题样式</a:t>
             </a:r>
-            <a:endParaRPr lang="zh-CN" altLang="en-US"/>
+            <a:endParaRPr lang="en-US" dirty="0"/>
           </a:p>
         </p:txBody>
       </p:sp>
       <p:sp>
         <p:nvSpPr>
-          <p:cNvPr id="3" name="文本占位符 2"/>
+          <p:cNvPr id="3" name="Text Placeholder 2"/>
           <p:cNvSpPr>
             <a:spLocks noGrp="1"/>
           </p:cNvSpPr>
@@ -2474,8 +2483,8 @@
         </p:nvSpPr>
         <p:spPr>
           <a:xfrm>
-            <a:off x="838200" y="1825625"/>
-            <a:ext cx="10515600" cy="4351338"/>
+            <a:off x="714435" y="1633765"/>
+            <a:ext cx="8962906" cy="3894045"/>
           </a:xfrm>
           <a:prstGeom prst="rect">
             <a:avLst/>
@@ -2520,13 +2529,13 @@
               <a:rPr lang="zh-CN" altLang="en-US" smtClean="0"/>
               <a:t>第五级</a:t>
             </a:r>
-            <a:endParaRPr lang="zh-CN" altLang="en-US"/>
+            <a:endParaRPr lang="en-US" dirty="0"/>
           </a:p>
         </p:txBody>
       </p:sp>
       <p:sp>
         <p:nvSpPr>
-          <p:cNvPr id="4" name="日期占位符 3"/>
+          <p:cNvPr id="4" name="Date Placeholder 3"/>
           <p:cNvSpPr>
             <a:spLocks noGrp="1"/>
           </p:cNvSpPr>
@@ -2536,8 +2545,8 @@
         </p:nvSpPr>
         <p:spPr>
           <a:xfrm>
-            <a:off x="838200" y="6356350"/>
-            <a:ext cx="2743200" cy="365125"/>
+            <a:off x="714435" y="5688345"/>
+            <a:ext cx="2338149" cy="326753"/>
           </a:xfrm>
           <a:prstGeom prst="rect">
             <a:avLst/>
@@ -2547,7 +2556,7 @@
           <a:bodyPr vert="horz" lIns="91440" tIns="45720" rIns="91440" bIns="45720" rtlCol="0" anchor="ctr"/>
           <a:lstStyle>
             <a:lvl1pPr algn="l">
-              <a:defRPr sz="1200">
+              <a:defRPr sz="1023">
                 <a:solidFill>
                   <a:schemeClr val="tx1">
                     <a:tint val="75000"/>
@@ -2559,7 +2568,7 @@
           <a:p>
             <a:fld id="{D857D34E-A449-4BDD-AE85-C66AD236077B}" type="datetimeFigureOut">
               <a:rPr lang="zh-CN" altLang="en-US" smtClean="0"/>
-              <a:t>2021/12/10</a:t>
+              <a:t>2021/12/29</a:t>
             </a:fld>
             <a:endParaRPr lang="zh-CN" altLang="en-US"/>
           </a:p>
@@ -2567,7 +2576,7 @@
       </p:sp>
       <p:sp>
         <p:nvSpPr>
-          <p:cNvPr id="5" name="页脚占位符 4"/>
+          <p:cNvPr id="5" name="Footer Placeholder 4"/>
           <p:cNvSpPr>
             <a:spLocks noGrp="1"/>
           </p:cNvSpPr>
@@ -2577,8 +2586,8 @@
         </p:nvSpPr>
         <p:spPr>
           <a:xfrm>
-            <a:off x="4038600" y="6356350"/>
-            <a:ext cx="4114800" cy="365125"/>
+            <a:off x="3442276" y="5688345"/>
+            <a:ext cx="3507224" cy="326753"/>
           </a:xfrm>
           <a:prstGeom prst="rect">
             <a:avLst/>
@@ -2588,7 +2597,7 @@
           <a:bodyPr vert="horz" lIns="91440" tIns="45720" rIns="91440" bIns="45720" rtlCol="0" anchor="ctr"/>
           <a:lstStyle>
             <a:lvl1pPr algn="ctr">
-              <a:defRPr sz="1200">
+              <a:defRPr sz="1023">
                 <a:solidFill>
                   <a:schemeClr val="tx1">
                     <a:tint val="75000"/>
@@ -2604,7 +2613,7 @@
       </p:sp>
       <p:sp>
         <p:nvSpPr>
-          <p:cNvPr id="6" name="灯片编号占位符 5"/>
+          <p:cNvPr id="6" name="Slide Number Placeholder 5"/>
           <p:cNvSpPr>
             <a:spLocks noGrp="1"/>
           </p:cNvSpPr>
@@ -2614,8 +2623,8 @@
         </p:nvSpPr>
         <p:spPr>
           <a:xfrm>
-            <a:off x="8610600" y="6356350"/>
-            <a:ext cx="2743200" cy="365125"/>
+            <a:off x="7339191" y="5688345"/>
+            <a:ext cx="2338149" cy="326753"/>
           </a:xfrm>
           <a:prstGeom prst="rect">
             <a:avLst/>
@@ -2625,7 +2634,7 @@
           <a:bodyPr vert="horz" lIns="91440" tIns="45720" rIns="91440" bIns="45720" rtlCol="0" anchor="ctr"/>
           <a:lstStyle>
             <a:lvl1pPr algn="r">
-              <a:defRPr sz="1200">
+              <a:defRPr sz="1023">
                 <a:solidFill>
                   <a:schemeClr val="tx1">
                     <a:tint val="75000"/>
@@ -2646,27 +2655,27 @@
     </p:spTree>
     <p:extLst>
       <p:ext uri="{BB962C8B-B14F-4D97-AF65-F5344CB8AC3E}">
-        <p14:creationId xmlns:p14="http://schemas.microsoft.com/office/powerpoint/2010/main" val="1327057275"/>
+        <p14:creationId xmlns:p14="http://schemas.microsoft.com/office/powerpoint/2010/main" val="1059363317"/>
       </p:ext>
     </p:extLst>
   </p:cSld>
   <p:clrMap bg1="lt1" tx1="dk1" bg2="lt2" tx2="dk2" accent1="accent1" accent2="accent2" accent3="accent3" accent4="accent4" accent5="accent5" accent6="accent6" hlink="hlink" folHlink="folHlink"/>
   <p:sldLayoutIdLst>
-    <p:sldLayoutId id="2147483649" r:id="rId1"/>
-    <p:sldLayoutId id="2147483650" r:id="rId2"/>
-    <p:sldLayoutId id="2147483651" r:id="rId3"/>
-    <p:sldLayoutId id="2147483652" r:id="rId4"/>
-    <p:sldLayoutId id="2147483653" r:id="rId5"/>
-    <p:sldLayoutId id="2147483654" r:id="rId6"/>
-    <p:sldLayoutId id="2147483655" r:id="rId7"/>
-    <p:sldLayoutId id="2147483656" r:id="rId8"/>
-    <p:sldLayoutId id="2147483657" r:id="rId9"/>
-    <p:sldLayoutId id="2147483658" r:id="rId10"/>
-    <p:sldLayoutId id="2147483659" r:id="rId11"/>
+    <p:sldLayoutId id="2147483685" r:id="rId1"/>
+    <p:sldLayoutId id="2147483686" r:id="rId2"/>
+    <p:sldLayoutId id="2147483687" r:id="rId3"/>
+    <p:sldLayoutId id="2147483688" r:id="rId4"/>
+    <p:sldLayoutId id="2147483689" r:id="rId5"/>
+    <p:sldLayoutId id="2147483690" r:id="rId6"/>
+    <p:sldLayoutId id="2147483691" r:id="rId7"/>
+    <p:sldLayoutId id="2147483692" r:id="rId8"/>
+    <p:sldLayoutId id="2147483693" r:id="rId9"/>
+    <p:sldLayoutId id="2147483694" r:id="rId10"/>
+    <p:sldLayoutId id="2147483695" r:id="rId11"/>
   </p:sldLayoutIdLst>
   <p:txStyles>
     <p:titleStyle>
-      <a:lvl1pPr algn="l" defTabSz="914400" rtl="0" eaLnBrk="1" latinLnBrk="0" hangingPunct="1">
+      <a:lvl1pPr algn="l" defTabSz="779343" rtl="0" eaLnBrk="1" latinLnBrk="0" hangingPunct="1">
         <a:lnSpc>
           <a:spcPct val="90000"/>
         </a:lnSpc>
@@ -2674,7 +2683,7 @@
           <a:spcPct val="0"/>
         </a:spcBef>
         <a:buNone/>
-        <a:defRPr sz="4400" kern="1200">
+        <a:defRPr sz="3750" kern="1200">
           <a:solidFill>
             <a:schemeClr val="tx1"/>
           </a:solidFill>
@@ -2685,16 +2694,16 @@
       </a:lvl1pPr>
     </p:titleStyle>
     <p:bodyStyle>
-      <a:lvl1pPr marL="228600" indent="-228600" algn="l" defTabSz="914400" rtl="0" eaLnBrk="1" latinLnBrk="0" hangingPunct="1">
+      <a:lvl1pPr marL="194836" indent="-194836" algn="l" defTabSz="779343" rtl="0" eaLnBrk="1" latinLnBrk="0" hangingPunct="1">
         <a:lnSpc>
           <a:spcPct val="90000"/>
         </a:lnSpc>
         <a:spcBef>
-          <a:spcPts val="1000"/>
+          <a:spcPts val="852"/>
         </a:spcBef>
         <a:buFont typeface="Arial" panose="020B0604020202020204" pitchFamily="34" charset="0"/>
         <a:buChar char="•"/>
-        <a:defRPr sz="2800" kern="1200">
+        <a:defRPr sz="2386" kern="1200">
           <a:solidFill>
             <a:schemeClr val="tx1"/>
           </a:solidFill>
@@ -2703,16 +2712,16 @@
           <a:cs typeface="+mn-cs"/>
         </a:defRPr>
       </a:lvl1pPr>
-      <a:lvl2pPr marL="685800" indent="-228600" algn="l" defTabSz="914400" rtl="0" eaLnBrk="1" latinLnBrk="0" hangingPunct="1">
+      <a:lvl2pPr marL="584507" indent="-194836" algn="l" defTabSz="779343" rtl="0" eaLnBrk="1" latinLnBrk="0" hangingPunct="1">
         <a:lnSpc>
           <a:spcPct val="90000"/>
         </a:lnSpc>
         <a:spcBef>
-          <a:spcPts val="500"/>
+          <a:spcPts val="426"/>
         </a:spcBef>
         <a:buFont typeface="Arial" panose="020B0604020202020204" pitchFamily="34" charset="0"/>
         <a:buChar char="•"/>
-        <a:defRPr sz="2400" kern="1200">
+        <a:defRPr sz="2046" kern="1200">
           <a:solidFill>
             <a:schemeClr val="tx1"/>
           </a:solidFill>
@@ -2721,16 +2730,16 @@
           <a:cs typeface="+mn-cs"/>
         </a:defRPr>
       </a:lvl2pPr>
-      <a:lvl3pPr marL="1143000" indent="-228600" algn="l" defTabSz="914400" rtl="0" eaLnBrk="1" latinLnBrk="0" hangingPunct="1">
+      <a:lvl3pPr marL="974179" indent="-194836" algn="l" defTabSz="779343" rtl="0" eaLnBrk="1" latinLnBrk="0" hangingPunct="1">
         <a:lnSpc>
           <a:spcPct val="90000"/>
         </a:lnSpc>
         <a:spcBef>
-          <a:spcPts val="500"/>
+          <a:spcPts val="426"/>
         </a:spcBef>
         <a:buFont typeface="Arial" panose="020B0604020202020204" pitchFamily="34" charset="0"/>
         <a:buChar char="•"/>
-        <a:defRPr sz="2000" kern="1200">
+        <a:defRPr sz="1705" kern="1200">
           <a:solidFill>
             <a:schemeClr val="tx1"/>
           </a:solidFill>
@@ -2739,16 +2748,16 @@
           <a:cs typeface="+mn-cs"/>
         </a:defRPr>
       </a:lvl3pPr>
-      <a:lvl4pPr marL="1600200" indent="-228600" algn="l" defTabSz="914400" rtl="0" eaLnBrk="1" latinLnBrk="0" hangingPunct="1">
+      <a:lvl4pPr marL="1363850" indent="-194836" algn="l" defTabSz="779343" rtl="0" eaLnBrk="1" latinLnBrk="0" hangingPunct="1">
         <a:lnSpc>
           <a:spcPct val="90000"/>
         </a:lnSpc>
         <a:spcBef>
-          <a:spcPts val="500"/>
+          <a:spcPts val="426"/>
         </a:spcBef>
         <a:buFont typeface="Arial" panose="020B0604020202020204" pitchFamily="34" charset="0"/>
         <a:buChar char="•"/>
-        <a:defRPr sz="1800" kern="1200">
+        <a:defRPr sz="1534" kern="1200">
           <a:solidFill>
             <a:schemeClr val="tx1"/>
           </a:solidFill>
@@ -2757,16 +2766,16 @@
           <a:cs typeface="+mn-cs"/>
         </a:defRPr>
       </a:lvl4pPr>
-      <a:lvl5pPr marL="2057400" indent="-228600" algn="l" defTabSz="914400" rtl="0" eaLnBrk="1" latinLnBrk="0" hangingPunct="1">
+      <a:lvl5pPr marL="1753522" indent="-194836" algn="l" defTabSz="779343" rtl="0" eaLnBrk="1" latinLnBrk="0" hangingPunct="1">
         <a:lnSpc>
           <a:spcPct val="90000"/>
         </a:lnSpc>
         <a:spcBef>
-          <a:spcPts val="500"/>
+          <a:spcPts val="426"/>
         </a:spcBef>
         <a:buFont typeface="Arial" panose="020B0604020202020204" pitchFamily="34" charset="0"/>
         <a:buChar char="•"/>
-        <a:defRPr sz="1800" kern="1200">
+        <a:defRPr sz="1534" kern="1200">
           <a:solidFill>
             <a:schemeClr val="tx1"/>
           </a:solidFill>
@@ -2775,16 +2784,16 @@
           <a:cs typeface="+mn-cs"/>
         </a:defRPr>
       </a:lvl5pPr>
-      <a:lvl6pPr marL="2514600" indent="-228600" algn="l" defTabSz="914400" rtl="0" eaLnBrk="1" latinLnBrk="0" hangingPunct="1">
+      <a:lvl6pPr marL="2143194" indent="-194836" algn="l" defTabSz="779343" rtl="0" eaLnBrk="1" latinLnBrk="0" hangingPunct="1">
         <a:lnSpc>
           <a:spcPct val="90000"/>
         </a:lnSpc>
         <a:spcBef>
-          <a:spcPts val="500"/>
+          <a:spcPts val="426"/>
         </a:spcBef>
         <a:buFont typeface="Arial" panose="020B0604020202020204" pitchFamily="34" charset="0"/>
         <a:buChar char="•"/>
-        <a:defRPr sz="1800" kern="1200">
+        <a:defRPr sz="1534" kern="1200">
           <a:solidFill>
             <a:schemeClr val="tx1"/>
           </a:solidFill>
@@ -2793,16 +2802,16 @@
           <a:cs typeface="+mn-cs"/>
         </a:defRPr>
       </a:lvl6pPr>
-      <a:lvl7pPr marL="2971800" indent="-228600" algn="l" defTabSz="914400" rtl="0" eaLnBrk="1" latinLnBrk="0" hangingPunct="1">
+      <a:lvl7pPr marL="2532865" indent="-194836" algn="l" defTabSz="779343" rtl="0" eaLnBrk="1" latinLnBrk="0" hangingPunct="1">
         <a:lnSpc>
           <a:spcPct val="90000"/>
         </a:lnSpc>
         <a:spcBef>
-          <a:spcPts val="500"/>
+          <a:spcPts val="426"/>
         </a:spcBef>
         <a:buFont typeface="Arial" panose="020B0604020202020204" pitchFamily="34" charset="0"/>
         <a:buChar char="•"/>
-        <a:defRPr sz="1800" kern="1200">
+        <a:defRPr sz="1534" kern="1200">
           <a:solidFill>
             <a:schemeClr val="tx1"/>
           </a:solidFill>
@@ -2811,16 +2820,16 @@
           <a:cs typeface="+mn-cs"/>
         </a:defRPr>
       </a:lvl7pPr>
-      <a:lvl8pPr marL="3429000" indent="-228600" algn="l" defTabSz="914400" rtl="0" eaLnBrk="1" latinLnBrk="0" hangingPunct="1">
+      <a:lvl8pPr marL="2922537" indent="-194836" algn="l" defTabSz="779343" rtl="0" eaLnBrk="1" latinLnBrk="0" hangingPunct="1">
         <a:lnSpc>
           <a:spcPct val="90000"/>
         </a:lnSpc>
         <a:spcBef>
-          <a:spcPts val="500"/>
+          <a:spcPts val="426"/>
         </a:spcBef>
         <a:buFont typeface="Arial" panose="020B0604020202020204" pitchFamily="34" charset="0"/>
         <a:buChar char="•"/>
-        <a:defRPr sz="1800" kern="1200">
+        <a:defRPr sz="1534" kern="1200">
           <a:solidFill>
             <a:schemeClr val="tx1"/>
           </a:solidFill>
@@ -2829,16 +2838,16 @@
           <a:cs typeface="+mn-cs"/>
         </a:defRPr>
       </a:lvl8pPr>
-      <a:lvl9pPr marL="3886200" indent="-228600" algn="l" defTabSz="914400" rtl="0" eaLnBrk="1" latinLnBrk="0" hangingPunct="1">
+      <a:lvl9pPr marL="3312208" indent="-194836" algn="l" defTabSz="779343" rtl="0" eaLnBrk="1" latinLnBrk="0" hangingPunct="1">
         <a:lnSpc>
           <a:spcPct val="90000"/>
         </a:lnSpc>
         <a:spcBef>
-          <a:spcPts val="500"/>
+          <a:spcPts val="426"/>
         </a:spcBef>
         <a:buFont typeface="Arial" panose="020B0604020202020204" pitchFamily="34" charset="0"/>
         <a:buChar char="•"/>
-        <a:defRPr sz="1800" kern="1200">
+        <a:defRPr sz="1534" kern="1200">
           <a:solidFill>
             <a:schemeClr val="tx1"/>
           </a:solidFill>
@@ -2850,10 +2859,10 @@
     </p:bodyStyle>
     <p:otherStyle>
       <a:defPPr>
-        <a:defRPr lang="zh-CN"/>
+        <a:defRPr lang="en-US"/>
       </a:defPPr>
-      <a:lvl1pPr marL="0" algn="l" defTabSz="914400" rtl="0" eaLnBrk="1" latinLnBrk="0" hangingPunct="1">
-        <a:defRPr sz="1800" kern="1200">
+      <a:lvl1pPr marL="0" algn="l" defTabSz="779343" rtl="0" eaLnBrk="1" latinLnBrk="0" hangingPunct="1">
+        <a:defRPr sz="1534" kern="1200">
           <a:solidFill>
             <a:schemeClr val="tx1"/>
           </a:solidFill>
@@ -2862,8 +2871,8 @@
           <a:cs typeface="+mn-cs"/>
         </a:defRPr>
       </a:lvl1pPr>
-      <a:lvl2pPr marL="457200" algn="l" defTabSz="914400" rtl="0" eaLnBrk="1" latinLnBrk="0" hangingPunct="1">
-        <a:defRPr sz="1800" kern="1200">
+      <a:lvl2pPr marL="389672" algn="l" defTabSz="779343" rtl="0" eaLnBrk="1" latinLnBrk="0" hangingPunct="1">
+        <a:defRPr sz="1534" kern="1200">
           <a:solidFill>
             <a:schemeClr val="tx1"/>
           </a:solidFill>
@@ -2872,8 +2881,8 @@
           <a:cs typeface="+mn-cs"/>
         </a:defRPr>
       </a:lvl2pPr>
-      <a:lvl3pPr marL="914400" algn="l" defTabSz="914400" rtl="0" eaLnBrk="1" latinLnBrk="0" hangingPunct="1">
-        <a:defRPr sz="1800" kern="1200">
+      <a:lvl3pPr marL="779343" algn="l" defTabSz="779343" rtl="0" eaLnBrk="1" latinLnBrk="0" hangingPunct="1">
+        <a:defRPr sz="1534" kern="1200">
           <a:solidFill>
             <a:schemeClr val="tx1"/>
           </a:solidFill>
@@ -2882,8 +2891,8 @@
           <a:cs typeface="+mn-cs"/>
         </a:defRPr>
       </a:lvl3pPr>
-      <a:lvl4pPr marL="1371600" algn="l" defTabSz="914400" rtl="0" eaLnBrk="1" latinLnBrk="0" hangingPunct="1">
-        <a:defRPr sz="1800" kern="1200">
+      <a:lvl4pPr marL="1169015" algn="l" defTabSz="779343" rtl="0" eaLnBrk="1" latinLnBrk="0" hangingPunct="1">
+        <a:defRPr sz="1534" kern="1200">
           <a:solidFill>
             <a:schemeClr val="tx1"/>
           </a:solidFill>
@@ -2892,8 +2901,8 @@
           <a:cs typeface="+mn-cs"/>
         </a:defRPr>
       </a:lvl4pPr>
-      <a:lvl5pPr marL="1828800" algn="l" defTabSz="914400" rtl="0" eaLnBrk="1" latinLnBrk="0" hangingPunct="1">
-        <a:defRPr sz="1800" kern="1200">
+      <a:lvl5pPr marL="1558686" algn="l" defTabSz="779343" rtl="0" eaLnBrk="1" latinLnBrk="0" hangingPunct="1">
+        <a:defRPr sz="1534" kern="1200">
           <a:solidFill>
             <a:schemeClr val="tx1"/>
           </a:solidFill>
@@ -2902,8 +2911,8 @@
           <a:cs typeface="+mn-cs"/>
         </a:defRPr>
       </a:lvl5pPr>
-      <a:lvl6pPr marL="2286000" algn="l" defTabSz="914400" rtl="0" eaLnBrk="1" latinLnBrk="0" hangingPunct="1">
-        <a:defRPr sz="1800" kern="1200">
+      <a:lvl6pPr marL="1948358" algn="l" defTabSz="779343" rtl="0" eaLnBrk="1" latinLnBrk="0" hangingPunct="1">
+        <a:defRPr sz="1534" kern="1200">
           <a:solidFill>
             <a:schemeClr val="tx1"/>
           </a:solidFill>
@@ -2912,8 +2921,8 @@
           <a:cs typeface="+mn-cs"/>
         </a:defRPr>
       </a:lvl6pPr>
-      <a:lvl7pPr marL="2743200" algn="l" defTabSz="914400" rtl="0" eaLnBrk="1" latinLnBrk="0" hangingPunct="1">
-        <a:defRPr sz="1800" kern="1200">
+      <a:lvl7pPr marL="2338029" algn="l" defTabSz="779343" rtl="0" eaLnBrk="1" latinLnBrk="0" hangingPunct="1">
+        <a:defRPr sz="1534" kern="1200">
           <a:solidFill>
             <a:schemeClr val="tx1"/>
           </a:solidFill>
@@ -2922,8 +2931,8 @@
           <a:cs typeface="+mn-cs"/>
         </a:defRPr>
       </a:lvl7pPr>
-      <a:lvl8pPr marL="3200400" algn="l" defTabSz="914400" rtl="0" eaLnBrk="1" latinLnBrk="0" hangingPunct="1">
-        <a:defRPr sz="1800" kern="1200">
+      <a:lvl8pPr marL="2727701" algn="l" defTabSz="779343" rtl="0" eaLnBrk="1" latinLnBrk="0" hangingPunct="1">
+        <a:defRPr sz="1534" kern="1200">
           <a:solidFill>
             <a:schemeClr val="tx1"/>
           </a:solidFill>
@@ -2932,8 +2941,8 @@
           <a:cs typeface="+mn-cs"/>
         </a:defRPr>
       </a:lvl8pPr>
-      <a:lvl9pPr marL="3657600" algn="l" defTabSz="914400" rtl="0" eaLnBrk="1" latinLnBrk="0" hangingPunct="1">
-        <a:defRPr sz="1800" kern="1200">
+      <a:lvl9pPr marL="3117372" algn="l" defTabSz="779343" rtl="0" eaLnBrk="1" latinLnBrk="0" hangingPunct="1">
+        <a:defRPr sz="1534" kern="1200">
           <a:solidFill>
             <a:schemeClr val="tx1"/>
           </a:solidFill>
@@ -2964,106 +2973,651 @@
           <a:chExt cx="0" cy="0"/>
         </a:xfrm>
       </p:grpSpPr>
-      <p:sp>
-        <p:nvSpPr>
-          <p:cNvPr id="92" name="下箭头 91"/>
-          <p:cNvSpPr/>
-          <p:nvPr/>
-        </p:nvSpPr>
-        <p:spPr>
-          <a:xfrm>
-            <a:off x="7085960" y="1645648"/>
-            <a:ext cx="158729" cy="775189"/>
-          </a:xfrm>
-          <a:prstGeom prst="downArrow">
-            <a:avLst/>
-          </a:prstGeom>
-          <a:solidFill>
-            <a:schemeClr val="accent4">
-              <a:lumMod val="40000"/>
-              <a:lumOff val="60000"/>
-            </a:schemeClr>
-          </a:solidFill>
-        </p:spPr>
-        <p:style>
-          <a:lnRef idx="2">
-            <a:schemeClr val="accent1">
-              <a:shade val="50000"/>
-            </a:schemeClr>
-          </a:lnRef>
-          <a:fillRef idx="1">
-            <a:schemeClr val="accent1"/>
-          </a:fillRef>
-          <a:effectRef idx="0">
-            <a:schemeClr val="accent1"/>
-          </a:effectRef>
-          <a:fontRef idx="minor">
-            <a:schemeClr val="lt1"/>
-          </a:fontRef>
-        </p:style>
-        <p:txBody>
-          <a:bodyPr rtlCol="0" anchor="ctr"/>
-          <a:lstStyle/>
-          <a:p>
-            <a:pPr algn="ctr"/>
-            <a:endParaRPr lang="zh-CN" altLang="en-US"/>
-          </a:p>
-        </p:txBody>
-      </p:sp>
       <p:grpSp>
         <p:nvGrpSpPr>
-          <p:cNvPr id="4" name="组合 3"/>
+          <p:cNvPr id="2" name="组合 1"/>
           <p:cNvGrpSpPr/>
           <p:nvPr/>
         </p:nvGrpSpPr>
         <p:grpSpPr>
           <a:xfrm>
-            <a:off x="546983" y="742334"/>
-            <a:ext cx="4763916" cy="4043978"/>
-            <a:chOff x="552717" y="1297919"/>
-            <a:chExt cx="4763916" cy="4043978"/>
+            <a:off x="341463" y="165450"/>
+            <a:ext cx="9842846" cy="5981141"/>
+            <a:chOff x="546983" y="376341"/>
+            <a:chExt cx="9842846" cy="5981140"/>
           </a:xfrm>
         </p:grpSpPr>
+        <p:sp>
+          <p:nvSpPr>
+            <p:cNvPr id="92" name="下箭头 91"/>
+            <p:cNvSpPr/>
+            <p:nvPr/>
+          </p:nvSpPr>
+          <p:spPr>
+            <a:xfrm>
+              <a:off x="7085960" y="1645648"/>
+              <a:ext cx="158729" cy="775189"/>
+            </a:xfrm>
+            <a:prstGeom prst="downArrow">
+              <a:avLst/>
+            </a:prstGeom>
+            <a:solidFill>
+              <a:schemeClr val="accent4">
+                <a:lumMod val="40000"/>
+                <a:lumOff val="60000"/>
+              </a:schemeClr>
+            </a:solidFill>
+          </p:spPr>
+          <p:style>
+            <a:lnRef idx="2">
+              <a:schemeClr val="accent1">
+                <a:shade val="50000"/>
+              </a:schemeClr>
+            </a:lnRef>
+            <a:fillRef idx="1">
+              <a:schemeClr val="accent1"/>
+            </a:fillRef>
+            <a:effectRef idx="0">
+              <a:schemeClr val="accent1"/>
+            </a:effectRef>
+            <a:fontRef idx="minor">
+              <a:schemeClr val="lt1"/>
+            </a:fontRef>
+          </p:style>
+          <p:txBody>
+            <a:bodyPr rtlCol="0" anchor="ctr"/>
+            <a:lstStyle/>
+            <a:p>
+              <a:pPr algn="ctr"/>
+              <a:endParaRPr lang="zh-CN" altLang="en-US"/>
+            </a:p>
+          </p:txBody>
+        </p:sp>
         <p:grpSp>
           <p:nvGrpSpPr>
-            <p:cNvPr id="6" name="组合 5"/>
+            <p:cNvPr id="4" name="组合 3"/>
             <p:cNvGrpSpPr/>
             <p:nvPr/>
           </p:nvGrpSpPr>
           <p:grpSpPr>
             <a:xfrm>
-              <a:off x="1421950" y="2183382"/>
-              <a:ext cx="2854260" cy="2279219"/>
-              <a:chOff x="1035670" y="1450730"/>
-              <a:chExt cx="2718644" cy="2710705"/>
+              <a:off x="546983" y="742334"/>
+              <a:ext cx="4763916" cy="4043978"/>
+              <a:chOff x="552717" y="1297919"/>
+              <a:chExt cx="4763916" cy="4043978"/>
             </a:xfrm>
           </p:grpSpPr>
           <p:grpSp>
             <p:nvGrpSpPr>
-              <p:cNvPr id="23" name="组合 22">
-                <a:extLst>
-                  <a:ext uri="{FF2B5EF4-FFF2-40B4-BE49-F238E27FC236}">
-                    <a16:creationId xmlns:a16="http://schemas.microsoft.com/office/drawing/2014/main" id="{DF32330E-3213-4325-83A8-7D65661DFCDB}"/>
-                  </a:ext>
-                </a:extLst>
-              </p:cNvPr>
+              <p:cNvPr id="6" name="组合 5"/>
               <p:cNvGrpSpPr/>
               <p:nvPr/>
             </p:nvGrpSpPr>
             <p:grpSpPr>
-              <a:xfrm rot="5400000">
-                <a:off x="1867454" y="1674024"/>
-                <a:ext cx="1055077" cy="608490"/>
-                <a:chOff x="2077374" y="2867487"/>
-                <a:chExt cx="2441360" cy="907002"/>
+              <a:xfrm>
+                <a:off x="1421950" y="2183382"/>
+                <a:ext cx="2854260" cy="2279219"/>
+                <a:chOff x="1035670" y="1450730"/>
+                <a:chExt cx="2718644" cy="2710705"/>
+              </a:xfrm>
+            </p:grpSpPr>
+            <p:grpSp>
+              <p:nvGrpSpPr>
+                <p:cNvPr id="23" name="组合 22">
+                  <a:extLst>
+                    <a:ext uri="{FF2B5EF4-FFF2-40B4-BE49-F238E27FC236}">
+                      <a16:creationId xmlns:a16="http://schemas.microsoft.com/office/drawing/2014/main" id="{DF32330E-3213-4325-83A8-7D65661DFCDB}"/>
+                    </a:ext>
+                  </a:extLst>
+                </p:cNvPr>
+                <p:cNvGrpSpPr/>
+                <p:nvPr/>
+              </p:nvGrpSpPr>
+              <p:grpSpPr>
+                <a:xfrm rot="5400000">
+                  <a:off x="1867454" y="1674024"/>
+                  <a:ext cx="1055077" cy="608490"/>
+                  <a:chOff x="2077374" y="2867487"/>
+                  <a:chExt cx="2441360" cy="907002"/>
+                </a:xfrm>
+              </p:grpSpPr>
+              <p:cxnSp>
+                <p:nvCxnSpPr>
+                  <p:cNvPr id="36" name="直接连接符 35">
+                    <a:extLst>
+                      <a:ext uri="{FF2B5EF4-FFF2-40B4-BE49-F238E27FC236}">
+                        <a16:creationId xmlns:a16="http://schemas.microsoft.com/office/drawing/2014/main" id="{4E188F26-347B-4C3F-B909-ED09D2ACEC3B}"/>
+                      </a:ext>
+                    </a:extLst>
+                  </p:cNvPr>
+                  <p:cNvCxnSpPr/>
+                  <p:nvPr/>
+                </p:nvCxnSpPr>
+                <p:spPr>
+                  <a:xfrm>
+                    <a:off x="2077374" y="2867487"/>
+                    <a:ext cx="2441360" cy="0"/>
+                  </a:xfrm>
+                  <a:prstGeom prst="line">
+                    <a:avLst/>
+                  </a:prstGeom>
+                  <a:ln w="19050"/>
+                </p:spPr>
+                <p:style>
+                  <a:lnRef idx="1">
+                    <a:schemeClr val="accent1"/>
+                  </a:lnRef>
+                  <a:fillRef idx="0">
+                    <a:schemeClr val="accent1"/>
+                  </a:fillRef>
+                  <a:effectRef idx="0">
+                    <a:schemeClr val="accent1"/>
+                  </a:effectRef>
+                  <a:fontRef idx="minor">
+                    <a:schemeClr val="tx1"/>
+                  </a:fontRef>
+                </p:style>
+              </p:cxnSp>
+              <p:cxnSp>
+                <p:nvCxnSpPr>
+                  <p:cNvPr id="37" name="直接连接符 36">
+                    <a:extLst>
+                      <a:ext uri="{FF2B5EF4-FFF2-40B4-BE49-F238E27FC236}">
+                        <a16:creationId xmlns:a16="http://schemas.microsoft.com/office/drawing/2014/main" id="{A7CE9A2F-D1FF-4570-96EB-8B482E46910B}"/>
+                      </a:ext>
+                    </a:extLst>
+                  </p:cNvPr>
+                  <p:cNvCxnSpPr/>
+                  <p:nvPr/>
+                </p:nvCxnSpPr>
+                <p:spPr>
+                  <a:xfrm>
+                    <a:off x="2077374" y="3315070"/>
+                    <a:ext cx="2441360" cy="0"/>
+                  </a:xfrm>
+                  <a:prstGeom prst="line">
+                    <a:avLst/>
+                  </a:prstGeom>
+                  <a:ln>
+                    <a:prstDash val="dash"/>
+                  </a:ln>
+                </p:spPr>
+                <p:style>
+                  <a:lnRef idx="1">
+                    <a:schemeClr val="dk1"/>
+                  </a:lnRef>
+                  <a:fillRef idx="0">
+                    <a:schemeClr val="dk1"/>
+                  </a:fillRef>
+                  <a:effectRef idx="0">
+                    <a:schemeClr val="dk1"/>
+                  </a:effectRef>
+                  <a:fontRef idx="minor">
+                    <a:schemeClr val="tx1"/>
+                  </a:fontRef>
+                </p:style>
+              </p:cxnSp>
+              <p:cxnSp>
+                <p:nvCxnSpPr>
+                  <p:cNvPr id="38" name="直接连接符 37">
+                    <a:extLst>
+                      <a:ext uri="{FF2B5EF4-FFF2-40B4-BE49-F238E27FC236}">
+                        <a16:creationId xmlns:a16="http://schemas.microsoft.com/office/drawing/2014/main" id="{DD6578D8-7C1C-46C6-848C-59F2497E7428}"/>
+                      </a:ext>
+                    </a:extLst>
+                  </p:cNvPr>
+                  <p:cNvCxnSpPr/>
+                  <p:nvPr/>
+                </p:nvCxnSpPr>
+                <p:spPr>
+                  <a:xfrm>
+                    <a:off x="2077374" y="3774489"/>
+                    <a:ext cx="2441360" cy="0"/>
+                  </a:xfrm>
+                  <a:prstGeom prst="line">
+                    <a:avLst/>
+                  </a:prstGeom>
+                  <a:ln w="19050"/>
+                </p:spPr>
+                <p:style>
+                  <a:lnRef idx="1">
+                    <a:schemeClr val="accent1"/>
+                  </a:lnRef>
+                  <a:fillRef idx="0">
+                    <a:schemeClr val="accent1"/>
+                  </a:fillRef>
+                  <a:effectRef idx="0">
+                    <a:schemeClr val="accent1"/>
+                  </a:effectRef>
+                  <a:fontRef idx="minor">
+                    <a:schemeClr val="tx1"/>
+                  </a:fontRef>
+                </p:style>
+              </p:cxnSp>
+            </p:grpSp>
+            <p:grpSp>
+              <p:nvGrpSpPr>
+                <p:cNvPr id="24" name="组合 23">
+                  <a:extLst>
+                    <a:ext uri="{FF2B5EF4-FFF2-40B4-BE49-F238E27FC236}">
+                      <a16:creationId xmlns:a16="http://schemas.microsoft.com/office/drawing/2014/main" id="{DF32330E-3213-4325-83A8-7D65661DFCDB}"/>
+                    </a:ext>
+                  </a:extLst>
+                </p:cNvPr>
+                <p:cNvGrpSpPr/>
+                <p:nvPr/>
+              </p:nvGrpSpPr>
+              <p:grpSpPr>
+                <a:xfrm>
+                  <a:off x="2699237" y="2505808"/>
+                  <a:ext cx="1055077" cy="608490"/>
+                  <a:chOff x="2077374" y="2867487"/>
+                  <a:chExt cx="2441360" cy="907002"/>
+                </a:xfrm>
+              </p:grpSpPr>
+              <p:cxnSp>
+                <p:nvCxnSpPr>
+                  <p:cNvPr id="33" name="直接连接符 32">
+                    <a:extLst>
+                      <a:ext uri="{FF2B5EF4-FFF2-40B4-BE49-F238E27FC236}">
+                        <a16:creationId xmlns:a16="http://schemas.microsoft.com/office/drawing/2014/main" id="{4E188F26-347B-4C3F-B909-ED09D2ACEC3B}"/>
+                      </a:ext>
+                    </a:extLst>
+                  </p:cNvPr>
+                  <p:cNvCxnSpPr/>
+                  <p:nvPr/>
+                </p:nvCxnSpPr>
+                <p:spPr>
+                  <a:xfrm>
+                    <a:off x="2077374" y="2867487"/>
+                    <a:ext cx="2441360" cy="0"/>
+                  </a:xfrm>
+                  <a:prstGeom prst="line">
+                    <a:avLst/>
+                  </a:prstGeom>
+                  <a:ln w="19050"/>
+                </p:spPr>
+                <p:style>
+                  <a:lnRef idx="1">
+                    <a:schemeClr val="accent1"/>
+                  </a:lnRef>
+                  <a:fillRef idx="0">
+                    <a:schemeClr val="accent1"/>
+                  </a:fillRef>
+                  <a:effectRef idx="0">
+                    <a:schemeClr val="accent1"/>
+                  </a:effectRef>
+                  <a:fontRef idx="minor">
+                    <a:schemeClr val="tx1"/>
+                  </a:fontRef>
+                </p:style>
+              </p:cxnSp>
+              <p:cxnSp>
+                <p:nvCxnSpPr>
+                  <p:cNvPr id="34" name="直接连接符 33">
+                    <a:extLst>
+                      <a:ext uri="{FF2B5EF4-FFF2-40B4-BE49-F238E27FC236}">
+                        <a16:creationId xmlns:a16="http://schemas.microsoft.com/office/drawing/2014/main" id="{A7CE9A2F-D1FF-4570-96EB-8B482E46910B}"/>
+                      </a:ext>
+                    </a:extLst>
+                  </p:cNvPr>
+                  <p:cNvCxnSpPr/>
+                  <p:nvPr/>
+                </p:nvCxnSpPr>
+                <p:spPr>
+                  <a:xfrm>
+                    <a:off x="2077374" y="3315070"/>
+                    <a:ext cx="2441360" cy="0"/>
+                  </a:xfrm>
+                  <a:prstGeom prst="line">
+                    <a:avLst/>
+                  </a:prstGeom>
+                  <a:ln>
+                    <a:prstDash val="dash"/>
+                  </a:ln>
+                </p:spPr>
+                <p:style>
+                  <a:lnRef idx="1">
+                    <a:schemeClr val="dk1"/>
+                  </a:lnRef>
+                  <a:fillRef idx="0">
+                    <a:schemeClr val="dk1"/>
+                  </a:fillRef>
+                  <a:effectRef idx="0">
+                    <a:schemeClr val="dk1"/>
+                  </a:effectRef>
+                  <a:fontRef idx="minor">
+                    <a:schemeClr val="tx1"/>
+                  </a:fontRef>
+                </p:style>
+              </p:cxnSp>
+              <p:cxnSp>
+                <p:nvCxnSpPr>
+                  <p:cNvPr id="35" name="直接连接符 34">
+                    <a:extLst>
+                      <a:ext uri="{FF2B5EF4-FFF2-40B4-BE49-F238E27FC236}">
+                        <a16:creationId xmlns:a16="http://schemas.microsoft.com/office/drawing/2014/main" id="{DD6578D8-7C1C-46C6-848C-59F2497E7428}"/>
+                      </a:ext>
+                    </a:extLst>
+                  </p:cNvPr>
+                  <p:cNvCxnSpPr/>
+                  <p:nvPr/>
+                </p:nvCxnSpPr>
+                <p:spPr>
+                  <a:xfrm>
+                    <a:off x="2077374" y="3774489"/>
+                    <a:ext cx="2441360" cy="0"/>
+                  </a:xfrm>
+                  <a:prstGeom prst="line">
+                    <a:avLst/>
+                  </a:prstGeom>
+                  <a:ln w="19050"/>
+                </p:spPr>
+                <p:style>
+                  <a:lnRef idx="1">
+                    <a:schemeClr val="accent1"/>
+                  </a:lnRef>
+                  <a:fillRef idx="0">
+                    <a:schemeClr val="accent1"/>
+                  </a:fillRef>
+                  <a:effectRef idx="0">
+                    <a:schemeClr val="accent1"/>
+                  </a:effectRef>
+                  <a:fontRef idx="minor">
+                    <a:schemeClr val="tx1"/>
+                  </a:fontRef>
+                </p:style>
+              </p:cxnSp>
+            </p:grpSp>
+            <p:grpSp>
+              <p:nvGrpSpPr>
+                <p:cNvPr id="25" name="组合 24">
+                  <a:extLst>
+                    <a:ext uri="{FF2B5EF4-FFF2-40B4-BE49-F238E27FC236}">
+                      <a16:creationId xmlns:a16="http://schemas.microsoft.com/office/drawing/2014/main" id="{DF32330E-3213-4325-83A8-7D65661DFCDB}"/>
+                    </a:ext>
+                  </a:extLst>
+                </p:cNvPr>
+                <p:cNvGrpSpPr/>
+                <p:nvPr/>
+              </p:nvGrpSpPr>
+              <p:grpSpPr>
+                <a:xfrm rot="5400000">
+                  <a:off x="1871423" y="3329652"/>
+                  <a:ext cx="1055077" cy="608490"/>
+                  <a:chOff x="2077374" y="2867487"/>
+                  <a:chExt cx="2441360" cy="907002"/>
+                </a:xfrm>
+              </p:grpSpPr>
+              <p:cxnSp>
+                <p:nvCxnSpPr>
+                  <p:cNvPr id="30" name="直接连接符 29">
+                    <a:extLst>
+                      <a:ext uri="{FF2B5EF4-FFF2-40B4-BE49-F238E27FC236}">
+                        <a16:creationId xmlns:a16="http://schemas.microsoft.com/office/drawing/2014/main" id="{4E188F26-347B-4C3F-B909-ED09D2ACEC3B}"/>
+                      </a:ext>
+                    </a:extLst>
+                  </p:cNvPr>
+                  <p:cNvCxnSpPr/>
+                  <p:nvPr/>
+                </p:nvCxnSpPr>
+                <p:spPr>
+                  <a:xfrm>
+                    <a:off x="2077374" y="2867487"/>
+                    <a:ext cx="2441360" cy="0"/>
+                  </a:xfrm>
+                  <a:prstGeom prst="line">
+                    <a:avLst/>
+                  </a:prstGeom>
+                  <a:ln w="19050"/>
+                </p:spPr>
+                <p:style>
+                  <a:lnRef idx="1">
+                    <a:schemeClr val="accent1"/>
+                  </a:lnRef>
+                  <a:fillRef idx="0">
+                    <a:schemeClr val="accent1"/>
+                  </a:fillRef>
+                  <a:effectRef idx="0">
+                    <a:schemeClr val="accent1"/>
+                  </a:effectRef>
+                  <a:fontRef idx="minor">
+                    <a:schemeClr val="tx1"/>
+                  </a:fontRef>
+                </p:style>
+              </p:cxnSp>
+              <p:cxnSp>
+                <p:nvCxnSpPr>
+                  <p:cNvPr id="31" name="直接连接符 30">
+                    <a:extLst>
+                      <a:ext uri="{FF2B5EF4-FFF2-40B4-BE49-F238E27FC236}">
+                        <a16:creationId xmlns:a16="http://schemas.microsoft.com/office/drawing/2014/main" id="{A7CE9A2F-D1FF-4570-96EB-8B482E46910B}"/>
+                      </a:ext>
+                    </a:extLst>
+                  </p:cNvPr>
+                  <p:cNvCxnSpPr/>
+                  <p:nvPr/>
+                </p:nvCxnSpPr>
+                <p:spPr>
+                  <a:xfrm>
+                    <a:off x="2077374" y="3315070"/>
+                    <a:ext cx="2441360" cy="0"/>
+                  </a:xfrm>
+                  <a:prstGeom prst="line">
+                    <a:avLst/>
+                  </a:prstGeom>
+                  <a:ln>
+                    <a:prstDash val="dash"/>
+                  </a:ln>
+                </p:spPr>
+                <p:style>
+                  <a:lnRef idx="1">
+                    <a:schemeClr val="dk1"/>
+                  </a:lnRef>
+                  <a:fillRef idx="0">
+                    <a:schemeClr val="dk1"/>
+                  </a:fillRef>
+                  <a:effectRef idx="0">
+                    <a:schemeClr val="dk1"/>
+                  </a:effectRef>
+                  <a:fontRef idx="minor">
+                    <a:schemeClr val="tx1"/>
+                  </a:fontRef>
+                </p:style>
+              </p:cxnSp>
+              <p:cxnSp>
+                <p:nvCxnSpPr>
+                  <p:cNvPr id="32" name="直接连接符 31">
+                    <a:extLst>
+                      <a:ext uri="{FF2B5EF4-FFF2-40B4-BE49-F238E27FC236}">
+                        <a16:creationId xmlns:a16="http://schemas.microsoft.com/office/drawing/2014/main" id="{DD6578D8-7C1C-46C6-848C-59F2497E7428}"/>
+                      </a:ext>
+                    </a:extLst>
+                  </p:cNvPr>
+                  <p:cNvCxnSpPr/>
+                  <p:nvPr/>
+                </p:nvCxnSpPr>
+                <p:spPr>
+                  <a:xfrm>
+                    <a:off x="2077374" y="3774489"/>
+                    <a:ext cx="2441360" cy="0"/>
+                  </a:xfrm>
+                  <a:prstGeom prst="line">
+                    <a:avLst/>
+                  </a:prstGeom>
+                  <a:ln w="19050"/>
+                </p:spPr>
+                <p:style>
+                  <a:lnRef idx="1">
+                    <a:schemeClr val="accent1"/>
+                  </a:lnRef>
+                  <a:fillRef idx="0">
+                    <a:schemeClr val="accent1"/>
+                  </a:fillRef>
+                  <a:effectRef idx="0">
+                    <a:schemeClr val="accent1"/>
+                  </a:effectRef>
+                  <a:fontRef idx="minor">
+                    <a:schemeClr val="tx1"/>
+                  </a:fontRef>
+                </p:style>
+              </p:cxnSp>
+            </p:grpSp>
+            <p:grpSp>
+              <p:nvGrpSpPr>
+                <p:cNvPr id="26" name="组合 25">
+                  <a:extLst>
+                    <a:ext uri="{FF2B5EF4-FFF2-40B4-BE49-F238E27FC236}">
+                      <a16:creationId xmlns:a16="http://schemas.microsoft.com/office/drawing/2014/main" id="{DF32330E-3213-4325-83A8-7D65661DFCDB}"/>
+                    </a:ext>
+                  </a:extLst>
+                </p:cNvPr>
+                <p:cNvGrpSpPr/>
+                <p:nvPr/>
+              </p:nvGrpSpPr>
+              <p:grpSpPr>
+                <a:xfrm>
+                  <a:off x="1035670" y="2505808"/>
+                  <a:ext cx="1055077" cy="608490"/>
+                  <a:chOff x="2077374" y="2867487"/>
+                  <a:chExt cx="2441360" cy="907002"/>
+                </a:xfrm>
+              </p:grpSpPr>
+              <p:cxnSp>
+                <p:nvCxnSpPr>
+                  <p:cNvPr id="27" name="直接连接符 26">
+                    <a:extLst>
+                      <a:ext uri="{FF2B5EF4-FFF2-40B4-BE49-F238E27FC236}">
+                        <a16:creationId xmlns:a16="http://schemas.microsoft.com/office/drawing/2014/main" id="{4E188F26-347B-4C3F-B909-ED09D2ACEC3B}"/>
+                      </a:ext>
+                    </a:extLst>
+                  </p:cNvPr>
+                  <p:cNvCxnSpPr/>
+                  <p:nvPr/>
+                </p:nvCxnSpPr>
+                <p:spPr>
+                  <a:xfrm>
+                    <a:off x="2077374" y="2867487"/>
+                    <a:ext cx="2441360" cy="0"/>
+                  </a:xfrm>
+                  <a:prstGeom prst="line">
+                    <a:avLst/>
+                  </a:prstGeom>
+                  <a:ln w="19050"/>
+                </p:spPr>
+                <p:style>
+                  <a:lnRef idx="1">
+                    <a:schemeClr val="accent1"/>
+                  </a:lnRef>
+                  <a:fillRef idx="0">
+                    <a:schemeClr val="accent1"/>
+                  </a:fillRef>
+                  <a:effectRef idx="0">
+                    <a:schemeClr val="accent1"/>
+                  </a:effectRef>
+                  <a:fontRef idx="minor">
+                    <a:schemeClr val="tx1"/>
+                  </a:fontRef>
+                </p:style>
+              </p:cxnSp>
+              <p:cxnSp>
+                <p:nvCxnSpPr>
+                  <p:cNvPr id="28" name="直接连接符 27">
+                    <a:extLst>
+                      <a:ext uri="{FF2B5EF4-FFF2-40B4-BE49-F238E27FC236}">
+                        <a16:creationId xmlns:a16="http://schemas.microsoft.com/office/drawing/2014/main" id="{A7CE9A2F-D1FF-4570-96EB-8B482E46910B}"/>
+                      </a:ext>
+                    </a:extLst>
+                  </p:cNvPr>
+                  <p:cNvCxnSpPr/>
+                  <p:nvPr/>
+                </p:nvCxnSpPr>
+                <p:spPr>
+                  <a:xfrm>
+                    <a:off x="2077374" y="3315070"/>
+                    <a:ext cx="2441360" cy="0"/>
+                  </a:xfrm>
+                  <a:prstGeom prst="line">
+                    <a:avLst/>
+                  </a:prstGeom>
+                  <a:ln>
+                    <a:prstDash val="dash"/>
+                  </a:ln>
+                </p:spPr>
+                <p:style>
+                  <a:lnRef idx="1">
+                    <a:schemeClr val="dk1"/>
+                  </a:lnRef>
+                  <a:fillRef idx="0">
+                    <a:schemeClr val="dk1"/>
+                  </a:fillRef>
+                  <a:effectRef idx="0">
+                    <a:schemeClr val="dk1"/>
+                  </a:effectRef>
+                  <a:fontRef idx="minor">
+                    <a:schemeClr val="tx1"/>
+                  </a:fontRef>
+                </p:style>
+              </p:cxnSp>
+              <p:cxnSp>
+                <p:nvCxnSpPr>
+                  <p:cNvPr id="29" name="直接连接符 28">
+                    <a:extLst>
+                      <a:ext uri="{FF2B5EF4-FFF2-40B4-BE49-F238E27FC236}">
+                        <a16:creationId xmlns:a16="http://schemas.microsoft.com/office/drawing/2014/main" id="{DD6578D8-7C1C-46C6-848C-59F2497E7428}"/>
+                      </a:ext>
+                    </a:extLst>
+                  </p:cNvPr>
+                  <p:cNvCxnSpPr/>
+                  <p:nvPr/>
+                </p:nvCxnSpPr>
+                <p:spPr>
+                  <a:xfrm>
+                    <a:off x="2077374" y="3774489"/>
+                    <a:ext cx="2441360" cy="0"/>
+                  </a:xfrm>
+                  <a:prstGeom prst="line">
+                    <a:avLst/>
+                  </a:prstGeom>
+                  <a:ln w="19050"/>
+                </p:spPr>
+                <p:style>
+                  <a:lnRef idx="1">
+                    <a:schemeClr val="accent1"/>
+                  </a:lnRef>
+                  <a:fillRef idx="0">
+                    <a:schemeClr val="accent1"/>
+                  </a:fillRef>
+                  <a:effectRef idx="0">
+                    <a:schemeClr val="accent1"/>
+                  </a:effectRef>
+                  <a:fontRef idx="minor">
+                    <a:schemeClr val="tx1"/>
+                  </a:fontRef>
+                </p:style>
+              </p:cxnSp>
+            </p:grpSp>
+          </p:grpSp>
+          <p:grpSp>
+            <p:nvGrpSpPr>
+              <p:cNvPr id="8" name="组合 7"/>
+              <p:cNvGrpSpPr/>
+              <p:nvPr/>
+            </p:nvGrpSpPr>
+            <p:grpSpPr>
+              <a:xfrm>
+                <a:off x="2533824" y="4451427"/>
+                <a:ext cx="642998" cy="890470"/>
+                <a:chOff x="5599680" y="4614635"/>
+                <a:chExt cx="642998" cy="890470"/>
               </a:xfrm>
             </p:grpSpPr>
             <p:cxnSp>
               <p:nvCxnSpPr>
-                <p:cNvPr id="36" name="直接连接符 35">
+                <p:cNvPr id="20" name="直接连接符 19">
                   <a:extLst>
                     <a:ext uri="{FF2B5EF4-FFF2-40B4-BE49-F238E27FC236}">
-                      <a16:creationId xmlns:a16="http://schemas.microsoft.com/office/drawing/2014/main" id="{4E188F26-347B-4C3F-B909-ED09D2ACEC3B}"/>
+                      <a16:creationId xmlns:a16="http://schemas.microsoft.com/office/drawing/2014/main" id="{DD6578D8-7C1C-46C6-848C-59F2497E7428}"/>
                     </a:ext>
                   </a:extLst>
                 </p:cNvPr>
@@ -3071,9 +3625,9 @@
                 <p:nvPr/>
               </p:nvCxnSpPr>
               <p:spPr>
-                <a:xfrm>
-                  <a:off x="2077374" y="2867487"/>
-                  <a:ext cx="2441360" cy="0"/>
+                <a:xfrm rot="5400000">
+                  <a:off x="5156114" y="5061539"/>
+                  <a:ext cx="887131" cy="0"/>
                 </a:xfrm>
                 <a:prstGeom prst="line">
                   <a:avLst/>
@@ -3097,7 +3651,7 @@
             </p:cxnSp>
             <p:cxnSp>
               <p:nvCxnSpPr>
-                <p:cNvPr id="37" name="直接连接符 36">
+                <p:cNvPr id="21" name="直接连接符 20">
                   <a:extLst>
                     <a:ext uri="{FF2B5EF4-FFF2-40B4-BE49-F238E27FC236}">
                       <a16:creationId xmlns:a16="http://schemas.microsoft.com/office/drawing/2014/main" id="{A7CE9A2F-D1FF-4570-96EB-8B482E46910B}"/>
@@ -3108,9 +3662,9 @@
                 <p:nvPr/>
               </p:nvCxnSpPr>
               <p:spPr>
-                <a:xfrm>
-                  <a:off x="2077374" y="3315070"/>
-                  <a:ext cx="2441360" cy="0"/>
+                <a:xfrm rot="5400000">
+                  <a:off x="5479889" y="5061540"/>
+                  <a:ext cx="887131" cy="0"/>
                 </a:xfrm>
                 <a:prstGeom prst="line">
                   <a:avLst/>
@@ -3136,10 +3690,10 @@
             </p:cxnSp>
             <p:cxnSp>
               <p:nvCxnSpPr>
-                <p:cNvPr id="38" name="直接连接符 37">
+                <p:cNvPr id="22" name="直接连接符 21">
                   <a:extLst>
                     <a:ext uri="{FF2B5EF4-FFF2-40B4-BE49-F238E27FC236}">
-                      <a16:creationId xmlns:a16="http://schemas.microsoft.com/office/drawing/2014/main" id="{DD6578D8-7C1C-46C6-848C-59F2497E7428}"/>
+                      <a16:creationId xmlns:a16="http://schemas.microsoft.com/office/drawing/2014/main" id="{4E188F26-347B-4C3F-B909-ED09D2ACEC3B}"/>
                     </a:ext>
                   </a:extLst>
                 </p:cNvPr>
@@ -3147,9 +3701,9 @@
                 <p:nvPr/>
               </p:nvCxnSpPr>
               <p:spPr>
-                <a:xfrm>
-                  <a:off x="2077374" y="3774489"/>
-                  <a:ext cx="2441360" cy="0"/>
+                <a:xfrm rot="5400000">
+                  <a:off x="5799112" y="5058201"/>
+                  <a:ext cx="887131" cy="0"/>
                 </a:xfrm>
                 <a:prstGeom prst="line">
                   <a:avLst/>
@@ -3174,30 +3728,24 @@
           </p:grpSp>
           <p:grpSp>
             <p:nvGrpSpPr>
-              <p:cNvPr id="24" name="组合 23">
-                <a:extLst>
-                  <a:ext uri="{FF2B5EF4-FFF2-40B4-BE49-F238E27FC236}">
-                    <a16:creationId xmlns:a16="http://schemas.microsoft.com/office/drawing/2014/main" id="{DF32330E-3213-4325-83A8-7D65661DFCDB}"/>
-                  </a:ext>
-                </a:extLst>
-              </p:cNvPr>
+              <p:cNvPr id="9" name="组合 8"/>
               <p:cNvGrpSpPr/>
               <p:nvPr/>
             </p:nvGrpSpPr>
             <p:grpSpPr>
               <a:xfrm>
-                <a:off x="2699237" y="2505808"/>
-                <a:ext cx="1055077" cy="608490"/>
-                <a:chOff x="2077374" y="2867487"/>
-                <a:chExt cx="2441360" cy="907002"/>
+                <a:off x="2525561" y="1297919"/>
+                <a:ext cx="651260" cy="903314"/>
+                <a:chOff x="5591418" y="4614635"/>
+                <a:chExt cx="651260" cy="903314"/>
               </a:xfrm>
             </p:grpSpPr>
             <p:cxnSp>
               <p:nvCxnSpPr>
-                <p:cNvPr id="33" name="直接连接符 32">
+                <p:cNvPr id="17" name="直接连接符 16">
                   <a:extLst>
                     <a:ext uri="{FF2B5EF4-FFF2-40B4-BE49-F238E27FC236}">
-                      <a16:creationId xmlns:a16="http://schemas.microsoft.com/office/drawing/2014/main" id="{4E188F26-347B-4C3F-B909-ED09D2ACEC3B}"/>
+                      <a16:creationId xmlns:a16="http://schemas.microsoft.com/office/drawing/2014/main" id="{DD6578D8-7C1C-46C6-848C-59F2497E7428}"/>
                     </a:ext>
                   </a:extLst>
                 </p:cNvPr>
@@ -3205,9 +3753,9 @@
                 <p:nvPr/>
               </p:nvCxnSpPr>
               <p:spPr>
-                <a:xfrm>
-                  <a:off x="2077374" y="2867487"/>
-                  <a:ext cx="2441360" cy="0"/>
+                <a:xfrm rot="5400000">
+                  <a:off x="5147852" y="5058201"/>
+                  <a:ext cx="887131" cy="0"/>
                 </a:xfrm>
                 <a:prstGeom prst="line">
                   <a:avLst/>
@@ -3231,7 +3779,7 @@
             </p:cxnSp>
             <p:cxnSp>
               <p:nvCxnSpPr>
-                <p:cNvPr id="34" name="直接连接符 33">
+                <p:cNvPr id="18" name="直接连接符 17">
                   <a:extLst>
                     <a:ext uri="{FF2B5EF4-FFF2-40B4-BE49-F238E27FC236}">
                       <a16:creationId xmlns:a16="http://schemas.microsoft.com/office/drawing/2014/main" id="{A7CE9A2F-D1FF-4570-96EB-8B482E46910B}"/>
@@ -3242,9 +3790,9 @@
                 <p:nvPr/>
               </p:nvCxnSpPr>
               <p:spPr>
-                <a:xfrm>
-                  <a:off x="2077374" y="3315070"/>
-                  <a:ext cx="2441360" cy="0"/>
+                <a:xfrm rot="5400000">
+                  <a:off x="5479889" y="5061540"/>
+                  <a:ext cx="887131" cy="0"/>
                 </a:xfrm>
                 <a:prstGeom prst="line">
                   <a:avLst/>
@@ -3270,10 +3818,10 @@
             </p:cxnSp>
             <p:cxnSp>
               <p:nvCxnSpPr>
-                <p:cNvPr id="35" name="直接连接符 34">
+                <p:cNvPr id="19" name="直接连接符 18">
                   <a:extLst>
                     <a:ext uri="{FF2B5EF4-FFF2-40B4-BE49-F238E27FC236}">
-                      <a16:creationId xmlns:a16="http://schemas.microsoft.com/office/drawing/2014/main" id="{DD6578D8-7C1C-46C6-848C-59F2497E7428}"/>
+                      <a16:creationId xmlns:a16="http://schemas.microsoft.com/office/drawing/2014/main" id="{4E188F26-347B-4C3F-B909-ED09D2ACEC3B}"/>
                     </a:ext>
                   </a:extLst>
                 </p:cNvPr>
@@ -3281,9 +3829,9 @@
                 <p:nvPr/>
               </p:nvCxnSpPr>
               <p:spPr>
-                <a:xfrm>
-                  <a:off x="2077374" y="3774489"/>
-                  <a:ext cx="2441360" cy="0"/>
+                <a:xfrm flipH="1">
+                  <a:off x="6234359" y="4614635"/>
+                  <a:ext cx="8319" cy="903314"/>
                 </a:xfrm>
                 <a:prstGeom prst="line">
                   <a:avLst/>
@@ -3308,30 +3856,24 @@
           </p:grpSp>
           <p:grpSp>
             <p:nvGrpSpPr>
-              <p:cNvPr id="25" name="组合 24">
-                <a:extLst>
-                  <a:ext uri="{FF2B5EF4-FFF2-40B4-BE49-F238E27FC236}">
-                    <a16:creationId xmlns:a16="http://schemas.microsoft.com/office/drawing/2014/main" id="{DF32330E-3213-4325-83A8-7D65661DFCDB}"/>
-                  </a:ext>
-                </a:extLst>
-              </p:cNvPr>
+              <p:cNvPr id="10" name="组合 9"/>
               <p:cNvGrpSpPr/>
               <p:nvPr/>
             </p:nvGrpSpPr>
             <p:grpSpPr>
               <a:xfrm rot="5400000">
-                <a:off x="1871423" y="3329652"/>
-                <a:ext cx="1055077" cy="608490"/>
-                <a:chOff x="2077374" y="2867487"/>
-                <a:chExt cx="2441360" cy="907002"/>
+                <a:off x="742136" y="2881095"/>
+                <a:ext cx="511631" cy="890470"/>
+                <a:chOff x="5599680" y="4614635"/>
+                <a:chExt cx="642998" cy="890470"/>
               </a:xfrm>
             </p:grpSpPr>
             <p:cxnSp>
               <p:nvCxnSpPr>
-                <p:cNvPr id="30" name="直接连接符 29">
+                <p:cNvPr id="14" name="直接连接符 13">
                   <a:extLst>
                     <a:ext uri="{FF2B5EF4-FFF2-40B4-BE49-F238E27FC236}">
-                      <a16:creationId xmlns:a16="http://schemas.microsoft.com/office/drawing/2014/main" id="{4E188F26-347B-4C3F-B909-ED09D2ACEC3B}"/>
+                      <a16:creationId xmlns:a16="http://schemas.microsoft.com/office/drawing/2014/main" id="{DD6578D8-7C1C-46C6-848C-59F2497E7428}"/>
                     </a:ext>
                   </a:extLst>
                 </p:cNvPr>
@@ -3339,9 +3881,9 @@
                 <p:nvPr/>
               </p:nvCxnSpPr>
               <p:spPr>
-                <a:xfrm>
-                  <a:off x="2077374" y="2867487"/>
-                  <a:ext cx="2441360" cy="0"/>
+                <a:xfrm rot="5400000">
+                  <a:off x="5156114" y="5061539"/>
+                  <a:ext cx="887131" cy="0"/>
                 </a:xfrm>
                 <a:prstGeom prst="line">
                   <a:avLst/>
@@ -3365,7 +3907,7 @@
             </p:cxnSp>
             <p:cxnSp>
               <p:nvCxnSpPr>
-                <p:cNvPr id="31" name="直接连接符 30">
+                <p:cNvPr id="15" name="直接连接符 14">
                   <a:extLst>
                     <a:ext uri="{FF2B5EF4-FFF2-40B4-BE49-F238E27FC236}">
                       <a16:creationId xmlns:a16="http://schemas.microsoft.com/office/drawing/2014/main" id="{A7CE9A2F-D1FF-4570-96EB-8B482E46910B}"/>
@@ -3376,9 +3918,9 @@
                 <p:nvPr/>
               </p:nvCxnSpPr>
               <p:spPr>
-                <a:xfrm>
-                  <a:off x="2077374" y="3315070"/>
-                  <a:ext cx="2441360" cy="0"/>
+                <a:xfrm rot="5400000">
+                  <a:off x="5479889" y="5061540"/>
+                  <a:ext cx="887131" cy="0"/>
                 </a:xfrm>
                 <a:prstGeom prst="line">
                   <a:avLst/>
@@ -3404,10 +3946,10 @@
             </p:cxnSp>
             <p:cxnSp>
               <p:nvCxnSpPr>
-                <p:cNvPr id="32" name="直接连接符 31">
+                <p:cNvPr id="16" name="直接连接符 15">
                   <a:extLst>
                     <a:ext uri="{FF2B5EF4-FFF2-40B4-BE49-F238E27FC236}">
-                      <a16:creationId xmlns:a16="http://schemas.microsoft.com/office/drawing/2014/main" id="{DD6578D8-7C1C-46C6-848C-59F2497E7428}"/>
+                      <a16:creationId xmlns:a16="http://schemas.microsoft.com/office/drawing/2014/main" id="{4E188F26-347B-4C3F-B909-ED09D2ACEC3B}"/>
                     </a:ext>
                   </a:extLst>
                 </p:cNvPr>
@@ -3415,9 +3957,9 @@
                 <p:nvPr/>
               </p:nvCxnSpPr>
               <p:spPr>
-                <a:xfrm>
-                  <a:off x="2077374" y="3774489"/>
-                  <a:ext cx="2441360" cy="0"/>
+                <a:xfrm rot="5400000">
+                  <a:off x="5799112" y="5058201"/>
+                  <a:ext cx="887131" cy="0"/>
                 </a:xfrm>
                 <a:prstGeom prst="line">
                   <a:avLst/>
@@ -3440,32 +3982,752 @@
               </p:style>
             </p:cxnSp>
           </p:grpSp>
-          <p:grpSp>
-            <p:nvGrpSpPr>
-              <p:cNvPr id="26" name="组合 25">
+          <p:cxnSp>
+            <p:nvCxnSpPr>
+              <p:cNvPr id="11" name="直接连接符 10">
                 <a:extLst>
                   <a:ext uri="{FF2B5EF4-FFF2-40B4-BE49-F238E27FC236}">
-                    <a16:creationId xmlns:a16="http://schemas.microsoft.com/office/drawing/2014/main" id="{DF32330E-3213-4325-83A8-7D65661DFCDB}"/>
+                    <a16:creationId xmlns:a16="http://schemas.microsoft.com/office/drawing/2014/main" id="{4E188F26-347B-4C3F-B909-ED09D2ACEC3B}"/>
                   </a:ext>
                 </a:extLst>
               </p:cNvPr>
+              <p:cNvCxnSpPr/>
+              <p:nvPr/>
+            </p:nvCxnSpPr>
+            <p:spPr>
+              <a:xfrm>
+                <a:off x="4208925" y="3070514"/>
+                <a:ext cx="1107708" cy="0"/>
+              </a:xfrm>
+              <a:prstGeom prst="line">
+                <a:avLst/>
+              </a:prstGeom>
+              <a:ln w="19050"/>
+            </p:spPr>
+            <p:style>
+              <a:lnRef idx="1">
+                <a:schemeClr val="accent1"/>
+              </a:lnRef>
+              <a:fillRef idx="0">
+                <a:schemeClr val="accent1"/>
+              </a:fillRef>
+              <a:effectRef idx="0">
+                <a:schemeClr val="accent1"/>
+              </a:effectRef>
+              <a:fontRef idx="minor">
+                <a:schemeClr val="tx1"/>
+              </a:fontRef>
+            </p:style>
+          </p:cxnSp>
+          <p:cxnSp>
+            <p:nvCxnSpPr>
+              <p:cNvPr id="12" name="直接连接符 11">
+                <a:extLst>
+                  <a:ext uri="{FF2B5EF4-FFF2-40B4-BE49-F238E27FC236}">
+                    <a16:creationId xmlns:a16="http://schemas.microsoft.com/office/drawing/2014/main" id="{A7CE9A2F-D1FF-4570-96EB-8B482E46910B}"/>
+                  </a:ext>
+                </a:extLst>
+              </p:cNvPr>
+              <p:cNvCxnSpPr/>
+              <p:nvPr/>
+            </p:nvCxnSpPr>
+            <p:spPr>
+              <a:xfrm>
+                <a:off x="4208925" y="3326328"/>
+                <a:ext cx="1107708" cy="0"/>
+              </a:xfrm>
+              <a:prstGeom prst="line">
+                <a:avLst/>
+              </a:prstGeom>
+              <a:ln>
+                <a:prstDash val="dash"/>
+              </a:ln>
+            </p:spPr>
+            <p:style>
+              <a:lnRef idx="1">
+                <a:schemeClr val="dk1"/>
+              </a:lnRef>
+              <a:fillRef idx="0">
+                <a:schemeClr val="dk1"/>
+              </a:fillRef>
+              <a:effectRef idx="0">
+                <a:schemeClr val="dk1"/>
+              </a:effectRef>
+              <a:fontRef idx="minor">
+                <a:schemeClr val="tx1"/>
+              </a:fontRef>
+            </p:style>
+          </p:cxnSp>
+          <p:cxnSp>
+            <p:nvCxnSpPr>
+              <p:cNvPr id="13" name="直接连接符 12">
+                <a:extLst>
+                  <a:ext uri="{FF2B5EF4-FFF2-40B4-BE49-F238E27FC236}">
+                    <a16:creationId xmlns:a16="http://schemas.microsoft.com/office/drawing/2014/main" id="{DD6578D8-7C1C-46C6-848C-59F2497E7428}"/>
+                  </a:ext>
+                </a:extLst>
+              </p:cNvPr>
+              <p:cNvCxnSpPr/>
+              <p:nvPr/>
+            </p:nvCxnSpPr>
+            <p:spPr>
+              <a:xfrm>
+                <a:off x="4208925" y="3582145"/>
+                <a:ext cx="1107708" cy="0"/>
+              </a:xfrm>
+              <a:prstGeom prst="line">
+                <a:avLst/>
+              </a:prstGeom>
+              <a:ln w="19050"/>
+            </p:spPr>
+            <p:style>
+              <a:lnRef idx="1">
+                <a:schemeClr val="accent1"/>
+              </a:lnRef>
+              <a:fillRef idx="0">
+                <a:schemeClr val="accent1"/>
+              </a:fillRef>
+              <a:effectRef idx="0">
+                <a:schemeClr val="accent1"/>
+              </a:effectRef>
+              <a:fontRef idx="minor">
+                <a:schemeClr val="tx1"/>
+              </a:fontRef>
+            </p:style>
+          </p:cxnSp>
+        </p:grpSp>
+        <p:grpSp>
+          <p:nvGrpSpPr>
+            <p:cNvPr id="41" name="组合 40"/>
+            <p:cNvGrpSpPr/>
+            <p:nvPr/>
+          </p:nvGrpSpPr>
+          <p:grpSpPr>
+            <a:xfrm>
+              <a:off x="5306731" y="738996"/>
+              <a:ext cx="4763916" cy="4043978"/>
+              <a:chOff x="552717" y="1297919"/>
+              <a:chExt cx="4763916" cy="4043978"/>
+            </a:xfrm>
+          </p:grpSpPr>
+          <p:grpSp>
+            <p:nvGrpSpPr>
+              <p:cNvPr id="42" name="组合 41"/>
               <p:cNvGrpSpPr/>
               <p:nvPr/>
             </p:nvGrpSpPr>
             <p:grpSpPr>
               <a:xfrm>
-                <a:off x="1035670" y="2505808"/>
-                <a:ext cx="1055077" cy="608490"/>
-                <a:chOff x="2077374" y="2867487"/>
-                <a:chExt cx="2441360" cy="907002"/>
+                <a:off x="1421950" y="2183382"/>
+                <a:ext cx="2854260" cy="2279219"/>
+                <a:chOff x="1035670" y="1450730"/>
+                <a:chExt cx="2718644" cy="2710705"/>
+              </a:xfrm>
+            </p:grpSpPr>
+            <p:grpSp>
+              <p:nvGrpSpPr>
+                <p:cNvPr id="59" name="组合 58">
+                  <a:extLst>
+                    <a:ext uri="{FF2B5EF4-FFF2-40B4-BE49-F238E27FC236}">
+                      <a16:creationId xmlns:a16="http://schemas.microsoft.com/office/drawing/2014/main" id="{DF32330E-3213-4325-83A8-7D65661DFCDB}"/>
+                    </a:ext>
+                  </a:extLst>
+                </p:cNvPr>
+                <p:cNvGrpSpPr/>
+                <p:nvPr/>
+              </p:nvGrpSpPr>
+              <p:grpSpPr>
+                <a:xfrm rot="5400000">
+                  <a:off x="1867454" y="1674024"/>
+                  <a:ext cx="1055077" cy="608490"/>
+                  <a:chOff x="2077374" y="2867487"/>
+                  <a:chExt cx="2441360" cy="907002"/>
+                </a:xfrm>
+              </p:grpSpPr>
+              <p:cxnSp>
+                <p:nvCxnSpPr>
+                  <p:cNvPr id="72" name="直接连接符 71">
+                    <a:extLst>
+                      <a:ext uri="{FF2B5EF4-FFF2-40B4-BE49-F238E27FC236}">
+                        <a16:creationId xmlns:a16="http://schemas.microsoft.com/office/drawing/2014/main" id="{4E188F26-347B-4C3F-B909-ED09D2ACEC3B}"/>
+                      </a:ext>
+                    </a:extLst>
+                  </p:cNvPr>
+                  <p:cNvCxnSpPr/>
+                  <p:nvPr/>
+                </p:nvCxnSpPr>
+                <p:spPr>
+                  <a:xfrm>
+                    <a:off x="2077374" y="2867487"/>
+                    <a:ext cx="2441360" cy="0"/>
+                  </a:xfrm>
+                  <a:prstGeom prst="line">
+                    <a:avLst/>
+                  </a:prstGeom>
+                  <a:ln w="19050"/>
+                </p:spPr>
+                <p:style>
+                  <a:lnRef idx="1">
+                    <a:schemeClr val="accent1"/>
+                  </a:lnRef>
+                  <a:fillRef idx="0">
+                    <a:schemeClr val="accent1"/>
+                  </a:fillRef>
+                  <a:effectRef idx="0">
+                    <a:schemeClr val="accent1"/>
+                  </a:effectRef>
+                  <a:fontRef idx="minor">
+                    <a:schemeClr val="tx1"/>
+                  </a:fontRef>
+                </p:style>
+              </p:cxnSp>
+              <p:cxnSp>
+                <p:nvCxnSpPr>
+                  <p:cNvPr id="73" name="直接连接符 72">
+                    <a:extLst>
+                      <a:ext uri="{FF2B5EF4-FFF2-40B4-BE49-F238E27FC236}">
+                        <a16:creationId xmlns:a16="http://schemas.microsoft.com/office/drawing/2014/main" id="{A7CE9A2F-D1FF-4570-96EB-8B482E46910B}"/>
+                      </a:ext>
+                    </a:extLst>
+                  </p:cNvPr>
+                  <p:cNvCxnSpPr/>
+                  <p:nvPr/>
+                </p:nvCxnSpPr>
+                <p:spPr>
+                  <a:xfrm>
+                    <a:off x="2077374" y="3315070"/>
+                    <a:ext cx="2441360" cy="0"/>
+                  </a:xfrm>
+                  <a:prstGeom prst="line">
+                    <a:avLst/>
+                  </a:prstGeom>
+                  <a:ln>
+                    <a:prstDash val="dash"/>
+                  </a:ln>
+                </p:spPr>
+                <p:style>
+                  <a:lnRef idx="1">
+                    <a:schemeClr val="dk1"/>
+                  </a:lnRef>
+                  <a:fillRef idx="0">
+                    <a:schemeClr val="dk1"/>
+                  </a:fillRef>
+                  <a:effectRef idx="0">
+                    <a:schemeClr val="dk1"/>
+                  </a:effectRef>
+                  <a:fontRef idx="minor">
+                    <a:schemeClr val="tx1"/>
+                  </a:fontRef>
+                </p:style>
+              </p:cxnSp>
+              <p:cxnSp>
+                <p:nvCxnSpPr>
+                  <p:cNvPr id="74" name="直接连接符 73">
+                    <a:extLst>
+                      <a:ext uri="{FF2B5EF4-FFF2-40B4-BE49-F238E27FC236}">
+                        <a16:creationId xmlns:a16="http://schemas.microsoft.com/office/drawing/2014/main" id="{DD6578D8-7C1C-46C6-848C-59F2497E7428}"/>
+                      </a:ext>
+                    </a:extLst>
+                  </p:cNvPr>
+                  <p:cNvCxnSpPr/>
+                  <p:nvPr/>
+                </p:nvCxnSpPr>
+                <p:spPr>
+                  <a:xfrm>
+                    <a:off x="2077374" y="3774489"/>
+                    <a:ext cx="2441360" cy="0"/>
+                  </a:xfrm>
+                  <a:prstGeom prst="line">
+                    <a:avLst/>
+                  </a:prstGeom>
+                  <a:ln w="19050"/>
+                </p:spPr>
+                <p:style>
+                  <a:lnRef idx="1">
+                    <a:schemeClr val="accent1"/>
+                  </a:lnRef>
+                  <a:fillRef idx="0">
+                    <a:schemeClr val="accent1"/>
+                  </a:fillRef>
+                  <a:effectRef idx="0">
+                    <a:schemeClr val="accent1"/>
+                  </a:effectRef>
+                  <a:fontRef idx="minor">
+                    <a:schemeClr val="tx1"/>
+                  </a:fontRef>
+                </p:style>
+              </p:cxnSp>
+            </p:grpSp>
+            <p:grpSp>
+              <p:nvGrpSpPr>
+                <p:cNvPr id="60" name="组合 59">
+                  <a:extLst>
+                    <a:ext uri="{FF2B5EF4-FFF2-40B4-BE49-F238E27FC236}">
+                      <a16:creationId xmlns:a16="http://schemas.microsoft.com/office/drawing/2014/main" id="{DF32330E-3213-4325-83A8-7D65661DFCDB}"/>
+                    </a:ext>
+                  </a:extLst>
+                </p:cNvPr>
+                <p:cNvGrpSpPr/>
+                <p:nvPr/>
+              </p:nvGrpSpPr>
+              <p:grpSpPr>
+                <a:xfrm>
+                  <a:off x="2699237" y="2505808"/>
+                  <a:ext cx="1055077" cy="608490"/>
+                  <a:chOff x="2077374" y="2867487"/>
+                  <a:chExt cx="2441360" cy="907002"/>
+                </a:xfrm>
+              </p:grpSpPr>
+              <p:cxnSp>
+                <p:nvCxnSpPr>
+                  <p:cNvPr id="69" name="直接连接符 68">
+                    <a:extLst>
+                      <a:ext uri="{FF2B5EF4-FFF2-40B4-BE49-F238E27FC236}">
+                        <a16:creationId xmlns:a16="http://schemas.microsoft.com/office/drawing/2014/main" id="{4E188F26-347B-4C3F-B909-ED09D2ACEC3B}"/>
+                      </a:ext>
+                    </a:extLst>
+                  </p:cNvPr>
+                  <p:cNvCxnSpPr/>
+                  <p:nvPr/>
+                </p:nvCxnSpPr>
+                <p:spPr>
+                  <a:xfrm>
+                    <a:off x="2077374" y="2867487"/>
+                    <a:ext cx="2441360" cy="0"/>
+                  </a:xfrm>
+                  <a:prstGeom prst="line">
+                    <a:avLst/>
+                  </a:prstGeom>
+                  <a:ln w="19050"/>
+                </p:spPr>
+                <p:style>
+                  <a:lnRef idx="1">
+                    <a:schemeClr val="accent1"/>
+                  </a:lnRef>
+                  <a:fillRef idx="0">
+                    <a:schemeClr val="accent1"/>
+                  </a:fillRef>
+                  <a:effectRef idx="0">
+                    <a:schemeClr val="accent1"/>
+                  </a:effectRef>
+                  <a:fontRef idx="minor">
+                    <a:schemeClr val="tx1"/>
+                  </a:fontRef>
+                </p:style>
+              </p:cxnSp>
+              <p:cxnSp>
+                <p:nvCxnSpPr>
+                  <p:cNvPr id="70" name="直接连接符 69">
+                    <a:extLst>
+                      <a:ext uri="{FF2B5EF4-FFF2-40B4-BE49-F238E27FC236}">
+                        <a16:creationId xmlns:a16="http://schemas.microsoft.com/office/drawing/2014/main" id="{A7CE9A2F-D1FF-4570-96EB-8B482E46910B}"/>
+                      </a:ext>
+                    </a:extLst>
+                  </p:cNvPr>
+                  <p:cNvCxnSpPr/>
+                  <p:nvPr/>
+                </p:nvCxnSpPr>
+                <p:spPr>
+                  <a:xfrm>
+                    <a:off x="2077374" y="3315070"/>
+                    <a:ext cx="2441360" cy="0"/>
+                  </a:xfrm>
+                  <a:prstGeom prst="line">
+                    <a:avLst/>
+                  </a:prstGeom>
+                  <a:ln>
+                    <a:prstDash val="dash"/>
+                  </a:ln>
+                </p:spPr>
+                <p:style>
+                  <a:lnRef idx="1">
+                    <a:schemeClr val="dk1"/>
+                  </a:lnRef>
+                  <a:fillRef idx="0">
+                    <a:schemeClr val="dk1"/>
+                  </a:fillRef>
+                  <a:effectRef idx="0">
+                    <a:schemeClr val="dk1"/>
+                  </a:effectRef>
+                  <a:fontRef idx="minor">
+                    <a:schemeClr val="tx1"/>
+                  </a:fontRef>
+                </p:style>
+              </p:cxnSp>
+              <p:cxnSp>
+                <p:nvCxnSpPr>
+                  <p:cNvPr id="71" name="直接连接符 70">
+                    <a:extLst>
+                      <a:ext uri="{FF2B5EF4-FFF2-40B4-BE49-F238E27FC236}">
+                        <a16:creationId xmlns:a16="http://schemas.microsoft.com/office/drawing/2014/main" id="{DD6578D8-7C1C-46C6-848C-59F2497E7428}"/>
+                      </a:ext>
+                    </a:extLst>
+                  </p:cNvPr>
+                  <p:cNvCxnSpPr/>
+                  <p:nvPr/>
+                </p:nvCxnSpPr>
+                <p:spPr>
+                  <a:xfrm>
+                    <a:off x="2077374" y="3774489"/>
+                    <a:ext cx="2441360" cy="0"/>
+                  </a:xfrm>
+                  <a:prstGeom prst="line">
+                    <a:avLst/>
+                  </a:prstGeom>
+                  <a:ln w="19050"/>
+                </p:spPr>
+                <p:style>
+                  <a:lnRef idx="1">
+                    <a:schemeClr val="accent1"/>
+                  </a:lnRef>
+                  <a:fillRef idx="0">
+                    <a:schemeClr val="accent1"/>
+                  </a:fillRef>
+                  <a:effectRef idx="0">
+                    <a:schemeClr val="accent1"/>
+                  </a:effectRef>
+                  <a:fontRef idx="minor">
+                    <a:schemeClr val="tx1"/>
+                  </a:fontRef>
+                </p:style>
+              </p:cxnSp>
+            </p:grpSp>
+            <p:grpSp>
+              <p:nvGrpSpPr>
+                <p:cNvPr id="61" name="组合 60">
+                  <a:extLst>
+                    <a:ext uri="{FF2B5EF4-FFF2-40B4-BE49-F238E27FC236}">
+                      <a16:creationId xmlns:a16="http://schemas.microsoft.com/office/drawing/2014/main" id="{DF32330E-3213-4325-83A8-7D65661DFCDB}"/>
+                    </a:ext>
+                  </a:extLst>
+                </p:cNvPr>
+                <p:cNvGrpSpPr/>
+                <p:nvPr/>
+              </p:nvGrpSpPr>
+              <p:grpSpPr>
+                <a:xfrm rot="5400000">
+                  <a:off x="1871423" y="3329652"/>
+                  <a:ext cx="1055077" cy="608490"/>
+                  <a:chOff x="2077374" y="2867487"/>
+                  <a:chExt cx="2441360" cy="907002"/>
+                </a:xfrm>
+              </p:grpSpPr>
+              <p:cxnSp>
+                <p:nvCxnSpPr>
+                  <p:cNvPr id="66" name="直接连接符 65">
+                    <a:extLst>
+                      <a:ext uri="{FF2B5EF4-FFF2-40B4-BE49-F238E27FC236}">
+                        <a16:creationId xmlns:a16="http://schemas.microsoft.com/office/drawing/2014/main" id="{4E188F26-347B-4C3F-B909-ED09D2ACEC3B}"/>
+                      </a:ext>
+                    </a:extLst>
+                  </p:cNvPr>
+                  <p:cNvCxnSpPr/>
+                  <p:nvPr/>
+                </p:nvCxnSpPr>
+                <p:spPr>
+                  <a:xfrm>
+                    <a:off x="2077374" y="2867487"/>
+                    <a:ext cx="2441360" cy="0"/>
+                  </a:xfrm>
+                  <a:prstGeom prst="line">
+                    <a:avLst/>
+                  </a:prstGeom>
+                  <a:ln w="19050"/>
+                </p:spPr>
+                <p:style>
+                  <a:lnRef idx="1">
+                    <a:schemeClr val="accent1"/>
+                  </a:lnRef>
+                  <a:fillRef idx="0">
+                    <a:schemeClr val="accent1"/>
+                  </a:fillRef>
+                  <a:effectRef idx="0">
+                    <a:schemeClr val="accent1"/>
+                  </a:effectRef>
+                  <a:fontRef idx="minor">
+                    <a:schemeClr val="tx1"/>
+                  </a:fontRef>
+                </p:style>
+              </p:cxnSp>
+              <p:cxnSp>
+                <p:nvCxnSpPr>
+                  <p:cNvPr id="67" name="直接连接符 66">
+                    <a:extLst>
+                      <a:ext uri="{FF2B5EF4-FFF2-40B4-BE49-F238E27FC236}">
+                        <a16:creationId xmlns:a16="http://schemas.microsoft.com/office/drawing/2014/main" id="{A7CE9A2F-D1FF-4570-96EB-8B482E46910B}"/>
+                      </a:ext>
+                    </a:extLst>
+                  </p:cNvPr>
+                  <p:cNvCxnSpPr/>
+                  <p:nvPr/>
+                </p:nvCxnSpPr>
+                <p:spPr>
+                  <a:xfrm>
+                    <a:off x="2077374" y="3315070"/>
+                    <a:ext cx="2441360" cy="0"/>
+                  </a:xfrm>
+                  <a:prstGeom prst="line">
+                    <a:avLst/>
+                  </a:prstGeom>
+                  <a:ln>
+                    <a:prstDash val="dash"/>
+                  </a:ln>
+                </p:spPr>
+                <p:style>
+                  <a:lnRef idx="1">
+                    <a:schemeClr val="dk1"/>
+                  </a:lnRef>
+                  <a:fillRef idx="0">
+                    <a:schemeClr val="dk1"/>
+                  </a:fillRef>
+                  <a:effectRef idx="0">
+                    <a:schemeClr val="dk1"/>
+                  </a:effectRef>
+                  <a:fontRef idx="minor">
+                    <a:schemeClr val="tx1"/>
+                  </a:fontRef>
+                </p:style>
+              </p:cxnSp>
+              <p:cxnSp>
+                <p:nvCxnSpPr>
+                  <p:cNvPr id="68" name="直接连接符 67">
+                    <a:extLst>
+                      <a:ext uri="{FF2B5EF4-FFF2-40B4-BE49-F238E27FC236}">
+                        <a16:creationId xmlns:a16="http://schemas.microsoft.com/office/drawing/2014/main" id="{DD6578D8-7C1C-46C6-848C-59F2497E7428}"/>
+                      </a:ext>
+                    </a:extLst>
+                  </p:cNvPr>
+                  <p:cNvCxnSpPr/>
+                  <p:nvPr/>
+                </p:nvCxnSpPr>
+                <p:spPr>
+                  <a:xfrm>
+                    <a:off x="2077374" y="3774489"/>
+                    <a:ext cx="2441360" cy="0"/>
+                  </a:xfrm>
+                  <a:prstGeom prst="line">
+                    <a:avLst/>
+                  </a:prstGeom>
+                  <a:ln w="19050"/>
+                </p:spPr>
+                <p:style>
+                  <a:lnRef idx="1">
+                    <a:schemeClr val="accent1"/>
+                  </a:lnRef>
+                  <a:fillRef idx="0">
+                    <a:schemeClr val="accent1"/>
+                  </a:fillRef>
+                  <a:effectRef idx="0">
+                    <a:schemeClr val="accent1"/>
+                  </a:effectRef>
+                  <a:fontRef idx="minor">
+                    <a:schemeClr val="tx1"/>
+                  </a:fontRef>
+                </p:style>
+              </p:cxnSp>
+            </p:grpSp>
+            <p:grpSp>
+              <p:nvGrpSpPr>
+                <p:cNvPr id="62" name="组合 61">
+                  <a:extLst>
+                    <a:ext uri="{FF2B5EF4-FFF2-40B4-BE49-F238E27FC236}">
+                      <a16:creationId xmlns:a16="http://schemas.microsoft.com/office/drawing/2014/main" id="{DF32330E-3213-4325-83A8-7D65661DFCDB}"/>
+                    </a:ext>
+                  </a:extLst>
+                </p:cNvPr>
+                <p:cNvGrpSpPr/>
+                <p:nvPr/>
+              </p:nvGrpSpPr>
+              <p:grpSpPr>
+                <a:xfrm>
+                  <a:off x="1035670" y="2505808"/>
+                  <a:ext cx="1055077" cy="608490"/>
+                  <a:chOff x="2077374" y="2867487"/>
+                  <a:chExt cx="2441360" cy="907002"/>
+                </a:xfrm>
+              </p:grpSpPr>
+              <p:cxnSp>
+                <p:nvCxnSpPr>
+                  <p:cNvPr id="63" name="直接连接符 62">
+                    <a:extLst>
+                      <a:ext uri="{FF2B5EF4-FFF2-40B4-BE49-F238E27FC236}">
+                        <a16:creationId xmlns:a16="http://schemas.microsoft.com/office/drawing/2014/main" id="{4E188F26-347B-4C3F-B909-ED09D2ACEC3B}"/>
+                      </a:ext>
+                    </a:extLst>
+                  </p:cNvPr>
+                  <p:cNvCxnSpPr/>
+                  <p:nvPr/>
+                </p:nvCxnSpPr>
+                <p:spPr>
+                  <a:xfrm>
+                    <a:off x="2077374" y="2867487"/>
+                    <a:ext cx="2441360" cy="0"/>
+                  </a:xfrm>
+                  <a:prstGeom prst="line">
+                    <a:avLst/>
+                  </a:prstGeom>
+                  <a:ln w="19050"/>
+                </p:spPr>
+                <p:style>
+                  <a:lnRef idx="1">
+                    <a:schemeClr val="accent1"/>
+                  </a:lnRef>
+                  <a:fillRef idx="0">
+                    <a:schemeClr val="accent1"/>
+                  </a:fillRef>
+                  <a:effectRef idx="0">
+                    <a:schemeClr val="accent1"/>
+                  </a:effectRef>
+                  <a:fontRef idx="minor">
+                    <a:schemeClr val="tx1"/>
+                  </a:fontRef>
+                </p:style>
+              </p:cxnSp>
+              <p:cxnSp>
+                <p:nvCxnSpPr>
+                  <p:cNvPr id="64" name="直接连接符 63">
+                    <a:extLst>
+                      <a:ext uri="{FF2B5EF4-FFF2-40B4-BE49-F238E27FC236}">
+                        <a16:creationId xmlns:a16="http://schemas.microsoft.com/office/drawing/2014/main" id="{A7CE9A2F-D1FF-4570-96EB-8B482E46910B}"/>
+                      </a:ext>
+                    </a:extLst>
+                  </p:cNvPr>
+                  <p:cNvCxnSpPr/>
+                  <p:nvPr/>
+                </p:nvCxnSpPr>
+                <p:spPr>
+                  <a:xfrm>
+                    <a:off x="2077374" y="3315070"/>
+                    <a:ext cx="2441360" cy="0"/>
+                  </a:xfrm>
+                  <a:prstGeom prst="line">
+                    <a:avLst/>
+                  </a:prstGeom>
+                  <a:ln>
+                    <a:prstDash val="dash"/>
+                  </a:ln>
+                </p:spPr>
+                <p:style>
+                  <a:lnRef idx="1">
+                    <a:schemeClr val="dk1"/>
+                  </a:lnRef>
+                  <a:fillRef idx="0">
+                    <a:schemeClr val="dk1"/>
+                  </a:fillRef>
+                  <a:effectRef idx="0">
+                    <a:schemeClr val="dk1"/>
+                  </a:effectRef>
+                  <a:fontRef idx="minor">
+                    <a:schemeClr val="tx1"/>
+                  </a:fontRef>
+                </p:style>
+              </p:cxnSp>
+              <p:cxnSp>
+                <p:nvCxnSpPr>
+                  <p:cNvPr id="65" name="直接连接符 64">
+                    <a:extLst>
+                      <a:ext uri="{FF2B5EF4-FFF2-40B4-BE49-F238E27FC236}">
+                        <a16:creationId xmlns:a16="http://schemas.microsoft.com/office/drawing/2014/main" id="{DD6578D8-7C1C-46C6-848C-59F2497E7428}"/>
+                      </a:ext>
+                    </a:extLst>
+                  </p:cNvPr>
+                  <p:cNvCxnSpPr/>
+                  <p:nvPr/>
+                </p:nvCxnSpPr>
+                <p:spPr>
+                  <a:xfrm>
+                    <a:off x="2077374" y="3774489"/>
+                    <a:ext cx="2441360" cy="0"/>
+                  </a:xfrm>
+                  <a:prstGeom prst="line">
+                    <a:avLst/>
+                  </a:prstGeom>
+                  <a:ln w="19050"/>
+                </p:spPr>
+                <p:style>
+                  <a:lnRef idx="1">
+                    <a:schemeClr val="accent1"/>
+                  </a:lnRef>
+                  <a:fillRef idx="0">
+                    <a:schemeClr val="accent1"/>
+                  </a:fillRef>
+                  <a:effectRef idx="0">
+                    <a:schemeClr val="accent1"/>
+                  </a:effectRef>
+                  <a:fontRef idx="minor">
+                    <a:schemeClr val="tx1"/>
+                  </a:fontRef>
+                </p:style>
+              </p:cxnSp>
+            </p:grpSp>
+          </p:grpSp>
+          <p:sp>
+            <p:nvSpPr>
+              <p:cNvPr id="43" name="椭圆 42"/>
+              <p:cNvSpPr/>
+              <p:nvPr/>
+            </p:nvSpPr>
+            <p:spPr>
+              <a:xfrm>
+                <a:off x="2689196" y="3177648"/>
+                <a:ext cx="328102" cy="304036"/>
+              </a:xfrm>
+              <a:prstGeom prst="ellipse">
+                <a:avLst/>
+              </a:prstGeom>
+              <a:solidFill>
+                <a:schemeClr val="accent6"/>
+              </a:solidFill>
+            </p:spPr>
+            <p:style>
+              <a:lnRef idx="2">
+                <a:schemeClr val="accent1">
+                  <a:shade val="50000"/>
+                </a:schemeClr>
+              </a:lnRef>
+              <a:fillRef idx="1">
+                <a:schemeClr val="accent1"/>
+              </a:fillRef>
+              <a:effectRef idx="0">
+                <a:schemeClr val="accent1"/>
+              </a:effectRef>
+              <a:fontRef idx="minor">
+                <a:schemeClr val="lt1"/>
+              </a:fontRef>
+            </p:style>
+            <p:txBody>
+              <a:bodyPr rtlCol="0" anchor="ctr"/>
+              <a:lstStyle/>
+              <a:p>
+                <a:pPr algn="ctr"/>
+                <a:r>
+                  <a:rPr lang="en-US" altLang="zh-CN" dirty="0"/>
+                  <a:t>B</a:t>
+                </a:r>
+                <a:endParaRPr lang="zh-CN" altLang="en-US" dirty="0"/>
+              </a:p>
+            </p:txBody>
+          </p:sp>
+          <p:grpSp>
+            <p:nvGrpSpPr>
+              <p:cNvPr id="44" name="组合 43"/>
+              <p:cNvGrpSpPr/>
+              <p:nvPr/>
+            </p:nvGrpSpPr>
+            <p:grpSpPr>
+              <a:xfrm>
+                <a:off x="2533824" y="4451427"/>
+                <a:ext cx="642998" cy="890470"/>
+                <a:chOff x="5599680" y="4614635"/>
+                <a:chExt cx="642998" cy="890470"/>
               </a:xfrm>
             </p:grpSpPr>
             <p:cxnSp>
               <p:nvCxnSpPr>
-                <p:cNvPr id="27" name="直接连接符 26">
+                <p:cNvPr id="56" name="直接连接符 55">
                   <a:extLst>
                     <a:ext uri="{FF2B5EF4-FFF2-40B4-BE49-F238E27FC236}">
-                      <a16:creationId xmlns:a16="http://schemas.microsoft.com/office/drawing/2014/main" id="{4E188F26-347B-4C3F-B909-ED09D2ACEC3B}"/>
+                      <a16:creationId xmlns:a16="http://schemas.microsoft.com/office/drawing/2014/main" id="{DD6578D8-7C1C-46C6-848C-59F2497E7428}"/>
                     </a:ext>
                   </a:extLst>
                 </p:cNvPr>
@@ -3473,9 +4735,9 @@
                 <p:nvPr/>
               </p:nvCxnSpPr>
               <p:spPr>
-                <a:xfrm>
-                  <a:off x="2077374" y="2867487"/>
-                  <a:ext cx="2441360" cy="0"/>
+                <a:xfrm rot="5400000">
+                  <a:off x="5156114" y="5061539"/>
+                  <a:ext cx="887131" cy="0"/>
                 </a:xfrm>
                 <a:prstGeom prst="line">
                   <a:avLst/>
@@ -3499,7 +4761,7 @@
             </p:cxnSp>
             <p:cxnSp>
               <p:nvCxnSpPr>
-                <p:cNvPr id="28" name="直接连接符 27">
+                <p:cNvPr id="57" name="直接连接符 56">
                   <a:extLst>
                     <a:ext uri="{FF2B5EF4-FFF2-40B4-BE49-F238E27FC236}">
                       <a16:creationId xmlns:a16="http://schemas.microsoft.com/office/drawing/2014/main" id="{A7CE9A2F-D1FF-4570-96EB-8B482E46910B}"/>
@@ -3510,9 +4772,9 @@
                 <p:nvPr/>
               </p:nvCxnSpPr>
               <p:spPr>
-                <a:xfrm>
-                  <a:off x="2077374" y="3315070"/>
-                  <a:ext cx="2441360" cy="0"/>
+                <a:xfrm rot="5400000">
+                  <a:off x="5479889" y="5061540"/>
+                  <a:ext cx="887131" cy="0"/>
                 </a:xfrm>
                 <a:prstGeom prst="line">
                   <a:avLst/>
@@ -3538,10 +4800,10 @@
             </p:cxnSp>
             <p:cxnSp>
               <p:nvCxnSpPr>
-                <p:cNvPr id="29" name="直接连接符 28">
+                <p:cNvPr id="58" name="直接连接符 57">
                   <a:extLst>
                     <a:ext uri="{FF2B5EF4-FFF2-40B4-BE49-F238E27FC236}">
-                      <a16:creationId xmlns:a16="http://schemas.microsoft.com/office/drawing/2014/main" id="{DD6578D8-7C1C-46C6-848C-59F2497E7428}"/>
+                      <a16:creationId xmlns:a16="http://schemas.microsoft.com/office/drawing/2014/main" id="{4E188F26-347B-4C3F-B909-ED09D2ACEC3B}"/>
                     </a:ext>
                   </a:extLst>
                 </p:cNvPr>
@@ -3549,9 +4811,9 @@
                 <p:nvPr/>
               </p:nvCxnSpPr>
               <p:spPr>
-                <a:xfrm>
-                  <a:off x="2077374" y="3774489"/>
-                  <a:ext cx="2441360" cy="0"/>
+                <a:xfrm rot="5400000">
+                  <a:off x="5799112" y="5058201"/>
+                  <a:ext cx="887131" cy="0"/>
                 </a:xfrm>
                 <a:prstGeom prst="line">
                   <a:avLst/>
@@ -3574,27 +4836,268 @@
               </p:style>
             </p:cxnSp>
           </p:grpSp>
-        </p:grpSp>
-        <p:grpSp>
-          <p:nvGrpSpPr>
-            <p:cNvPr id="8" name="组合 7"/>
-            <p:cNvGrpSpPr/>
-            <p:nvPr/>
-          </p:nvGrpSpPr>
-          <p:grpSpPr>
-            <a:xfrm>
-              <a:off x="2533824" y="4451427"/>
-              <a:ext cx="642998" cy="890470"/>
-              <a:chOff x="5599680" y="4614635"/>
-              <a:chExt cx="642998" cy="890470"/>
-            </a:xfrm>
-          </p:grpSpPr>
+          <p:grpSp>
+            <p:nvGrpSpPr>
+              <p:cNvPr id="45" name="组合 44"/>
+              <p:cNvGrpSpPr/>
+              <p:nvPr/>
+            </p:nvGrpSpPr>
+            <p:grpSpPr>
+              <a:xfrm>
+                <a:off x="2525561" y="1297919"/>
+                <a:ext cx="651260" cy="903316"/>
+                <a:chOff x="5591418" y="4614635"/>
+                <a:chExt cx="651260" cy="903316"/>
+              </a:xfrm>
+            </p:grpSpPr>
+            <p:cxnSp>
+              <p:nvCxnSpPr>
+                <p:cNvPr id="53" name="直接连接符 52">
+                  <a:extLst>
+                    <a:ext uri="{FF2B5EF4-FFF2-40B4-BE49-F238E27FC236}">
+                      <a16:creationId xmlns:a16="http://schemas.microsoft.com/office/drawing/2014/main" id="{DD6578D8-7C1C-46C6-848C-59F2497E7428}"/>
+                    </a:ext>
+                  </a:extLst>
+                </p:cNvPr>
+                <p:cNvCxnSpPr/>
+                <p:nvPr/>
+              </p:nvCxnSpPr>
+              <p:spPr>
+                <a:xfrm rot="5400000">
+                  <a:off x="5147852" y="5058201"/>
+                  <a:ext cx="887131" cy="0"/>
+                </a:xfrm>
+                <a:prstGeom prst="line">
+                  <a:avLst/>
+                </a:prstGeom>
+                <a:ln w="19050"/>
+              </p:spPr>
+              <p:style>
+                <a:lnRef idx="1">
+                  <a:schemeClr val="accent1"/>
+                </a:lnRef>
+                <a:fillRef idx="0">
+                  <a:schemeClr val="accent1"/>
+                </a:fillRef>
+                <a:effectRef idx="0">
+                  <a:schemeClr val="accent1"/>
+                </a:effectRef>
+                <a:fontRef idx="minor">
+                  <a:schemeClr val="tx1"/>
+                </a:fontRef>
+              </p:style>
+            </p:cxnSp>
+            <p:cxnSp>
+              <p:nvCxnSpPr>
+                <p:cNvPr id="54" name="直接连接符 53">
+                  <a:extLst>
+                    <a:ext uri="{FF2B5EF4-FFF2-40B4-BE49-F238E27FC236}">
+                      <a16:creationId xmlns:a16="http://schemas.microsoft.com/office/drawing/2014/main" id="{A7CE9A2F-D1FF-4570-96EB-8B482E46910B}"/>
+                    </a:ext>
+                  </a:extLst>
+                </p:cNvPr>
+                <p:cNvCxnSpPr/>
+                <p:nvPr/>
+              </p:nvCxnSpPr>
+              <p:spPr>
+                <a:xfrm flipH="1">
+                  <a:off x="5919104" y="4617974"/>
+                  <a:ext cx="4351" cy="899977"/>
+                </a:xfrm>
+                <a:prstGeom prst="line">
+                  <a:avLst/>
+                </a:prstGeom>
+                <a:ln>
+                  <a:prstDash val="dash"/>
+                </a:ln>
+              </p:spPr>
+              <p:style>
+                <a:lnRef idx="1">
+                  <a:schemeClr val="dk1"/>
+                </a:lnRef>
+                <a:fillRef idx="0">
+                  <a:schemeClr val="dk1"/>
+                </a:fillRef>
+                <a:effectRef idx="0">
+                  <a:schemeClr val="dk1"/>
+                </a:effectRef>
+                <a:fontRef idx="minor">
+                  <a:schemeClr val="tx1"/>
+                </a:fontRef>
+              </p:style>
+            </p:cxnSp>
+            <p:cxnSp>
+              <p:nvCxnSpPr>
+                <p:cNvPr id="55" name="直接连接符 54">
+                  <a:extLst>
+                    <a:ext uri="{FF2B5EF4-FFF2-40B4-BE49-F238E27FC236}">
+                      <a16:creationId xmlns:a16="http://schemas.microsoft.com/office/drawing/2014/main" id="{4E188F26-347B-4C3F-B909-ED09D2ACEC3B}"/>
+                    </a:ext>
+                  </a:extLst>
+                </p:cNvPr>
+                <p:cNvCxnSpPr/>
+                <p:nvPr/>
+              </p:nvCxnSpPr>
+              <p:spPr>
+                <a:xfrm flipH="1">
+                  <a:off x="6234359" y="4614635"/>
+                  <a:ext cx="8319" cy="903314"/>
+                </a:xfrm>
+                <a:prstGeom prst="line">
+                  <a:avLst/>
+                </a:prstGeom>
+                <a:ln w="19050"/>
+              </p:spPr>
+              <p:style>
+                <a:lnRef idx="1">
+                  <a:schemeClr val="accent1"/>
+                </a:lnRef>
+                <a:fillRef idx="0">
+                  <a:schemeClr val="accent1"/>
+                </a:fillRef>
+                <a:effectRef idx="0">
+                  <a:schemeClr val="accent1"/>
+                </a:effectRef>
+                <a:fontRef idx="minor">
+                  <a:schemeClr val="tx1"/>
+                </a:fontRef>
+              </p:style>
+            </p:cxnSp>
+          </p:grpSp>
+          <p:grpSp>
+            <p:nvGrpSpPr>
+              <p:cNvPr id="46" name="组合 45"/>
+              <p:cNvGrpSpPr/>
+              <p:nvPr/>
+            </p:nvGrpSpPr>
+            <p:grpSpPr>
+              <a:xfrm rot="5400000">
+                <a:off x="742136" y="2881095"/>
+                <a:ext cx="511631" cy="890470"/>
+                <a:chOff x="5599680" y="4614635"/>
+                <a:chExt cx="642998" cy="890470"/>
+              </a:xfrm>
+            </p:grpSpPr>
+            <p:cxnSp>
+              <p:nvCxnSpPr>
+                <p:cNvPr id="50" name="直接连接符 49">
+                  <a:extLst>
+                    <a:ext uri="{FF2B5EF4-FFF2-40B4-BE49-F238E27FC236}">
+                      <a16:creationId xmlns:a16="http://schemas.microsoft.com/office/drawing/2014/main" id="{DD6578D8-7C1C-46C6-848C-59F2497E7428}"/>
+                    </a:ext>
+                  </a:extLst>
+                </p:cNvPr>
+                <p:cNvCxnSpPr/>
+                <p:nvPr/>
+              </p:nvCxnSpPr>
+              <p:spPr>
+                <a:xfrm rot="5400000">
+                  <a:off x="5156114" y="5061539"/>
+                  <a:ext cx="887131" cy="0"/>
+                </a:xfrm>
+                <a:prstGeom prst="line">
+                  <a:avLst/>
+                </a:prstGeom>
+                <a:ln w="19050"/>
+              </p:spPr>
+              <p:style>
+                <a:lnRef idx="1">
+                  <a:schemeClr val="accent1"/>
+                </a:lnRef>
+                <a:fillRef idx="0">
+                  <a:schemeClr val="accent1"/>
+                </a:fillRef>
+                <a:effectRef idx="0">
+                  <a:schemeClr val="accent1"/>
+                </a:effectRef>
+                <a:fontRef idx="minor">
+                  <a:schemeClr val="tx1"/>
+                </a:fontRef>
+              </p:style>
+            </p:cxnSp>
+            <p:cxnSp>
+              <p:nvCxnSpPr>
+                <p:cNvPr id="51" name="直接连接符 50">
+                  <a:extLst>
+                    <a:ext uri="{FF2B5EF4-FFF2-40B4-BE49-F238E27FC236}">
+                      <a16:creationId xmlns:a16="http://schemas.microsoft.com/office/drawing/2014/main" id="{A7CE9A2F-D1FF-4570-96EB-8B482E46910B}"/>
+                    </a:ext>
+                  </a:extLst>
+                </p:cNvPr>
+                <p:cNvCxnSpPr/>
+                <p:nvPr/>
+              </p:nvCxnSpPr>
+              <p:spPr>
+                <a:xfrm rot="5400000">
+                  <a:off x="5479889" y="5061540"/>
+                  <a:ext cx="887131" cy="0"/>
+                </a:xfrm>
+                <a:prstGeom prst="line">
+                  <a:avLst/>
+                </a:prstGeom>
+                <a:ln>
+                  <a:prstDash val="dash"/>
+                </a:ln>
+              </p:spPr>
+              <p:style>
+                <a:lnRef idx="1">
+                  <a:schemeClr val="dk1"/>
+                </a:lnRef>
+                <a:fillRef idx="0">
+                  <a:schemeClr val="dk1"/>
+                </a:fillRef>
+                <a:effectRef idx="0">
+                  <a:schemeClr val="dk1"/>
+                </a:effectRef>
+                <a:fontRef idx="minor">
+                  <a:schemeClr val="tx1"/>
+                </a:fontRef>
+              </p:style>
+            </p:cxnSp>
+            <p:cxnSp>
+              <p:nvCxnSpPr>
+                <p:cNvPr id="52" name="直接连接符 51">
+                  <a:extLst>
+                    <a:ext uri="{FF2B5EF4-FFF2-40B4-BE49-F238E27FC236}">
+                      <a16:creationId xmlns:a16="http://schemas.microsoft.com/office/drawing/2014/main" id="{4E188F26-347B-4C3F-B909-ED09D2ACEC3B}"/>
+                    </a:ext>
+                  </a:extLst>
+                </p:cNvPr>
+                <p:cNvCxnSpPr/>
+                <p:nvPr/>
+              </p:nvCxnSpPr>
+              <p:spPr>
+                <a:xfrm rot="5400000">
+                  <a:off x="5799112" y="5058201"/>
+                  <a:ext cx="887131" cy="0"/>
+                </a:xfrm>
+                <a:prstGeom prst="line">
+                  <a:avLst/>
+                </a:prstGeom>
+                <a:ln w="19050"/>
+              </p:spPr>
+              <p:style>
+                <a:lnRef idx="1">
+                  <a:schemeClr val="accent1"/>
+                </a:lnRef>
+                <a:fillRef idx="0">
+                  <a:schemeClr val="accent1"/>
+                </a:fillRef>
+                <a:effectRef idx="0">
+                  <a:schemeClr val="accent1"/>
+                </a:effectRef>
+                <a:fontRef idx="minor">
+                  <a:schemeClr val="tx1"/>
+                </a:fontRef>
+              </p:style>
+            </p:cxnSp>
+          </p:grpSp>
           <p:cxnSp>
             <p:nvCxnSpPr>
-              <p:cNvPr id="20" name="直接连接符 19">
+              <p:cNvPr id="47" name="直接连接符 46">
                 <a:extLst>
                   <a:ext uri="{FF2B5EF4-FFF2-40B4-BE49-F238E27FC236}">
-                    <a16:creationId xmlns:a16="http://schemas.microsoft.com/office/drawing/2014/main" id="{DD6578D8-7C1C-46C6-848C-59F2497E7428}"/>
+                    <a16:creationId xmlns:a16="http://schemas.microsoft.com/office/drawing/2014/main" id="{4E188F26-347B-4C3F-B909-ED09D2ACEC3B}"/>
                   </a:ext>
                 </a:extLst>
               </p:cNvPr>
@@ -3602,9 +5105,9 @@
               <p:nvPr/>
             </p:nvCxnSpPr>
             <p:spPr>
-              <a:xfrm rot="5400000">
-                <a:off x="5156114" y="5061539"/>
-                <a:ext cx="887131" cy="0"/>
+              <a:xfrm>
+                <a:off x="4208925" y="3070514"/>
+                <a:ext cx="1107708" cy="0"/>
               </a:xfrm>
               <a:prstGeom prst="line">
                 <a:avLst/>
@@ -3628,7 +5131,7 @@
           </p:cxnSp>
           <p:cxnSp>
             <p:nvCxnSpPr>
-              <p:cNvPr id="21" name="直接连接符 20">
+              <p:cNvPr id="48" name="直接连接符 47">
                 <a:extLst>
                   <a:ext uri="{FF2B5EF4-FFF2-40B4-BE49-F238E27FC236}">
                     <a16:creationId xmlns:a16="http://schemas.microsoft.com/office/drawing/2014/main" id="{A7CE9A2F-D1FF-4570-96EB-8B482E46910B}"/>
@@ -3639,9 +5142,9 @@
               <p:nvPr/>
             </p:nvCxnSpPr>
             <p:spPr>
-              <a:xfrm rot="5400000">
-                <a:off x="5479889" y="5061540"/>
-                <a:ext cx="887131" cy="0"/>
+              <a:xfrm>
+                <a:off x="4208925" y="3326328"/>
+                <a:ext cx="1107708" cy="0"/>
               </a:xfrm>
               <a:prstGeom prst="line">
                 <a:avLst/>
@@ -3667,10 +5170,10 @@
           </p:cxnSp>
           <p:cxnSp>
             <p:nvCxnSpPr>
-              <p:cNvPr id="22" name="直接连接符 21">
+              <p:cNvPr id="49" name="直接连接符 48">
                 <a:extLst>
                   <a:ext uri="{FF2B5EF4-FFF2-40B4-BE49-F238E27FC236}">
-                    <a16:creationId xmlns:a16="http://schemas.microsoft.com/office/drawing/2014/main" id="{4E188F26-347B-4C3F-B909-ED09D2ACEC3B}"/>
+                    <a16:creationId xmlns:a16="http://schemas.microsoft.com/office/drawing/2014/main" id="{DD6578D8-7C1C-46C6-848C-59F2497E7428}"/>
                   </a:ext>
                 </a:extLst>
               </p:cNvPr>
@@ -3678,9 +5181,9 @@
               <p:nvPr/>
             </p:nvCxnSpPr>
             <p:spPr>
-              <a:xfrm rot="5400000">
-                <a:off x="5799112" y="5058201"/>
-                <a:ext cx="887131" cy="0"/>
+              <a:xfrm>
+                <a:off x="4208925" y="3582145"/>
+                <a:ext cx="1107708" cy="0"/>
               </a:xfrm>
               <a:prstGeom prst="line">
                 <a:avLst/>
@@ -3703,2261 +5206,15 @@
             </p:style>
           </p:cxnSp>
         </p:grpSp>
-        <p:grpSp>
-          <p:nvGrpSpPr>
-            <p:cNvPr id="9" name="组合 8"/>
-            <p:cNvGrpSpPr/>
-            <p:nvPr/>
-          </p:nvGrpSpPr>
-          <p:grpSpPr>
-            <a:xfrm>
-              <a:off x="2525561" y="1297919"/>
-              <a:ext cx="651260" cy="903314"/>
-              <a:chOff x="5591418" y="4614635"/>
-              <a:chExt cx="651260" cy="903314"/>
-            </a:xfrm>
-          </p:grpSpPr>
-          <p:cxnSp>
-            <p:nvCxnSpPr>
-              <p:cNvPr id="17" name="直接连接符 16">
-                <a:extLst>
-                  <a:ext uri="{FF2B5EF4-FFF2-40B4-BE49-F238E27FC236}">
-                    <a16:creationId xmlns:a16="http://schemas.microsoft.com/office/drawing/2014/main" id="{DD6578D8-7C1C-46C6-848C-59F2497E7428}"/>
-                  </a:ext>
-                </a:extLst>
-              </p:cNvPr>
-              <p:cNvCxnSpPr/>
-              <p:nvPr/>
-            </p:nvCxnSpPr>
-            <p:spPr>
-              <a:xfrm rot="5400000">
-                <a:off x="5147852" y="5058201"/>
-                <a:ext cx="887131" cy="0"/>
-              </a:xfrm>
-              <a:prstGeom prst="line">
-                <a:avLst/>
-              </a:prstGeom>
-              <a:ln w="19050"/>
-            </p:spPr>
-            <p:style>
-              <a:lnRef idx="1">
-                <a:schemeClr val="accent1"/>
-              </a:lnRef>
-              <a:fillRef idx="0">
-                <a:schemeClr val="accent1"/>
-              </a:fillRef>
-              <a:effectRef idx="0">
-                <a:schemeClr val="accent1"/>
-              </a:effectRef>
-              <a:fontRef idx="minor">
-                <a:schemeClr val="tx1"/>
-              </a:fontRef>
-            </p:style>
-          </p:cxnSp>
-          <p:cxnSp>
-            <p:nvCxnSpPr>
-              <p:cNvPr id="18" name="直接连接符 17">
-                <a:extLst>
-                  <a:ext uri="{FF2B5EF4-FFF2-40B4-BE49-F238E27FC236}">
-                    <a16:creationId xmlns:a16="http://schemas.microsoft.com/office/drawing/2014/main" id="{A7CE9A2F-D1FF-4570-96EB-8B482E46910B}"/>
-                  </a:ext>
-                </a:extLst>
-              </p:cNvPr>
-              <p:cNvCxnSpPr/>
-              <p:nvPr/>
-            </p:nvCxnSpPr>
-            <p:spPr>
-              <a:xfrm rot="5400000">
-                <a:off x="5479889" y="5061540"/>
-                <a:ext cx="887131" cy="0"/>
-              </a:xfrm>
-              <a:prstGeom prst="line">
-                <a:avLst/>
-              </a:prstGeom>
-              <a:ln>
-                <a:prstDash val="dash"/>
-              </a:ln>
-            </p:spPr>
-            <p:style>
-              <a:lnRef idx="1">
-                <a:schemeClr val="dk1"/>
-              </a:lnRef>
-              <a:fillRef idx="0">
-                <a:schemeClr val="dk1"/>
-              </a:fillRef>
-              <a:effectRef idx="0">
-                <a:schemeClr val="dk1"/>
-              </a:effectRef>
-              <a:fontRef idx="minor">
-                <a:schemeClr val="tx1"/>
-              </a:fontRef>
-            </p:style>
-          </p:cxnSp>
-          <p:cxnSp>
-            <p:nvCxnSpPr>
-              <p:cNvPr id="19" name="直接连接符 18">
-                <a:extLst>
-                  <a:ext uri="{FF2B5EF4-FFF2-40B4-BE49-F238E27FC236}">
-                    <a16:creationId xmlns:a16="http://schemas.microsoft.com/office/drawing/2014/main" id="{4E188F26-347B-4C3F-B909-ED09D2ACEC3B}"/>
-                  </a:ext>
-                </a:extLst>
-              </p:cNvPr>
-              <p:cNvCxnSpPr/>
-              <p:nvPr/>
-            </p:nvCxnSpPr>
-            <p:spPr>
-              <a:xfrm flipH="1">
-                <a:off x="6234359" y="4614635"/>
-                <a:ext cx="8319" cy="903314"/>
-              </a:xfrm>
-              <a:prstGeom prst="line">
-                <a:avLst/>
-              </a:prstGeom>
-              <a:ln w="19050"/>
-            </p:spPr>
-            <p:style>
-              <a:lnRef idx="1">
-                <a:schemeClr val="accent1"/>
-              </a:lnRef>
-              <a:fillRef idx="0">
-                <a:schemeClr val="accent1"/>
-              </a:fillRef>
-              <a:effectRef idx="0">
-                <a:schemeClr val="accent1"/>
-              </a:effectRef>
-              <a:fontRef idx="minor">
-                <a:schemeClr val="tx1"/>
-              </a:fontRef>
-            </p:style>
-          </p:cxnSp>
-        </p:grpSp>
-        <p:grpSp>
-          <p:nvGrpSpPr>
-            <p:cNvPr id="10" name="组合 9"/>
-            <p:cNvGrpSpPr/>
-            <p:nvPr/>
-          </p:nvGrpSpPr>
-          <p:grpSpPr>
-            <a:xfrm rot="5400000">
-              <a:off x="742136" y="2881095"/>
-              <a:ext cx="511631" cy="890470"/>
-              <a:chOff x="5599680" y="4614635"/>
-              <a:chExt cx="642998" cy="890470"/>
-            </a:xfrm>
-          </p:grpSpPr>
-          <p:cxnSp>
-            <p:nvCxnSpPr>
-              <p:cNvPr id="14" name="直接连接符 13">
-                <a:extLst>
-                  <a:ext uri="{FF2B5EF4-FFF2-40B4-BE49-F238E27FC236}">
-                    <a16:creationId xmlns:a16="http://schemas.microsoft.com/office/drawing/2014/main" id="{DD6578D8-7C1C-46C6-848C-59F2497E7428}"/>
-                  </a:ext>
-                </a:extLst>
-              </p:cNvPr>
-              <p:cNvCxnSpPr/>
-              <p:nvPr/>
-            </p:nvCxnSpPr>
-            <p:spPr>
-              <a:xfrm rot="5400000">
-                <a:off x="5156114" y="5061539"/>
-                <a:ext cx="887131" cy="0"/>
-              </a:xfrm>
-              <a:prstGeom prst="line">
-                <a:avLst/>
-              </a:prstGeom>
-              <a:ln w="19050"/>
-            </p:spPr>
-            <p:style>
-              <a:lnRef idx="1">
-                <a:schemeClr val="accent1"/>
-              </a:lnRef>
-              <a:fillRef idx="0">
-                <a:schemeClr val="accent1"/>
-              </a:fillRef>
-              <a:effectRef idx="0">
-                <a:schemeClr val="accent1"/>
-              </a:effectRef>
-              <a:fontRef idx="minor">
-                <a:schemeClr val="tx1"/>
-              </a:fontRef>
-            </p:style>
-          </p:cxnSp>
-          <p:cxnSp>
-            <p:nvCxnSpPr>
-              <p:cNvPr id="15" name="直接连接符 14">
-                <a:extLst>
-                  <a:ext uri="{FF2B5EF4-FFF2-40B4-BE49-F238E27FC236}">
-                    <a16:creationId xmlns:a16="http://schemas.microsoft.com/office/drawing/2014/main" id="{A7CE9A2F-D1FF-4570-96EB-8B482E46910B}"/>
-                  </a:ext>
-                </a:extLst>
-              </p:cNvPr>
-              <p:cNvCxnSpPr/>
-              <p:nvPr/>
-            </p:nvCxnSpPr>
-            <p:spPr>
-              <a:xfrm rot="5400000">
-                <a:off x="5479889" y="5061540"/>
-                <a:ext cx="887131" cy="0"/>
-              </a:xfrm>
-              <a:prstGeom prst="line">
-                <a:avLst/>
-              </a:prstGeom>
-              <a:ln>
-                <a:prstDash val="dash"/>
-              </a:ln>
-            </p:spPr>
-            <p:style>
-              <a:lnRef idx="1">
-                <a:schemeClr val="dk1"/>
-              </a:lnRef>
-              <a:fillRef idx="0">
-                <a:schemeClr val="dk1"/>
-              </a:fillRef>
-              <a:effectRef idx="0">
-                <a:schemeClr val="dk1"/>
-              </a:effectRef>
-              <a:fontRef idx="minor">
-                <a:schemeClr val="tx1"/>
-              </a:fontRef>
-            </p:style>
-          </p:cxnSp>
-          <p:cxnSp>
-            <p:nvCxnSpPr>
-              <p:cNvPr id="16" name="直接连接符 15">
-                <a:extLst>
-                  <a:ext uri="{FF2B5EF4-FFF2-40B4-BE49-F238E27FC236}">
-                    <a16:creationId xmlns:a16="http://schemas.microsoft.com/office/drawing/2014/main" id="{4E188F26-347B-4C3F-B909-ED09D2ACEC3B}"/>
-                  </a:ext>
-                </a:extLst>
-              </p:cNvPr>
-              <p:cNvCxnSpPr/>
-              <p:nvPr/>
-            </p:nvCxnSpPr>
-            <p:spPr>
-              <a:xfrm rot="5400000">
-                <a:off x="5799112" y="5058201"/>
-                <a:ext cx="887131" cy="0"/>
-              </a:xfrm>
-              <a:prstGeom prst="line">
-                <a:avLst/>
-              </a:prstGeom>
-              <a:ln w="19050"/>
-            </p:spPr>
-            <p:style>
-              <a:lnRef idx="1">
-                <a:schemeClr val="accent1"/>
-              </a:lnRef>
-              <a:fillRef idx="0">
-                <a:schemeClr val="accent1"/>
-              </a:fillRef>
-              <a:effectRef idx="0">
-                <a:schemeClr val="accent1"/>
-              </a:effectRef>
-              <a:fontRef idx="minor">
-                <a:schemeClr val="tx1"/>
-              </a:fontRef>
-            </p:style>
-          </p:cxnSp>
-        </p:grpSp>
-        <p:cxnSp>
-          <p:nvCxnSpPr>
-            <p:cNvPr id="11" name="直接连接符 10">
-              <a:extLst>
-                <a:ext uri="{FF2B5EF4-FFF2-40B4-BE49-F238E27FC236}">
-                  <a16:creationId xmlns:a16="http://schemas.microsoft.com/office/drawing/2014/main" id="{4E188F26-347B-4C3F-B909-ED09D2ACEC3B}"/>
-                </a:ext>
-              </a:extLst>
-            </p:cNvPr>
-            <p:cNvCxnSpPr/>
-            <p:nvPr/>
-          </p:nvCxnSpPr>
-          <p:spPr>
-            <a:xfrm>
-              <a:off x="4208925" y="3070514"/>
-              <a:ext cx="1107708" cy="0"/>
-            </a:xfrm>
-            <a:prstGeom prst="line">
-              <a:avLst/>
-            </a:prstGeom>
-            <a:ln w="19050"/>
-          </p:spPr>
-          <p:style>
-            <a:lnRef idx="1">
-              <a:schemeClr val="accent1"/>
-            </a:lnRef>
-            <a:fillRef idx="0">
-              <a:schemeClr val="accent1"/>
-            </a:fillRef>
-            <a:effectRef idx="0">
-              <a:schemeClr val="accent1"/>
-            </a:effectRef>
-            <a:fontRef idx="minor">
-              <a:schemeClr val="tx1"/>
-            </a:fontRef>
-          </p:style>
-        </p:cxnSp>
-        <p:cxnSp>
-          <p:nvCxnSpPr>
-            <p:cNvPr id="12" name="直接连接符 11">
-              <a:extLst>
-                <a:ext uri="{FF2B5EF4-FFF2-40B4-BE49-F238E27FC236}">
-                  <a16:creationId xmlns:a16="http://schemas.microsoft.com/office/drawing/2014/main" id="{A7CE9A2F-D1FF-4570-96EB-8B482E46910B}"/>
-                </a:ext>
-              </a:extLst>
-            </p:cNvPr>
-            <p:cNvCxnSpPr/>
-            <p:nvPr/>
-          </p:nvCxnSpPr>
-          <p:spPr>
-            <a:xfrm>
-              <a:off x="4208925" y="3326328"/>
-              <a:ext cx="1107708" cy="0"/>
-            </a:xfrm>
-            <a:prstGeom prst="line">
-              <a:avLst/>
-            </a:prstGeom>
-            <a:ln>
-              <a:prstDash val="dash"/>
-            </a:ln>
-          </p:spPr>
-          <p:style>
-            <a:lnRef idx="1">
-              <a:schemeClr val="dk1"/>
-            </a:lnRef>
-            <a:fillRef idx="0">
-              <a:schemeClr val="dk1"/>
-            </a:fillRef>
-            <a:effectRef idx="0">
-              <a:schemeClr val="dk1"/>
-            </a:effectRef>
-            <a:fontRef idx="minor">
-              <a:schemeClr val="tx1"/>
-            </a:fontRef>
-          </p:style>
-        </p:cxnSp>
-        <p:cxnSp>
-          <p:nvCxnSpPr>
-            <p:cNvPr id="13" name="直接连接符 12">
-              <a:extLst>
-                <a:ext uri="{FF2B5EF4-FFF2-40B4-BE49-F238E27FC236}">
-                  <a16:creationId xmlns:a16="http://schemas.microsoft.com/office/drawing/2014/main" id="{DD6578D8-7C1C-46C6-848C-59F2497E7428}"/>
-                </a:ext>
-              </a:extLst>
-            </p:cNvPr>
-            <p:cNvCxnSpPr/>
-            <p:nvPr/>
-          </p:nvCxnSpPr>
-          <p:spPr>
-            <a:xfrm>
-              <a:off x="4208925" y="3582145"/>
-              <a:ext cx="1107708" cy="0"/>
-            </a:xfrm>
-            <a:prstGeom prst="line">
-              <a:avLst/>
-            </a:prstGeom>
-            <a:ln w="19050"/>
-          </p:spPr>
-          <p:style>
-            <a:lnRef idx="1">
-              <a:schemeClr val="accent1"/>
-            </a:lnRef>
-            <a:fillRef idx="0">
-              <a:schemeClr val="accent1"/>
-            </a:fillRef>
-            <a:effectRef idx="0">
-              <a:schemeClr val="accent1"/>
-            </a:effectRef>
-            <a:fontRef idx="minor">
-              <a:schemeClr val="tx1"/>
-            </a:fontRef>
-          </p:style>
-        </p:cxnSp>
-      </p:grpSp>
-      <p:grpSp>
-        <p:nvGrpSpPr>
-          <p:cNvPr id="41" name="组合 40"/>
-          <p:cNvGrpSpPr/>
-          <p:nvPr/>
-        </p:nvGrpSpPr>
-        <p:grpSpPr>
-          <a:xfrm>
-            <a:off x="5306731" y="738996"/>
-            <a:ext cx="4763916" cy="4043978"/>
-            <a:chOff x="552717" y="1297919"/>
-            <a:chExt cx="4763916" cy="4043978"/>
-          </a:xfrm>
-        </p:grpSpPr>
-        <p:grpSp>
-          <p:nvGrpSpPr>
-            <p:cNvPr id="42" name="组合 41"/>
-            <p:cNvGrpSpPr/>
-            <p:nvPr/>
-          </p:nvGrpSpPr>
-          <p:grpSpPr>
-            <a:xfrm>
-              <a:off x="1421950" y="2183382"/>
-              <a:ext cx="2854260" cy="2279219"/>
-              <a:chOff x="1035670" y="1450730"/>
-              <a:chExt cx="2718644" cy="2710705"/>
-            </a:xfrm>
-          </p:grpSpPr>
-          <p:grpSp>
-            <p:nvGrpSpPr>
-              <p:cNvPr id="59" name="组合 58">
-                <a:extLst>
-                  <a:ext uri="{FF2B5EF4-FFF2-40B4-BE49-F238E27FC236}">
-                    <a16:creationId xmlns:a16="http://schemas.microsoft.com/office/drawing/2014/main" id="{DF32330E-3213-4325-83A8-7D65661DFCDB}"/>
-                  </a:ext>
-                </a:extLst>
-              </p:cNvPr>
-              <p:cNvGrpSpPr/>
-              <p:nvPr/>
-            </p:nvGrpSpPr>
-            <p:grpSpPr>
-              <a:xfrm rot="5400000">
-                <a:off x="1867454" y="1674024"/>
-                <a:ext cx="1055077" cy="608490"/>
-                <a:chOff x="2077374" y="2867487"/>
-                <a:chExt cx="2441360" cy="907002"/>
-              </a:xfrm>
-            </p:grpSpPr>
-            <p:cxnSp>
-              <p:nvCxnSpPr>
-                <p:cNvPr id="72" name="直接连接符 71">
-                  <a:extLst>
-                    <a:ext uri="{FF2B5EF4-FFF2-40B4-BE49-F238E27FC236}">
-                      <a16:creationId xmlns:a16="http://schemas.microsoft.com/office/drawing/2014/main" id="{4E188F26-347B-4C3F-B909-ED09D2ACEC3B}"/>
-                    </a:ext>
-                  </a:extLst>
-                </p:cNvPr>
-                <p:cNvCxnSpPr/>
-                <p:nvPr/>
-              </p:nvCxnSpPr>
-              <p:spPr>
-                <a:xfrm>
-                  <a:off x="2077374" y="2867487"/>
-                  <a:ext cx="2441360" cy="0"/>
-                </a:xfrm>
-                <a:prstGeom prst="line">
-                  <a:avLst/>
-                </a:prstGeom>
-                <a:ln w="19050"/>
-              </p:spPr>
-              <p:style>
-                <a:lnRef idx="1">
-                  <a:schemeClr val="accent1"/>
-                </a:lnRef>
-                <a:fillRef idx="0">
-                  <a:schemeClr val="accent1"/>
-                </a:fillRef>
-                <a:effectRef idx="0">
-                  <a:schemeClr val="accent1"/>
-                </a:effectRef>
-                <a:fontRef idx="minor">
-                  <a:schemeClr val="tx1"/>
-                </a:fontRef>
-              </p:style>
-            </p:cxnSp>
-            <p:cxnSp>
-              <p:nvCxnSpPr>
-                <p:cNvPr id="73" name="直接连接符 72">
-                  <a:extLst>
-                    <a:ext uri="{FF2B5EF4-FFF2-40B4-BE49-F238E27FC236}">
-                      <a16:creationId xmlns:a16="http://schemas.microsoft.com/office/drawing/2014/main" id="{A7CE9A2F-D1FF-4570-96EB-8B482E46910B}"/>
-                    </a:ext>
-                  </a:extLst>
-                </p:cNvPr>
-                <p:cNvCxnSpPr/>
-                <p:nvPr/>
-              </p:nvCxnSpPr>
-              <p:spPr>
-                <a:xfrm>
-                  <a:off x="2077374" y="3315070"/>
-                  <a:ext cx="2441360" cy="0"/>
-                </a:xfrm>
-                <a:prstGeom prst="line">
-                  <a:avLst/>
-                </a:prstGeom>
-                <a:ln>
-                  <a:prstDash val="dash"/>
-                </a:ln>
-              </p:spPr>
-              <p:style>
-                <a:lnRef idx="1">
-                  <a:schemeClr val="dk1"/>
-                </a:lnRef>
-                <a:fillRef idx="0">
-                  <a:schemeClr val="dk1"/>
-                </a:fillRef>
-                <a:effectRef idx="0">
-                  <a:schemeClr val="dk1"/>
-                </a:effectRef>
-                <a:fontRef idx="minor">
-                  <a:schemeClr val="tx1"/>
-                </a:fontRef>
-              </p:style>
-            </p:cxnSp>
-            <p:cxnSp>
-              <p:nvCxnSpPr>
-                <p:cNvPr id="74" name="直接连接符 73">
-                  <a:extLst>
-                    <a:ext uri="{FF2B5EF4-FFF2-40B4-BE49-F238E27FC236}">
-                      <a16:creationId xmlns:a16="http://schemas.microsoft.com/office/drawing/2014/main" id="{DD6578D8-7C1C-46C6-848C-59F2497E7428}"/>
-                    </a:ext>
-                  </a:extLst>
-                </p:cNvPr>
-                <p:cNvCxnSpPr/>
-                <p:nvPr/>
-              </p:nvCxnSpPr>
-              <p:spPr>
-                <a:xfrm>
-                  <a:off x="2077374" y="3774489"/>
-                  <a:ext cx="2441360" cy="0"/>
-                </a:xfrm>
-                <a:prstGeom prst="line">
-                  <a:avLst/>
-                </a:prstGeom>
-                <a:ln w="19050"/>
-              </p:spPr>
-              <p:style>
-                <a:lnRef idx="1">
-                  <a:schemeClr val="accent1"/>
-                </a:lnRef>
-                <a:fillRef idx="0">
-                  <a:schemeClr val="accent1"/>
-                </a:fillRef>
-                <a:effectRef idx="0">
-                  <a:schemeClr val="accent1"/>
-                </a:effectRef>
-                <a:fontRef idx="minor">
-                  <a:schemeClr val="tx1"/>
-                </a:fontRef>
-              </p:style>
-            </p:cxnSp>
-          </p:grpSp>
-          <p:grpSp>
-            <p:nvGrpSpPr>
-              <p:cNvPr id="60" name="组合 59">
-                <a:extLst>
-                  <a:ext uri="{FF2B5EF4-FFF2-40B4-BE49-F238E27FC236}">
-                    <a16:creationId xmlns:a16="http://schemas.microsoft.com/office/drawing/2014/main" id="{DF32330E-3213-4325-83A8-7D65661DFCDB}"/>
-                  </a:ext>
-                </a:extLst>
-              </p:cNvPr>
-              <p:cNvGrpSpPr/>
-              <p:nvPr/>
-            </p:nvGrpSpPr>
-            <p:grpSpPr>
-              <a:xfrm>
-                <a:off x="2699237" y="2505808"/>
-                <a:ext cx="1055077" cy="608490"/>
-                <a:chOff x="2077374" y="2867487"/>
-                <a:chExt cx="2441360" cy="907002"/>
-              </a:xfrm>
-            </p:grpSpPr>
-            <p:cxnSp>
-              <p:nvCxnSpPr>
-                <p:cNvPr id="69" name="直接连接符 68">
-                  <a:extLst>
-                    <a:ext uri="{FF2B5EF4-FFF2-40B4-BE49-F238E27FC236}">
-                      <a16:creationId xmlns:a16="http://schemas.microsoft.com/office/drawing/2014/main" id="{4E188F26-347B-4C3F-B909-ED09D2ACEC3B}"/>
-                    </a:ext>
-                  </a:extLst>
-                </p:cNvPr>
-                <p:cNvCxnSpPr/>
-                <p:nvPr/>
-              </p:nvCxnSpPr>
-              <p:spPr>
-                <a:xfrm>
-                  <a:off x="2077374" y="2867487"/>
-                  <a:ext cx="2441360" cy="0"/>
-                </a:xfrm>
-                <a:prstGeom prst="line">
-                  <a:avLst/>
-                </a:prstGeom>
-                <a:ln w="19050"/>
-              </p:spPr>
-              <p:style>
-                <a:lnRef idx="1">
-                  <a:schemeClr val="accent1"/>
-                </a:lnRef>
-                <a:fillRef idx="0">
-                  <a:schemeClr val="accent1"/>
-                </a:fillRef>
-                <a:effectRef idx="0">
-                  <a:schemeClr val="accent1"/>
-                </a:effectRef>
-                <a:fontRef idx="minor">
-                  <a:schemeClr val="tx1"/>
-                </a:fontRef>
-              </p:style>
-            </p:cxnSp>
-            <p:cxnSp>
-              <p:nvCxnSpPr>
-                <p:cNvPr id="70" name="直接连接符 69">
-                  <a:extLst>
-                    <a:ext uri="{FF2B5EF4-FFF2-40B4-BE49-F238E27FC236}">
-                      <a16:creationId xmlns:a16="http://schemas.microsoft.com/office/drawing/2014/main" id="{A7CE9A2F-D1FF-4570-96EB-8B482E46910B}"/>
-                    </a:ext>
-                  </a:extLst>
-                </p:cNvPr>
-                <p:cNvCxnSpPr/>
-                <p:nvPr/>
-              </p:nvCxnSpPr>
-              <p:spPr>
-                <a:xfrm>
-                  <a:off x="2077374" y="3315070"/>
-                  <a:ext cx="2441360" cy="0"/>
-                </a:xfrm>
-                <a:prstGeom prst="line">
-                  <a:avLst/>
-                </a:prstGeom>
-                <a:ln>
-                  <a:prstDash val="dash"/>
-                </a:ln>
-              </p:spPr>
-              <p:style>
-                <a:lnRef idx="1">
-                  <a:schemeClr val="dk1"/>
-                </a:lnRef>
-                <a:fillRef idx="0">
-                  <a:schemeClr val="dk1"/>
-                </a:fillRef>
-                <a:effectRef idx="0">
-                  <a:schemeClr val="dk1"/>
-                </a:effectRef>
-                <a:fontRef idx="minor">
-                  <a:schemeClr val="tx1"/>
-                </a:fontRef>
-              </p:style>
-            </p:cxnSp>
-            <p:cxnSp>
-              <p:nvCxnSpPr>
-                <p:cNvPr id="71" name="直接连接符 70">
-                  <a:extLst>
-                    <a:ext uri="{FF2B5EF4-FFF2-40B4-BE49-F238E27FC236}">
-                      <a16:creationId xmlns:a16="http://schemas.microsoft.com/office/drawing/2014/main" id="{DD6578D8-7C1C-46C6-848C-59F2497E7428}"/>
-                    </a:ext>
-                  </a:extLst>
-                </p:cNvPr>
-                <p:cNvCxnSpPr/>
-                <p:nvPr/>
-              </p:nvCxnSpPr>
-              <p:spPr>
-                <a:xfrm>
-                  <a:off x="2077374" y="3774489"/>
-                  <a:ext cx="2441360" cy="0"/>
-                </a:xfrm>
-                <a:prstGeom prst="line">
-                  <a:avLst/>
-                </a:prstGeom>
-                <a:ln w="19050"/>
-              </p:spPr>
-              <p:style>
-                <a:lnRef idx="1">
-                  <a:schemeClr val="accent1"/>
-                </a:lnRef>
-                <a:fillRef idx="0">
-                  <a:schemeClr val="accent1"/>
-                </a:fillRef>
-                <a:effectRef idx="0">
-                  <a:schemeClr val="accent1"/>
-                </a:effectRef>
-                <a:fontRef idx="minor">
-                  <a:schemeClr val="tx1"/>
-                </a:fontRef>
-              </p:style>
-            </p:cxnSp>
-          </p:grpSp>
-          <p:grpSp>
-            <p:nvGrpSpPr>
-              <p:cNvPr id="61" name="组合 60">
-                <a:extLst>
-                  <a:ext uri="{FF2B5EF4-FFF2-40B4-BE49-F238E27FC236}">
-                    <a16:creationId xmlns:a16="http://schemas.microsoft.com/office/drawing/2014/main" id="{DF32330E-3213-4325-83A8-7D65661DFCDB}"/>
-                  </a:ext>
-                </a:extLst>
-              </p:cNvPr>
-              <p:cNvGrpSpPr/>
-              <p:nvPr/>
-            </p:nvGrpSpPr>
-            <p:grpSpPr>
-              <a:xfrm rot="5400000">
-                <a:off x="1871423" y="3329652"/>
-                <a:ext cx="1055077" cy="608490"/>
-                <a:chOff x="2077374" y="2867487"/>
-                <a:chExt cx="2441360" cy="907002"/>
-              </a:xfrm>
-            </p:grpSpPr>
-            <p:cxnSp>
-              <p:nvCxnSpPr>
-                <p:cNvPr id="66" name="直接连接符 65">
-                  <a:extLst>
-                    <a:ext uri="{FF2B5EF4-FFF2-40B4-BE49-F238E27FC236}">
-                      <a16:creationId xmlns:a16="http://schemas.microsoft.com/office/drawing/2014/main" id="{4E188F26-347B-4C3F-B909-ED09D2ACEC3B}"/>
-                    </a:ext>
-                  </a:extLst>
-                </p:cNvPr>
-                <p:cNvCxnSpPr/>
-                <p:nvPr/>
-              </p:nvCxnSpPr>
-              <p:spPr>
-                <a:xfrm>
-                  <a:off x="2077374" y="2867487"/>
-                  <a:ext cx="2441360" cy="0"/>
-                </a:xfrm>
-                <a:prstGeom prst="line">
-                  <a:avLst/>
-                </a:prstGeom>
-                <a:ln w="19050"/>
-              </p:spPr>
-              <p:style>
-                <a:lnRef idx="1">
-                  <a:schemeClr val="accent1"/>
-                </a:lnRef>
-                <a:fillRef idx="0">
-                  <a:schemeClr val="accent1"/>
-                </a:fillRef>
-                <a:effectRef idx="0">
-                  <a:schemeClr val="accent1"/>
-                </a:effectRef>
-                <a:fontRef idx="minor">
-                  <a:schemeClr val="tx1"/>
-                </a:fontRef>
-              </p:style>
-            </p:cxnSp>
-            <p:cxnSp>
-              <p:nvCxnSpPr>
-                <p:cNvPr id="67" name="直接连接符 66">
-                  <a:extLst>
-                    <a:ext uri="{FF2B5EF4-FFF2-40B4-BE49-F238E27FC236}">
-                      <a16:creationId xmlns:a16="http://schemas.microsoft.com/office/drawing/2014/main" id="{A7CE9A2F-D1FF-4570-96EB-8B482E46910B}"/>
-                    </a:ext>
-                  </a:extLst>
-                </p:cNvPr>
-                <p:cNvCxnSpPr/>
-                <p:nvPr/>
-              </p:nvCxnSpPr>
-              <p:spPr>
-                <a:xfrm>
-                  <a:off x="2077374" y="3315070"/>
-                  <a:ext cx="2441360" cy="0"/>
-                </a:xfrm>
-                <a:prstGeom prst="line">
-                  <a:avLst/>
-                </a:prstGeom>
-                <a:ln>
-                  <a:prstDash val="dash"/>
-                </a:ln>
-              </p:spPr>
-              <p:style>
-                <a:lnRef idx="1">
-                  <a:schemeClr val="dk1"/>
-                </a:lnRef>
-                <a:fillRef idx="0">
-                  <a:schemeClr val="dk1"/>
-                </a:fillRef>
-                <a:effectRef idx="0">
-                  <a:schemeClr val="dk1"/>
-                </a:effectRef>
-                <a:fontRef idx="minor">
-                  <a:schemeClr val="tx1"/>
-                </a:fontRef>
-              </p:style>
-            </p:cxnSp>
-            <p:cxnSp>
-              <p:nvCxnSpPr>
-                <p:cNvPr id="68" name="直接连接符 67">
-                  <a:extLst>
-                    <a:ext uri="{FF2B5EF4-FFF2-40B4-BE49-F238E27FC236}">
-                      <a16:creationId xmlns:a16="http://schemas.microsoft.com/office/drawing/2014/main" id="{DD6578D8-7C1C-46C6-848C-59F2497E7428}"/>
-                    </a:ext>
-                  </a:extLst>
-                </p:cNvPr>
-                <p:cNvCxnSpPr/>
-                <p:nvPr/>
-              </p:nvCxnSpPr>
-              <p:spPr>
-                <a:xfrm>
-                  <a:off x="2077374" y="3774489"/>
-                  <a:ext cx="2441360" cy="0"/>
-                </a:xfrm>
-                <a:prstGeom prst="line">
-                  <a:avLst/>
-                </a:prstGeom>
-                <a:ln w="19050"/>
-              </p:spPr>
-              <p:style>
-                <a:lnRef idx="1">
-                  <a:schemeClr val="accent1"/>
-                </a:lnRef>
-                <a:fillRef idx="0">
-                  <a:schemeClr val="accent1"/>
-                </a:fillRef>
-                <a:effectRef idx="0">
-                  <a:schemeClr val="accent1"/>
-                </a:effectRef>
-                <a:fontRef idx="minor">
-                  <a:schemeClr val="tx1"/>
-                </a:fontRef>
-              </p:style>
-            </p:cxnSp>
-          </p:grpSp>
-          <p:grpSp>
-            <p:nvGrpSpPr>
-              <p:cNvPr id="62" name="组合 61">
-                <a:extLst>
-                  <a:ext uri="{FF2B5EF4-FFF2-40B4-BE49-F238E27FC236}">
-                    <a16:creationId xmlns:a16="http://schemas.microsoft.com/office/drawing/2014/main" id="{DF32330E-3213-4325-83A8-7D65661DFCDB}"/>
-                  </a:ext>
-                </a:extLst>
-              </p:cNvPr>
-              <p:cNvGrpSpPr/>
-              <p:nvPr/>
-            </p:nvGrpSpPr>
-            <p:grpSpPr>
-              <a:xfrm>
-                <a:off x="1035670" y="2505808"/>
-                <a:ext cx="1055077" cy="608490"/>
-                <a:chOff x="2077374" y="2867487"/>
-                <a:chExt cx="2441360" cy="907002"/>
-              </a:xfrm>
-            </p:grpSpPr>
-            <p:cxnSp>
-              <p:nvCxnSpPr>
-                <p:cNvPr id="63" name="直接连接符 62">
-                  <a:extLst>
-                    <a:ext uri="{FF2B5EF4-FFF2-40B4-BE49-F238E27FC236}">
-                      <a16:creationId xmlns:a16="http://schemas.microsoft.com/office/drawing/2014/main" id="{4E188F26-347B-4C3F-B909-ED09D2ACEC3B}"/>
-                    </a:ext>
-                  </a:extLst>
-                </p:cNvPr>
-                <p:cNvCxnSpPr/>
-                <p:nvPr/>
-              </p:nvCxnSpPr>
-              <p:spPr>
-                <a:xfrm>
-                  <a:off x="2077374" y="2867487"/>
-                  <a:ext cx="2441360" cy="0"/>
-                </a:xfrm>
-                <a:prstGeom prst="line">
-                  <a:avLst/>
-                </a:prstGeom>
-                <a:ln w="19050"/>
-              </p:spPr>
-              <p:style>
-                <a:lnRef idx="1">
-                  <a:schemeClr val="accent1"/>
-                </a:lnRef>
-                <a:fillRef idx="0">
-                  <a:schemeClr val="accent1"/>
-                </a:fillRef>
-                <a:effectRef idx="0">
-                  <a:schemeClr val="accent1"/>
-                </a:effectRef>
-                <a:fontRef idx="minor">
-                  <a:schemeClr val="tx1"/>
-                </a:fontRef>
-              </p:style>
-            </p:cxnSp>
-            <p:cxnSp>
-              <p:nvCxnSpPr>
-                <p:cNvPr id="64" name="直接连接符 63">
-                  <a:extLst>
-                    <a:ext uri="{FF2B5EF4-FFF2-40B4-BE49-F238E27FC236}">
-                      <a16:creationId xmlns:a16="http://schemas.microsoft.com/office/drawing/2014/main" id="{A7CE9A2F-D1FF-4570-96EB-8B482E46910B}"/>
-                    </a:ext>
-                  </a:extLst>
-                </p:cNvPr>
-                <p:cNvCxnSpPr/>
-                <p:nvPr/>
-              </p:nvCxnSpPr>
-              <p:spPr>
-                <a:xfrm>
-                  <a:off x="2077374" y="3315070"/>
-                  <a:ext cx="2441360" cy="0"/>
-                </a:xfrm>
-                <a:prstGeom prst="line">
-                  <a:avLst/>
-                </a:prstGeom>
-                <a:ln>
-                  <a:prstDash val="dash"/>
-                </a:ln>
-              </p:spPr>
-              <p:style>
-                <a:lnRef idx="1">
-                  <a:schemeClr val="dk1"/>
-                </a:lnRef>
-                <a:fillRef idx="0">
-                  <a:schemeClr val="dk1"/>
-                </a:fillRef>
-                <a:effectRef idx="0">
-                  <a:schemeClr val="dk1"/>
-                </a:effectRef>
-                <a:fontRef idx="minor">
-                  <a:schemeClr val="tx1"/>
-                </a:fontRef>
-              </p:style>
-            </p:cxnSp>
-            <p:cxnSp>
-              <p:nvCxnSpPr>
-                <p:cNvPr id="65" name="直接连接符 64">
-                  <a:extLst>
-                    <a:ext uri="{FF2B5EF4-FFF2-40B4-BE49-F238E27FC236}">
-                      <a16:creationId xmlns:a16="http://schemas.microsoft.com/office/drawing/2014/main" id="{DD6578D8-7C1C-46C6-848C-59F2497E7428}"/>
-                    </a:ext>
-                  </a:extLst>
-                </p:cNvPr>
-                <p:cNvCxnSpPr/>
-                <p:nvPr/>
-              </p:nvCxnSpPr>
-              <p:spPr>
-                <a:xfrm>
-                  <a:off x="2077374" y="3774489"/>
-                  <a:ext cx="2441360" cy="0"/>
-                </a:xfrm>
-                <a:prstGeom prst="line">
-                  <a:avLst/>
-                </a:prstGeom>
-                <a:ln w="19050"/>
-              </p:spPr>
-              <p:style>
-                <a:lnRef idx="1">
-                  <a:schemeClr val="accent1"/>
-                </a:lnRef>
-                <a:fillRef idx="0">
-                  <a:schemeClr val="accent1"/>
-                </a:fillRef>
-                <a:effectRef idx="0">
-                  <a:schemeClr val="accent1"/>
-                </a:effectRef>
-                <a:fontRef idx="minor">
-                  <a:schemeClr val="tx1"/>
-                </a:fontRef>
-              </p:style>
-            </p:cxnSp>
-          </p:grpSp>
-        </p:grpSp>
         <p:sp>
           <p:nvSpPr>
-            <p:cNvPr id="43" name="椭圆 42"/>
+            <p:cNvPr id="76" name="圆角矩形 75"/>
             <p:cNvSpPr/>
             <p:nvPr/>
           </p:nvSpPr>
           <p:spPr>
             <a:xfrm>
-              <a:off x="2689196" y="3177648"/>
-              <a:ext cx="328102" cy="304036"/>
-            </a:xfrm>
-            <a:prstGeom prst="ellipse">
-              <a:avLst/>
-            </a:prstGeom>
-            <a:solidFill>
-              <a:schemeClr val="accent6"/>
-            </a:solidFill>
-          </p:spPr>
-          <p:style>
-            <a:lnRef idx="2">
-              <a:schemeClr val="accent1">
-                <a:shade val="50000"/>
-              </a:schemeClr>
-            </a:lnRef>
-            <a:fillRef idx="1">
-              <a:schemeClr val="accent1"/>
-            </a:fillRef>
-            <a:effectRef idx="0">
-              <a:schemeClr val="accent1"/>
-            </a:effectRef>
-            <a:fontRef idx="minor">
-              <a:schemeClr val="lt1"/>
-            </a:fontRef>
-          </p:style>
-          <p:txBody>
-            <a:bodyPr rtlCol="0" anchor="ctr"/>
-            <a:lstStyle/>
-            <a:p>
-              <a:pPr algn="ctr"/>
-              <a:r>
-                <a:rPr lang="en-US" altLang="zh-CN" dirty="0"/>
-                <a:t>B</a:t>
-              </a:r>
-              <a:endParaRPr lang="zh-CN" altLang="en-US" dirty="0"/>
-            </a:p>
-          </p:txBody>
-        </p:sp>
-        <p:grpSp>
-          <p:nvGrpSpPr>
-            <p:cNvPr id="44" name="组合 43"/>
-            <p:cNvGrpSpPr/>
-            <p:nvPr/>
-          </p:nvGrpSpPr>
-          <p:grpSpPr>
-            <a:xfrm>
-              <a:off x="2533824" y="4451427"/>
-              <a:ext cx="642998" cy="890470"/>
-              <a:chOff x="5599680" y="4614635"/>
-              <a:chExt cx="642998" cy="890470"/>
-            </a:xfrm>
-          </p:grpSpPr>
-          <p:cxnSp>
-            <p:nvCxnSpPr>
-              <p:cNvPr id="56" name="直接连接符 55">
-                <a:extLst>
-                  <a:ext uri="{FF2B5EF4-FFF2-40B4-BE49-F238E27FC236}">
-                    <a16:creationId xmlns:a16="http://schemas.microsoft.com/office/drawing/2014/main" id="{DD6578D8-7C1C-46C6-848C-59F2497E7428}"/>
-                  </a:ext>
-                </a:extLst>
-              </p:cNvPr>
-              <p:cNvCxnSpPr/>
-              <p:nvPr/>
-            </p:nvCxnSpPr>
-            <p:spPr>
-              <a:xfrm rot="5400000">
-                <a:off x="5156114" y="5061539"/>
-                <a:ext cx="887131" cy="0"/>
-              </a:xfrm>
-              <a:prstGeom prst="line">
-                <a:avLst/>
-              </a:prstGeom>
-              <a:ln w="19050"/>
-            </p:spPr>
-            <p:style>
-              <a:lnRef idx="1">
-                <a:schemeClr val="accent1"/>
-              </a:lnRef>
-              <a:fillRef idx="0">
-                <a:schemeClr val="accent1"/>
-              </a:fillRef>
-              <a:effectRef idx="0">
-                <a:schemeClr val="accent1"/>
-              </a:effectRef>
-              <a:fontRef idx="minor">
-                <a:schemeClr val="tx1"/>
-              </a:fontRef>
-            </p:style>
-          </p:cxnSp>
-          <p:cxnSp>
-            <p:nvCxnSpPr>
-              <p:cNvPr id="57" name="直接连接符 56">
-                <a:extLst>
-                  <a:ext uri="{FF2B5EF4-FFF2-40B4-BE49-F238E27FC236}">
-                    <a16:creationId xmlns:a16="http://schemas.microsoft.com/office/drawing/2014/main" id="{A7CE9A2F-D1FF-4570-96EB-8B482E46910B}"/>
-                  </a:ext>
-                </a:extLst>
-              </p:cNvPr>
-              <p:cNvCxnSpPr/>
-              <p:nvPr/>
-            </p:nvCxnSpPr>
-            <p:spPr>
-              <a:xfrm rot="5400000">
-                <a:off x="5479889" y="5061540"/>
-                <a:ext cx="887131" cy="0"/>
-              </a:xfrm>
-              <a:prstGeom prst="line">
-                <a:avLst/>
-              </a:prstGeom>
-              <a:ln>
-                <a:prstDash val="dash"/>
-              </a:ln>
-            </p:spPr>
-            <p:style>
-              <a:lnRef idx="1">
-                <a:schemeClr val="dk1"/>
-              </a:lnRef>
-              <a:fillRef idx="0">
-                <a:schemeClr val="dk1"/>
-              </a:fillRef>
-              <a:effectRef idx="0">
-                <a:schemeClr val="dk1"/>
-              </a:effectRef>
-              <a:fontRef idx="minor">
-                <a:schemeClr val="tx1"/>
-              </a:fontRef>
-            </p:style>
-          </p:cxnSp>
-          <p:cxnSp>
-            <p:nvCxnSpPr>
-              <p:cNvPr id="58" name="直接连接符 57">
-                <a:extLst>
-                  <a:ext uri="{FF2B5EF4-FFF2-40B4-BE49-F238E27FC236}">
-                    <a16:creationId xmlns:a16="http://schemas.microsoft.com/office/drawing/2014/main" id="{4E188F26-347B-4C3F-B909-ED09D2ACEC3B}"/>
-                  </a:ext>
-                </a:extLst>
-              </p:cNvPr>
-              <p:cNvCxnSpPr/>
-              <p:nvPr/>
-            </p:nvCxnSpPr>
-            <p:spPr>
-              <a:xfrm rot="5400000">
-                <a:off x="5799112" y="5058201"/>
-                <a:ext cx="887131" cy="0"/>
-              </a:xfrm>
-              <a:prstGeom prst="line">
-                <a:avLst/>
-              </a:prstGeom>
-              <a:ln w="19050"/>
-            </p:spPr>
-            <p:style>
-              <a:lnRef idx="1">
-                <a:schemeClr val="accent1"/>
-              </a:lnRef>
-              <a:fillRef idx="0">
-                <a:schemeClr val="accent1"/>
-              </a:fillRef>
-              <a:effectRef idx="0">
-                <a:schemeClr val="accent1"/>
-              </a:effectRef>
-              <a:fontRef idx="minor">
-                <a:schemeClr val="tx1"/>
-              </a:fontRef>
-            </p:style>
-          </p:cxnSp>
-        </p:grpSp>
-        <p:grpSp>
-          <p:nvGrpSpPr>
-            <p:cNvPr id="45" name="组合 44"/>
-            <p:cNvGrpSpPr/>
-            <p:nvPr/>
-          </p:nvGrpSpPr>
-          <p:grpSpPr>
-            <a:xfrm>
-              <a:off x="2525561" y="1297919"/>
-              <a:ext cx="651260" cy="903316"/>
-              <a:chOff x="5591418" y="4614635"/>
-              <a:chExt cx="651260" cy="903316"/>
-            </a:xfrm>
-          </p:grpSpPr>
-          <p:cxnSp>
-            <p:nvCxnSpPr>
-              <p:cNvPr id="53" name="直接连接符 52">
-                <a:extLst>
-                  <a:ext uri="{FF2B5EF4-FFF2-40B4-BE49-F238E27FC236}">
-                    <a16:creationId xmlns:a16="http://schemas.microsoft.com/office/drawing/2014/main" id="{DD6578D8-7C1C-46C6-848C-59F2497E7428}"/>
-                  </a:ext>
-                </a:extLst>
-              </p:cNvPr>
-              <p:cNvCxnSpPr/>
-              <p:nvPr/>
-            </p:nvCxnSpPr>
-            <p:spPr>
-              <a:xfrm rot="5400000">
-                <a:off x="5147852" y="5058201"/>
-                <a:ext cx="887131" cy="0"/>
-              </a:xfrm>
-              <a:prstGeom prst="line">
-                <a:avLst/>
-              </a:prstGeom>
-              <a:ln w="19050"/>
-            </p:spPr>
-            <p:style>
-              <a:lnRef idx="1">
-                <a:schemeClr val="accent1"/>
-              </a:lnRef>
-              <a:fillRef idx="0">
-                <a:schemeClr val="accent1"/>
-              </a:fillRef>
-              <a:effectRef idx="0">
-                <a:schemeClr val="accent1"/>
-              </a:effectRef>
-              <a:fontRef idx="minor">
-                <a:schemeClr val="tx1"/>
-              </a:fontRef>
-            </p:style>
-          </p:cxnSp>
-          <p:cxnSp>
-            <p:nvCxnSpPr>
-              <p:cNvPr id="54" name="直接连接符 53">
-                <a:extLst>
-                  <a:ext uri="{FF2B5EF4-FFF2-40B4-BE49-F238E27FC236}">
-                    <a16:creationId xmlns:a16="http://schemas.microsoft.com/office/drawing/2014/main" id="{A7CE9A2F-D1FF-4570-96EB-8B482E46910B}"/>
-                  </a:ext>
-                </a:extLst>
-              </p:cNvPr>
-              <p:cNvCxnSpPr/>
-              <p:nvPr/>
-            </p:nvCxnSpPr>
-            <p:spPr>
-              <a:xfrm flipH="1">
-                <a:off x="5919104" y="4617974"/>
-                <a:ext cx="4351" cy="899977"/>
-              </a:xfrm>
-              <a:prstGeom prst="line">
-                <a:avLst/>
-              </a:prstGeom>
-              <a:ln>
-                <a:prstDash val="dash"/>
-              </a:ln>
-            </p:spPr>
-            <p:style>
-              <a:lnRef idx="1">
-                <a:schemeClr val="dk1"/>
-              </a:lnRef>
-              <a:fillRef idx="0">
-                <a:schemeClr val="dk1"/>
-              </a:fillRef>
-              <a:effectRef idx="0">
-                <a:schemeClr val="dk1"/>
-              </a:effectRef>
-              <a:fontRef idx="minor">
-                <a:schemeClr val="tx1"/>
-              </a:fontRef>
-            </p:style>
-          </p:cxnSp>
-          <p:cxnSp>
-            <p:nvCxnSpPr>
-              <p:cNvPr id="55" name="直接连接符 54">
-                <a:extLst>
-                  <a:ext uri="{FF2B5EF4-FFF2-40B4-BE49-F238E27FC236}">
-                    <a16:creationId xmlns:a16="http://schemas.microsoft.com/office/drawing/2014/main" id="{4E188F26-347B-4C3F-B909-ED09D2ACEC3B}"/>
-                  </a:ext>
-                </a:extLst>
-              </p:cNvPr>
-              <p:cNvCxnSpPr/>
-              <p:nvPr/>
-            </p:nvCxnSpPr>
-            <p:spPr>
-              <a:xfrm flipH="1">
-                <a:off x="6234359" y="4614635"/>
-                <a:ext cx="8319" cy="903314"/>
-              </a:xfrm>
-              <a:prstGeom prst="line">
-                <a:avLst/>
-              </a:prstGeom>
-              <a:ln w="19050"/>
-            </p:spPr>
-            <p:style>
-              <a:lnRef idx="1">
-                <a:schemeClr val="accent1"/>
-              </a:lnRef>
-              <a:fillRef idx="0">
-                <a:schemeClr val="accent1"/>
-              </a:fillRef>
-              <a:effectRef idx="0">
-                <a:schemeClr val="accent1"/>
-              </a:effectRef>
-              <a:fontRef idx="minor">
-                <a:schemeClr val="tx1"/>
-              </a:fontRef>
-            </p:style>
-          </p:cxnSp>
-        </p:grpSp>
-        <p:grpSp>
-          <p:nvGrpSpPr>
-            <p:cNvPr id="46" name="组合 45"/>
-            <p:cNvGrpSpPr/>
-            <p:nvPr/>
-          </p:nvGrpSpPr>
-          <p:grpSpPr>
-            <a:xfrm rot="5400000">
-              <a:off x="742136" y="2881095"/>
-              <a:ext cx="511631" cy="890470"/>
-              <a:chOff x="5599680" y="4614635"/>
-              <a:chExt cx="642998" cy="890470"/>
-            </a:xfrm>
-          </p:grpSpPr>
-          <p:cxnSp>
-            <p:nvCxnSpPr>
-              <p:cNvPr id="50" name="直接连接符 49">
-                <a:extLst>
-                  <a:ext uri="{FF2B5EF4-FFF2-40B4-BE49-F238E27FC236}">
-                    <a16:creationId xmlns:a16="http://schemas.microsoft.com/office/drawing/2014/main" id="{DD6578D8-7C1C-46C6-848C-59F2497E7428}"/>
-                  </a:ext>
-                </a:extLst>
-              </p:cNvPr>
-              <p:cNvCxnSpPr/>
-              <p:nvPr/>
-            </p:nvCxnSpPr>
-            <p:spPr>
-              <a:xfrm rot="5400000">
-                <a:off x="5156114" y="5061539"/>
-                <a:ext cx="887131" cy="0"/>
-              </a:xfrm>
-              <a:prstGeom prst="line">
-                <a:avLst/>
-              </a:prstGeom>
-              <a:ln w="19050"/>
-            </p:spPr>
-            <p:style>
-              <a:lnRef idx="1">
-                <a:schemeClr val="accent1"/>
-              </a:lnRef>
-              <a:fillRef idx="0">
-                <a:schemeClr val="accent1"/>
-              </a:fillRef>
-              <a:effectRef idx="0">
-                <a:schemeClr val="accent1"/>
-              </a:effectRef>
-              <a:fontRef idx="minor">
-                <a:schemeClr val="tx1"/>
-              </a:fontRef>
-            </p:style>
-          </p:cxnSp>
-          <p:cxnSp>
-            <p:nvCxnSpPr>
-              <p:cNvPr id="51" name="直接连接符 50">
-                <a:extLst>
-                  <a:ext uri="{FF2B5EF4-FFF2-40B4-BE49-F238E27FC236}">
-                    <a16:creationId xmlns:a16="http://schemas.microsoft.com/office/drawing/2014/main" id="{A7CE9A2F-D1FF-4570-96EB-8B482E46910B}"/>
-                  </a:ext>
-                </a:extLst>
-              </p:cNvPr>
-              <p:cNvCxnSpPr/>
-              <p:nvPr/>
-            </p:nvCxnSpPr>
-            <p:spPr>
-              <a:xfrm rot="5400000">
-                <a:off x="5479889" y="5061540"/>
-                <a:ext cx="887131" cy="0"/>
-              </a:xfrm>
-              <a:prstGeom prst="line">
-                <a:avLst/>
-              </a:prstGeom>
-              <a:ln>
-                <a:prstDash val="dash"/>
-              </a:ln>
-            </p:spPr>
-            <p:style>
-              <a:lnRef idx="1">
-                <a:schemeClr val="dk1"/>
-              </a:lnRef>
-              <a:fillRef idx="0">
-                <a:schemeClr val="dk1"/>
-              </a:fillRef>
-              <a:effectRef idx="0">
-                <a:schemeClr val="dk1"/>
-              </a:effectRef>
-              <a:fontRef idx="minor">
-                <a:schemeClr val="tx1"/>
-              </a:fontRef>
-            </p:style>
-          </p:cxnSp>
-          <p:cxnSp>
-            <p:nvCxnSpPr>
-              <p:cNvPr id="52" name="直接连接符 51">
-                <a:extLst>
-                  <a:ext uri="{FF2B5EF4-FFF2-40B4-BE49-F238E27FC236}">
-                    <a16:creationId xmlns:a16="http://schemas.microsoft.com/office/drawing/2014/main" id="{4E188F26-347B-4C3F-B909-ED09D2ACEC3B}"/>
-                  </a:ext>
-                </a:extLst>
-              </p:cNvPr>
-              <p:cNvCxnSpPr/>
-              <p:nvPr/>
-            </p:nvCxnSpPr>
-            <p:spPr>
-              <a:xfrm rot="5400000">
-                <a:off x="5799112" y="5058201"/>
-                <a:ext cx="887131" cy="0"/>
-              </a:xfrm>
-              <a:prstGeom prst="line">
-                <a:avLst/>
-              </a:prstGeom>
-              <a:ln w="19050"/>
-            </p:spPr>
-            <p:style>
-              <a:lnRef idx="1">
-                <a:schemeClr val="accent1"/>
-              </a:lnRef>
-              <a:fillRef idx="0">
-                <a:schemeClr val="accent1"/>
-              </a:fillRef>
-              <a:effectRef idx="0">
-                <a:schemeClr val="accent1"/>
-              </a:effectRef>
-              <a:fontRef idx="minor">
-                <a:schemeClr val="tx1"/>
-              </a:fontRef>
-            </p:style>
-          </p:cxnSp>
-        </p:grpSp>
-        <p:cxnSp>
-          <p:nvCxnSpPr>
-            <p:cNvPr id="47" name="直接连接符 46">
-              <a:extLst>
-                <a:ext uri="{FF2B5EF4-FFF2-40B4-BE49-F238E27FC236}">
-                  <a16:creationId xmlns:a16="http://schemas.microsoft.com/office/drawing/2014/main" id="{4E188F26-347B-4C3F-B909-ED09D2ACEC3B}"/>
-                </a:ext>
-              </a:extLst>
-            </p:cNvPr>
-            <p:cNvCxnSpPr/>
-            <p:nvPr/>
-          </p:nvCxnSpPr>
-          <p:spPr>
-            <a:xfrm>
-              <a:off x="4208925" y="3070514"/>
-              <a:ext cx="1107708" cy="0"/>
-            </a:xfrm>
-            <a:prstGeom prst="line">
-              <a:avLst/>
-            </a:prstGeom>
-            <a:ln w="19050"/>
-          </p:spPr>
-          <p:style>
-            <a:lnRef idx="1">
-              <a:schemeClr val="accent1"/>
-            </a:lnRef>
-            <a:fillRef idx="0">
-              <a:schemeClr val="accent1"/>
-            </a:fillRef>
-            <a:effectRef idx="0">
-              <a:schemeClr val="accent1"/>
-            </a:effectRef>
-            <a:fontRef idx="minor">
-              <a:schemeClr val="tx1"/>
-            </a:fontRef>
-          </p:style>
-        </p:cxnSp>
-        <p:cxnSp>
-          <p:nvCxnSpPr>
-            <p:cNvPr id="48" name="直接连接符 47">
-              <a:extLst>
-                <a:ext uri="{FF2B5EF4-FFF2-40B4-BE49-F238E27FC236}">
-                  <a16:creationId xmlns:a16="http://schemas.microsoft.com/office/drawing/2014/main" id="{A7CE9A2F-D1FF-4570-96EB-8B482E46910B}"/>
-                </a:ext>
-              </a:extLst>
-            </p:cNvPr>
-            <p:cNvCxnSpPr/>
-            <p:nvPr/>
-          </p:nvCxnSpPr>
-          <p:spPr>
-            <a:xfrm>
-              <a:off x="4208925" y="3326328"/>
-              <a:ext cx="1107708" cy="0"/>
-            </a:xfrm>
-            <a:prstGeom prst="line">
-              <a:avLst/>
-            </a:prstGeom>
-            <a:ln>
-              <a:prstDash val="dash"/>
-            </a:ln>
-          </p:spPr>
-          <p:style>
-            <a:lnRef idx="1">
-              <a:schemeClr val="dk1"/>
-            </a:lnRef>
-            <a:fillRef idx="0">
-              <a:schemeClr val="dk1"/>
-            </a:fillRef>
-            <a:effectRef idx="0">
-              <a:schemeClr val="dk1"/>
-            </a:effectRef>
-            <a:fontRef idx="minor">
-              <a:schemeClr val="tx1"/>
-            </a:fontRef>
-          </p:style>
-        </p:cxnSp>
-        <p:cxnSp>
-          <p:nvCxnSpPr>
-            <p:cNvPr id="49" name="直接连接符 48">
-              <a:extLst>
-                <a:ext uri="{FF2B5EF4-FFF2-40B4-BE49-F238E27FC236}">
-                  <a16:creationId xmlns:a16="http://schemas.microsoft.com/office/drawing/2014/main" id="{DD6578D8-7C1C-46C6-848C-59F2497E7428}"/>
-                </a:ext>
-              </a:extLst>
-            </p:cNvPr>
-            <p:cNvCxnSpPr/>
-            <p:nvPr/>
-          </p:nvCxnSpPr>
-          <p:spPr>
-            <a:xfrm>
-              <a:off x="4208925" y="3582145"/>
-              <a:ext cx="1107708" cy="0"/>
-            </a:xfrm>
-            <a:prstGeom prst="line">
-              <a:avLst/>
-            </a:prstGeom>
-            <a:ln w="19050"/>
-          </p:spPr>
-          <p:style>
-            <a:lnRef idx="1">
-              <a:schemeClr val="accent1"/>
-            </a:lnRef>
-            <a:fillRef idx="0">
-              <a:schemeClr val="accent1"/>
-            </a:fillRef>
-            <a:effectRef idx="0">
-              <a:schemeClr val="accent1"/>
-            </a:effectRef>
-            <a:fontRef idx="minor">
-              <a:schemeClr val="tx1"/>
-            </a:fontRef>
-          </p:style>
-        </p:cxnSp>
-      </p:grpSp>
-      <p:sp>
-        <p:nvSpPr>
-          <p:cNvPr id="76" name="圆角矩形 75"/>
-          <p:cNvSpPr/>
-          <p:nvPr/>
-        </p:nvSpPr>
-        <p:spPr>
-          <a:xfrm>
-            <a:off x="7351526" y="2068025"/>
-            <a:ext cx="174690" cy="288313"/>
-          </a:xfrm>
-          <a:prstGeom prst="roundRect">
-            <a:avLst/>
-          </a:prstGeom>
-        </p:spPr>
-        <p:style>
-          <a:lnRef idx="2">
-            <a:schemeClr val="accent2">
-              <a:shade val="50000"/>
-            </a:schemeClr>
-          </a:lnRef>
-          <a:fillRef idx="1">
-            <a:schemeClr val="accent2"/>
-          </a:fillRef>
-          <a:effectRef idx="0">
-            <a:schemeClr val="accent2"/>
-          </a:effectRef>
-          <a:fontRef idx="minor">
-            <a:schemeClr val="lt1"/>
-          </a:fontRef>
-        </p:style>
-        <p:txBody>
-          <a:bodyPr rtlCol="0" anchor="ctr"/>
-          <a:lstStyle/>
-          <a:p>
-            <a:pPr algn="ctr"/>
-            <a:endParaRPr lang="zh-CN" altLang="en-US"/>
-          </a:p>
-        </p:txBody>
-      </p:sp>
-      <p:sp>
-        <p:nvSpPr>
-          <p:cNvPr id="77" name="圆角矩形 76"/>
-          <p:cNvSpPr/>
-          <p:nvPr/>
-        </p:nvSpPr>
-        <p:spPr>
-          <a:xfrm>
-            <a:off x="7345227" y="1676115"/>
-            <a:ext cx="174690" cy="288313"/>
-          </a:xfrm>
-          <a:prstGeom prst="roundRect">
-            <a:avLst/>
-          </a:prstGeom>
-        </p:spPr>
-        <p:style>
-          <a:lnRef idx="2">
-            <a:schemeClr val="accent2">
-              <a:shade val="50000"/>
-            </a:schemeClr>
-          </a:lnRef>
-          <a:fillRef idx="1">
-            <a:schemeClr val="accent2"/>
-          </a:fillRef>
-          <a:effectRef idx="0">
-            <a:schemeClr val="accent2"/>
-          </a:effectRef>
-          <a:fontRef idx="minor">
-            <a:schemeClr val="lt1"/>
-          </a:fontRef>
-        </p:style>
-        <p:txBody>
-          <a:bodyPr rtlCol="0" anchor="ctr"/>
-          <a:lstStyle/>
-          <a:p>
-            <a:pPr algn="ctr"/>
-            <a:endParaRPr lang="zh-CN" altLang="en-US"/>
-          </a:p>
-        </p:txBody>
-      </p:sp>
-      <p:sp>
-        <p:nvSpPr>
-          <p:cNvPr id="78" name="圆角矩形 77"/>
-          <p:cNvSpPr/>
-          <p:nvPr/>
-        </p:nvSpPr>
-        <p:spPr>
-          <a:xfrm>
-            <a:off x="7697364" y="3141284"/>
-            <a:ext cx="174690" cy="288313"/>
-          </a:xfrm>
-          <a:prstGeom prst="roundRect">
-            <a:avLst/>
-          </a:prstGeom>
-        </p:spPr>
-        <p:style>
-          <a:lnRef idx="2">
-            <a:schemeClr val="accent2">
-              <a:shade val="50000"/>
-            </a:schemeClr>
-          </a:lnRef>
-          <a:fillRef idx="1">
-            <a:schemeClr val="accent2"/>
-          </a:fillRef>
-          <a:effectRef idx="0">
-            <a:schemeClr val="accent2"/>
-          </a:effectRef>
-          <a:fontRef idx="minor">
-            <a:schemeClr val="lt1"/>
-          </a:fontRef>
-        </p:style>
-        <p:txBody>
-          <a:bodyPr rtlCol="0" anchor="ctr"/>
-          <a:lstStyle/>
-          <a:p>
-            <a:pPr algn="ctr"/>
-            <a:endParaRPr lang="zh-CN" altLang="en-US"/>
-          </a:p>
-        </p:txBody>
-      </p:sp>
-      <p:sp>
-        <p:nvSpPr>
-          <p:cNvPr id="80" name="圆角矩形 79"/>
-          <p:cNvSpPr/>
-          <p:nvPr/>
-        </p:nvSpPr>
-        <p:spPr>
-          <a:xfrm rot="5400000">
-            <a:off x="8041806" y="2482877"/>
-            <a:ext cx="174690" cy="288313"/>
-          </a:xfrm>
-          <a:prstGeom prst="roundRect">
-            <a:avLst/>
-          </a:prstGeom>
-        </p:spPr>
-        <p:style>
-          <a:lnRef idx="2">
-            <a:schemeClr val="accent2">
-              <a:shade val="50000"/>
-            </a:schemeClr>
-          </a:lnRef>
-          <a:fillRef idx="1">
-            <a:schemeClr val="accent2"/>
-          </a:fillRef>
-          <a:effectRef idx="0">
-            <a:schemeClr val="accent2"/>
-          </a:effectRef>
-          <a:fontRef idx="minor">
-            <a:schemeClr val="lt1"/>
-          </a:fontRef>
-        </p:style>
-        <p:txBody>
-          <a:bodyPr rtlCol="0" anchor="ctr"/>
-          <a:lstStyle/>
-          <a:p>
-            <a:pPr algn="ctr"/>
-            <a:endParaRPr lang="zh-CN" altLang="en-US"/>
-          </a:p>
-        </p:txBody>
-      </p:sp>
-      <p:sp>
-        <p:nvSpPr>
-          <p:cNvPr id="82" name="圆角矩形 81"/>
-          <p:cNvSpPr/>
-          <p:nvPr/>
-        </p:nvSpPr>
-        <p:spPr>
-          <a:xfrm rot="5400000">
-            <a:off x="8389024" y="2482878"/>
-            <a:ext cx="174690" cy="288313"/>
-          </a:xfrm>
-          <a:prstGeom prst="roundRect">
-            <a:avLst/>
-          </a:prstGeom>
-        </p:spPr>
-        <p:style>
-          <a:lnRef idx="2">
-            <a:schemeClr val="accent2">
-              <a:shade val="50000"/>
-            </a:schemeClr>
-          </a:lnRef>
-          <a:fillRef idx="1">
-            <a:schemeClr val="accent2"/>
-          </a:fillRef>
-          <a:effectRef idx="0">
-            <a:schemeClr val="accent2"/>
-          </a:effectRef>
-          <a:fontRef idx="minor">
-            <a:schemeClr val="lt1"/>
-          </a:fontRef>
-        </p:style>
-        <p:txBody>
-          <a:bodyPr rtlCol="0" anchor="ctr"/>
-          <a:lstStyle/>
-          <a:p>
-            <a:pPr algn="ctr"/>
-            <a:endParaRPr lang="zh-CN" altLang="en-US"/>
-          </a:p>
-        </p:txBody>
-      </p:sp>
-      <p:sp>
-        <p:nvSpPr>
-          <p:cNvPr id="83" name="圆角矩形 82"/>
-          <p:cNvSpPr/>
-          <p:nvPr/>
-        </p:nvSpPr>
-        <p:spPr>
-          <a:xfrm rot="5400000">
-            <a:off x="8738753" y="2482878"/>
-            <a:ext cx="174690" cy="288313"/>
-          </a:xfrm>
-          <a:prstGeom prst="roundRect">
-            <a:avLst/>
-          </a:prstGeom>
-        </p:spPr>
-        <p:style>
-          <a:lnRef idx="2">
-            <a:schemeClr val="accent2">
-              <a:shade val="50000"/>
-            </a:schemeClr>
-          </a:lnRef>
-          <a:fillRef idx="1">
-            <a:schemeClr val="accent2"/>
-          </a:fillRef>
-          <a:effectRef idx="0">
-            <a:schemeClr val="accent2"/>
-          </a:effectRef>
-          <a:fontRef idx="minor">
-            <a:schemeClr val="lt1"/>
-          </a:fontRef>
-        </p:style>
-        <p:txBody>
-          <a:bodyPr rtlCol="0" anchor="ctr"/>
-          <a:lstStyle/>
-          <a:p>
-            <a:pPr algn="ctr"/>
-            <a:endParaRPr lang="zh-CN" altLang="en-US"/>
-          </a:p>
-        </p:txBody>
-      </p:sp>
-      <p:sp>
-        <p:nvSpPr>
-          <p:cNvPr id="84" name="椭圆 83"/>
-          <p:cNvSpPr/>
-          <p:nvPr/>
-        </p:nvSpPr>
-        <p:spPr>
-          <a:xfrm>
-            <a:off x="2683036" y="2618725"/>
-            <a:ext cx="328102" cy="304036"/>
-          </a:xfrm>
-          <a:prstGeom prst="ellipse">
-            <a:avLst/>
-          </a:prstGeom>
-          <a:solidFill>
-            <a:schemeClr val="accent6"/>
-          </a:solidFill>
-        </p:spPr>
-        <p:style>
-          <a:lnRef idx="2">
-            <a:schemeClr val="accent1">
-              <a:shade val="50000"/>
-            </a:schemeClr>
-          </a:lnRef>
-          <a:fillRef idx="1">
-            <a:schemeClr val="accent1"/>
-          </a:fillRef>
-          <a:effectRef idx="0">
-            <a:schemeClr val="accent1"/>
-          </a:effectRef>
-          <a:fontRef idx="minor">
-            <a:schemeClr val="lt1"/>
-          </a:fontRef>
-        </p:style>
-        <p:txBody>
-          <a:bodyPr rtlCol="0" anchor="ctr"/>
-          <a:lstStyle/>
-          <a:p>
-            <a:pPr algn="ctr"/>
-            <a:r>
-              <a:rPr lang="en-US" altLang="zh-CN" dirty="0" smtClean="0"/>
-              <a:t>A</a:t>
-            </a:r>
-            <a:endParaRPr lang="zh-CN" altLang="en-US" dirty="0"/>
-          </a:p>
-        </p:txBody>
-      </p:sp>
-      <mc:AlternateContent xmlns:mc="http://schemas.openxmlformats.org/markup-compatibility/2006">
-        <mc:Choice xmlns:a14="http://schemas.microsoft.com/office/drawing/2010/main" Requires="a14">
-          <p:sp>
-            <p:nvSpPr>
-              <p:cNvPr id="85" name="文本框 84"/>
-              <p:cNvSpPr txBox="1"/>
-              <p:nvPr/>
-            </p:nvSpPr>
-            <p:spPr>
-              <a:xfrm>
-                <a:off x="8241754" y="3416639"/>
-                <a:ext cx="1946555" cy="369332"/>
-              </a:xfrm>
-              <a:prstGeom prst="rect">
-                <a:avLst/>
-              </a:prstGeom>
-              <a:noFill/>
-            </p:spPr>
-            <p:txBody>
-              <a:bodyPr wrap="square" rtlCol="0">
-                <a:spAutoFit/>
-              </a:bodyPr>
-              <a:lstStyle/>
-              <a:p>
-                <a14:m>
-                  <m:oMathPara xmlns:m="http://schemas.openxmlformats.org/officeDocument/2006/math">
-                    <m:oMathParaPr>
-                      <m:jc m:val="centerGroup"/>
-                    </m:oMathParaPr>
-                    <m:oMath xmlns:m="http://schemas.openxmlformats.org/officeDocument/2006/math">
-                      <m:r>
-                        <m:rPr>
-                          <m:sty m:val="p"/>
-                        </m:rPr>
-                        <a:rPr lang="en-US" altLang="zh-CN" b="0" i="0" smtClean="0">
-                          <a:latin typeface="Cambria Math" panose="02040503050406030204" pitchFamily="18" charset="0"/>
-                        </a:rPr>
-                        <m:t>S</m:t>
-                      </m:r>
-                      <m:r>
-                        <a:rPr lang="en-US" altLang="zh-CN" i="1" smtClean="0">
-                          <a:latin typeface="Cambria Math" panose="02040503050406030204" pitchFamily="18" charset="0"/>
-                        </a:rPr>
-                        <m:t>=</m:t>
-                      </m:r>
-                      <m:r>
-                        <a:rPr lang="en-US" altLang="zh-CN" b="0" i="1" smtClean="0">
-                          <a:latin typeface="Cambria Math" panose="02040503050406030204" pitchFamily="18" charset="0"/>
-                        </a:rPr>
-                        <m:t>{</m:t>
-                      </m:r>
-                      <m:d>
-                        <m:dPr>
-                          <m:begChr m:val="["/>
-                          <m:endChr m:val="]"/>
-                          <m:ctrlPr>
-                            <a:rPr lang="en-US" altLang="zh-CN" b="0" i="1" smtClean="0">
-                              <a:latin typeface="Cambria Math" panose="02040503050406030204" pitchFamily="18" charset="0"/>
-                            </a:rPr>
-                          </m:ctrlPr>
-                        </m:dPr>
-                        <m:e>
-                          <m:r>
-                            <a:rPr lang="en-US" altLang="zh-CN" b="0" i="1" smtClean="0">
-                              <a:latin typeface="Cambria Math" panose="02040503050406030204" pitchFamily="18" charset="0"/>
-                            </a:rPr>
-                            <m:t>2,3,1,0</m:t>
-                          </m:r>
-                        </m:e>
-                      </m:d>
-                      <m:r>
-                        <a:rPr lang="en-US" altLang="zh-CN" b="0" i="1" smtClean="0">
-                          <a:latin typeface="Cambria Math" panose="02040503050406030204" pitchFamily="18" charset="0"/>
-                        </a:rPr>
-                        <m:t>,</m:t>
-                      </m:r>
-                      <m:sSub>
-                        <m:sSubPr>
-                          <m:ctrlPr>
-                            <a:rPr lang="en-US" altLang="zh-CN" b="0" i="1" smtClean="0">
-                              <a:latin typeface="Cambria Math" panose="02040503050406030204" pitchFamily="18" charset="0"/>
-                            </a:rPr>
-                          </m:ctrlPr>
-                        </m:sSubPr>
-                        <m:e>
-                          <m:r>
-                            <a:rPr lang="en-US" altLang="zh-CN" b="0" i="1" smtClean="0">
-                              <a:latin typeface="Cambria Math" panose="02040503050406030204" pitchFamily="18" charset="0"/>
-                            </a:rPr>
-                            <m:t>𝑝</m:t>
-                          </m:r>
-                        </m:e>
-                        <m:sub>
-                          <m:r>
-                            <a:rPr lang="en-US" altLang="zh-CN" b="0" i="1" smtClean="0">
-                              <a:latin typeface="Cambria Math" panose="02040503050406030204" pitchFamily="18" charset="0"/>
-                            </a:rPr>
-                            <m:t>𝑏</m:t>
-                          </m:r>
-                        </m:sub>
-                      </m:sSub>
-                      <m:r>
-                        <a:rPr lang="en-US" altLang="zh-CN" b="0" i="1" smtClean="0">
-                          <a:latin typeface="Cambria Math" panose="02040503050406030204" pitchFamily="18" charset="0"/>
-                        </a:rPr>
-                        <m:t>}</m:t>
-                      </m:r>
-                    </m:oMath>
-                  </m:oMathPara>
-                </a14:m>
-                <a:endParaRPr lang="zh-CN" altLang="en-US" dirty="0"/>
-              </a:p>
-            </p:txBody>
-          </p:sp>
-        </mc:Choice>
-        <mc:Fallback>
-          <p:sp>
-            <p:nvSpPr>
-              <p:cNvPr id="85" name="文本框 84"/>
-              <p:cNvSpPr txBox="1">
-                <a:spLocks noRot="1" noChangeAspect="1" noMove="1" noResize="1" noEditPoints="1" noAdjustHandles="1" noChangeArrowheads="1" noChangeShapeType="1" noTextEdit="1"/>
-              </p:cNvSpPr>
-              <p:nvPr/>
-            </p:nvSpPr>
-            <p:spPr>
-              <a:xfrm>
-                <a:off x="8241754" y="3416639"/>
-                <a:ext cx="1946555" cy="369332"/>
-              </a:xfrm>
-              <a:prstGeom prst="rect">
-                <a:avLst/>
-              </a:prstGeom>
-              <a:blipFill>
-                <a:blip r:embed="rId2"/>
-                <a:stretch>
-                  <a:fillRect r="-313" b="-14754"/>
-                </a:stretch>
-              </a:blipFill>
-            </p:spPr>
-            <p:txBody>
-              <a:bodyPr/>
-              <a:lstStyle/>
-              <a:p>
-                <a:r>
-                  <a:rPr lang="zh-CN" altLang="en-US">
-                    <a:noFill/>
-                  </a:rPr>
-                  <a:t> </a:t>
-                </a:r>
-              </a:p>
-            </p:txBody>
-          </p:sp>
-        </mc:Fallback>
-      </mc:AlternateContent>
-      <p:sp>
-        <p:nvSpPr>
-          <p:cNvPr id="86" name="椭圆 85"/>
-          <p:cNvSpPr/>
-          <p:nvPr/>
-        </p:nvSpPr>
-        <p:spPr>
-          <a:xfrm>
-            <a:off x="7376633" y="2451063"/>
-            <a:ext cx="88149" cy="104410"/>
-          </a:xfrm>
-          <a:prstGeom prst="ellipse">
-            <a:avLst/>
-          </a:prstGeom>
-          <a:solidFill>
-            <a:srgbClr val="FF0000"/>
-          </a:solidFill>
-        </p:spPr>
-        <p:style>
-          <a:lnRef idx="2">
-            <a:schemeClr val="accent1">
-              <a:shade val="50000"/>
-            </a:schemeClr>
-          </a:lnRef>
-          <a:fillRef idx="1">
-            <a:schemeClr val="accent1"/>
-          </a:fillRef>
-          <a:effectRef idx="0">
-            <a:schemeClr val="accent1"/>
-          </a:effectRef>
-          <a:fontRef idx="minor">
-            <a:schemeClr val="lt1"/>
-          </a:fontRef>
-        </p:style>
-        <p:txBody>
-          <a:bodyPr rtlCol="0" anchor="ctr"/>
-          <a:lstStyle/>
-          <a:p>
-            <a:pPr algn="ctr"/>
-            <a:endParaRPr lang="zh-CN" altLang="en-US" dirty="0"/>
-          </a:p>
-        </p:txBody>
-      </p:sp>
-      <p:sp>
-        <p:nvSpPr>
-          <p:cNvPr id="87" name="椭圆 86"/>
-          <p:cNvSpPr/>
-          <p:nvPr/>
-        </p:nvSpPr>
-        <p:spPr>
-          <a:xfrm>
-            <a:off x="7797091" y="2574828"/>
-            <a:ext cx="88149" cy="104410"/>
-          </a:xfrm>
-          <a:prstGeom prst="ellipse">
-            <a:avLst/>
-          </a:prstGeom>
-          <a:solidFill>
-            <a:srgbClr val="00B050"/>
-          </a:solidFill>
-        </p:spPr>
-        <p:style>
-          <a:lnRef idx="2">
-            <a:schemeClr val="accent1">
-              <a:shade val="50000"/>
-            </a:schemeClr>
-          </a:lnRef>
-          <a:fillRef idx="1">
-            <a:schemeClr val="accent1"/>
-          </a:fillRef>
-          <a:effectRef idx="0">
-            <a:schemeClr val="accent1"/>
-          </a:effectRef>
-          <a:fontRef idx="minor">
-            <a:schemeClr val="lt1"/>
-          </a:fontRef>
-        </p:style>
-        <p:txBody>
-          <a:bodyPr rtlCol="0" anchor="ctr"/>
-          <a:lstStyle/>
-          <a:p>
-            <a:pPr algn="ctr"/>
-            <a:endParaRPr lang="zh-CN" altLang="en-US" dirty="0"/>
-          </a:p>
-        </p:txBody>
-      </p:sp>
-      <p:sp>
-        <p:nvSpPr>
-          <p:cNvPr id="88" name="椭圆 87"/>
-          <p:cNvSpPr/>
-          <p:nvPr/>
-        </p:nvSpPr>
-        <p:spPr>
-          <a:xfrm>
-            <a:off x="7729275" y="2979817"/>
-            <a:ext cx="88149" cy="104410"/>
-          </a:xfrm>
-          <a:prstGeom prst="ellipse">
-            <a:avLst/>
-          </a:prstGeom>
-          <a:solidFill>
-            <a:srgbClr val="FF0000"/>
-          </a:solidFill>
-        </p:spPr>
-        <p:style>
-          <a:lnRef idx="2">
-            <a:schemeClr val="accent1">
-              <a:shade val="50000"/>
-            </a:schemeClr>
-          </a:lnRef>
-          <a:fillRef idx="1">
-            <a:schemeClr val="accent1"/>
-          </a:fillRef>
-          <a:effectRef idx="0">
-            <a:schemeClr val="accent1"/>
-          </a:effectRef>
-          <a:fontRef idx="minor">
-            <a:schemeClr val="lt1"/>
-          </a:fontRef>
-        </p:style>
-        <p:txBody>
-          <a:bodyPr rtlCol="0" anchor="ctr"/>
-          <a:lstStyle/>
-          <a:p>
-            <a:pPr algn="ctr"/>
-            <a:endParaRPr lang="zh-CN" altLang="en-US" dirty="0"/>
-          </a:p>
-        </p:txBody>
-      </p:sp>
-      <p:sp>
-        <p:nvSpPr>
-          <p:cNvPr id="89" name="文本框 88"/>
-          <p:cNvSpPr txBox="1"/>
-          <p:nvPr/>
-        </p:nvSpPr>
-        <p:spPr>
-          <a:xfrm>
-            <a:off x="7323862" y="376341"/>
-            <a:ext cx="119555" cy="369332"/>
-          </a:xfrm>
-          <a:prstGeom prst="rect">
-            <a:avLst/>
-          </a:prstGeom>
-          <a:noFill/>
-        </p:spPr>
-        <p:txBody>
-          <a:bodyPr wrap="square" rtlCol="0">
-            <a:spAutoFit/>
-          </a:bodyPr>
-          <a:lstStyle/>
-          <a:p>
-            <a:r>
-              <a:rPr lang="en-US" altLang="zh-CN" dirty="0" smtClean="0"/>
-              <a:t>1</a:t>
-            </a:r>
-            <a:endParaRPr lang="zh-CN" altLang="en-US" dirty="0"/>
-          </a:p>
-        </p:txBody>
-      </p:sp>
-      <p:sp>
-        <p:nvSpPr>
-          <p:cNvPr id="90" name="文本框 89"/>
-          <p:cNvSpPr txBox="1"/>
-          <p:nvPr/>
-        </p:nvSpPr>
-        <p:spPr>
-          <a:xfrm>
-            <a:off x="10095998" y="2451063"/>
-            <a:ext cx="293831" cy="369332"/>
-          </a:xfrm>
-          <a:prstGeom prst="rect">
-            <a:avLst/>
-          </a:prstGeom>
-          <a:noFill/>
-        </p:spPr>
-        <p:txBody>
-          <a:bodyPr wrap="square" rtlCol="0">
-            <a:spAutoFit/>
-          </a:bodyPr>
-          <a:lstStyle/>
-          <a:p>
-            <a:r>
-              <a:rPr lang="en-US" altLang="zh-CN" dirty="0"/>
-              <a:t>2</a:t>
-            </a:r>
-            <a:endParaRPr lang="zh-CN" altLang="en-US" dirty="0"/>
-          </a:p>
-        </p:txBody>
-      </p:sp>
-      <p:sp>
-        <p:nvSpPr>
-          <p:cNvPr id="91" name="文本框 90"/>
-          <p:cNvSpPr txBox="1"/>
-          <p:nvPr/>
-        </p:nvSpPr>
-        <p:spPr>
-          <a:xfrm>
-            <a:off x="7641140" y="4786312"/>
-            <a:ext cx="271423" cy="369332"/>
-          </a:xfrm>
-          <a:prstGeom prst="rect">
-            <a:avLst/>
-          </a:prstGeom>
-          <a:noFill/>
-        </p:spPr>
-        <p:txBody>
-          <a:bodyPr wrap="square" rtlCol="0">
-            <a:spAutoFit/>
-          </a:bodyPr>
-          <a:lstStyle/>
-          <a:p>
-            <a:r>
-              <a:rPr lang="en-US" altLang="zh-CN" dirty="0"/>
-              <a:t>3</a:t>
-            </a:r>
-            <a:endParaRPr lang="zh-CN" altLang="en-US" dirty="0"/>
-          </a:p>
-        </p:txBody>
-      </p:sp>
-      <p:sp>
-        <p:nvSpPr>
-          <p:cNvPr id="93" name="下箭头 92"/>
-          <p:cNvSpPr/>
-          <p:nvPr/>
-        </p:nvSpPr>
-        <p:spPr>
-          <a:xfrm rot="5400000">
-            <a:off x="8350093" y="1972305"/>
-            <a:ext cx="158729" cy="775189"/>
-          </a:xfrm>
-          <a:prstGeom prst="downArrow">
-            <a:avLst/>
-          </a:prstGeom>
-          <a:solidFill>
-            <a:schemeClr val="accent4">
-              <a:lumMod val="40000"/>
-              <a:lumOff val="60000"/>
-            </a:schemeClr>
-          </a:solidFill>
-        </p:spPr>
-        <p:style>
-          <a:lnRef idx="2">
-            <a:schemeClr val="accent1">
-              <a:shade val="50000"/>
-            </a:schemeClr>
-          </a:lnRef>
-          <a:fillRef idx="1">
-            <a:schemeClr val="accent1"/>
-          </a:fillRef>
-          <a:effectRef idx="0">
-            <a:schemeClr val="accent1"/>
-          </a:effectRef>
-          <a:fontRef idx="minor">
-            <a:schemeClr val="lt1"/>
-          </a:fontRef>
-        </p:style>
-        <p:txBody>
-          <a:bodyPr rtlCol="0" anchor="ctr"/>
-          <a:lstStyle/>
-          <a:p>
-            <a:pPr algn="ctr"/>
-            <a:endParaRPr lang="zh-CN" altLang="en-US"/>
-          </a:p>
-        </p:txBody>
-      </p:sp>
-      <p:sp>
-        <p:nvSpPr>
-          <p:cNvPr id="94" name="下箭头 93"/>
-          <p:cNvSpPr/>
-          <p:nvPr/>
-        </p:nvSpPr>
-        <p:spPr>
-          <a:xfrm flipV="1">
-            <a:off x="7989899" y="3072518"/>
-            <a:ext cx="158729" cy="775189"/>
-          </a:xfrm>
-          <a:prstGeom prst="downArrow">
-            <a:avLst/>
-          </a:prstGeom>
-          <a:solidFill>
-            <a:schemeClr val="accent4">
-              <a:lumMod val="40000"/>
-              <a:lumOff val="60000"/>
-            </a:schemeClr>
-          </a:solidFill>
-        </p:spPr>
-        <p:style>
-          <a:lnRef idx="2">
-            <a:schemeClr val="accent1">
-              <a:shade val="50000"/>
-            </a:schemeClr>
-          </a:lnRef>
-          <a:fillRef idx="1">
-            <a:schemeClr val="accent1"/>
-          </a:fillRef>
-          <a:effectRef idx="0">
-            <a:schemeClr val="accent1"/>
-          </a:effectRef>
-          <a:fontRef idx="minor">
-            <a:schemeClr val="lt1"/>
-          </a:fontRef>
-        </p:style>
-        <p:txBody>
-          <a:bodyPr rtlCol="0" anchor="ctr"/>
-          <a:lstStyle/>
-          <a:p>
-            <a:pPr algn="ctr"/>
-            <a:endParaRPr lang="zh-CN" altLang="en-US"/>
-          </a:p>
-        </p:txBody>
-      </p:sp>
-      <p:grpSp>
-        <p:nvGrpSpPr>
-          <p:cNvPr id="104" name="组合 103"/>
-          <p:cNvGrpSpPr/>
-          <p:nvPr/>
-        </p:nvGrpSpPr>
-        <p:grpSpPr>
-          <a:xfrm>
-            <a:off x="4626720" y="5381932"/>
-            <a:ext cx="1827132" cy="975549"/>
-            <a:chOff x="4020050" y="5399516"/>
-            <a:chExt cx="1827132" cy="975549"/>
-          </a:xfrm>
-        </p:grpSpPr>
-        <p:sp>
-          <p:nvSpPr>
-            <p:cNvPr id="95" name="圆角矩形 94"/>
-            <p:cNvSpPr/>
-            <p:nvPr/>
-          </p:nvSpPr>
-          <p:spPr>
-            <a:xfrm rot="5400000">
-              <a:off x="4464457" y="5413649"/>
+              <a:off x="7351526" y="2068025"/>
               <a:ext cx="174690" cy="288313"/>
             </a:xfrm>
             <a:prstGeom prst="roundRect">
@@ -5991,14 +5248,539 @@
         </p:sp>
         <p:sp>
           <p:nvSpPr>
-            <p:cNvPr id="96" name="文本框 95"/>
+            <p:cNvPr id="77" name="圆角矩形 76"/>
+            <p:cNvSpPr/>
+            <p:nvPr/>
+          </p:nvSpPr>
+          <p:spPr>
+            <a:xfrm>
+              <a:off x="7345227" y="1676115"/>
+              <a:ext cx="174690" cy="288313"/>
+            </a:xfrm>
+            <a:prstGeom prst="roundRect">
+              <a:avLst/>
+            </a:prstGeom>
+          </p:spPr>
+          <p:style>
+            <a:lnRef idx="2">
+              <a:schemeClr val="accent2">
+                <a:shade val="50000"/>
+              </a:schemeClr>
+            </a:lnRef>
+            <a:fillRef idx="1">
+              <a:schemeClr val="accent2"/>
+            </a:fillRef>
+            <a:effectRef idx="0">
+              <a:schemeClr val="accent2"/>
+            </a:effectRef>
+            <a:fontRef idx="minor">
+              <a:schemeClr val="lt1"/>
+            </a:fontRef>
+          </p:style>
+          <p:txBody>
+            <a:bodyPr rtlCol="0" anchor="ctr"/>
+            <a:lstStyle/>
+            <a:p>
+              <a:pPr algn="ctr"/>
+              <a:endParaRPr lang="zh-CN" altLang="en-US"/>
+            </a:p>
+          </p:txBody>
+        </p:sp>
+        <p:sp>
+          <p:nvSpPr>
+            <p:cNvPr id="78" name="圆角矩形 77"/>
+            <p:cNvSpPr/>
+            <p:nvPr/>
+          </p:nvSpPr>
+          <p:spPr>
+            <a:xfrm>
+              <a:off x="7697364" y="3141284"/>
+              <a:ext cx="174690" cy="288313"/>
+            </a:xfrm>
+            <a:prstGeom prst="roundRect">
+              <a:avLst/>
+            </a:prstGeom>
+          </p:spPr>
+          <p:style>
+            <a:lnRef idx="2">
+              <a:schemeClr val="accent2">
+                <a:shade val="50000"/>
+              </a:schemeClr>
+            </a:lnRef>
+            <a:fillRef idx="1">
+              <a:schemeClr val="accent2"/>
+            </a:fillRef>
+            <a:effectRef idx="0">
+              <a:schemeClr val="accent2"/>
+            </a:effectRef>
+            <a:fontRef idx="minor">
+              <a:schemeClr val="lt1"/>
+            </a:fontRef>
+          </p:style>
+          <p:txBody>
+            <a:bodyPr rtlCol="0" anchor="ctr"/>
+            <a:lstStyle/>
+            <a:p>
+              <a:pPr algn="ctr"/>
+              <a:endParaRPr lang="zh-CN" altLang="en-US"/>
+            </a:p>
+          </p:txBody>
+        </p:sp>
+        <p:sp>
+          <p:nvSpPr>
+            <p:cNvPr id="80" name="圆角矩形 79"/>
+            <p:cNvSpPr/>
+            <p:nvPr/>
+          </p:nvSpPr>
+          <p:spPr>
+            <a:xfrm rot="5400000">
+              <a:off x="8041806" y="2482877"/>
+              <a:ext cx="174690" cy="288313"/>
+            </a:xfrm>
+            <a:prstGeom prst="roundRect">
+              <a:avLst/>
+            </a:prstGeom>
+          </p:spPr>
+          <p:style>
+            <a:lnRef idx="2">
+              <a:schemeClr val="accent2">
+                <a:shade val="50000"/>
+              </a:schemeClr>
+            </a:lnRef>
+            <a:fillRef idx="1">
+              <a:schemeClr val="accent2"/>
+            </a:fillRef>
+            <a:effectRef idx="0">
+              <a:schemeClr val="accent2"/>
+            </a:effectRef>
+            <a:fontRef idx="minor">
+              <a:schemeClr val="lt1"/>
+            </a:fontRef>
+          </p:style>
+          <p:txBody>
+            <a:bodyPr rtlCol="0" anchor="ctr"/>
+            <a:lstStyle/>
+            <a:p>
+              <a:pPr algn="ctr"/>
+              <a:endParaRPr lang="zh-CN" altLang="en-US"/>
+            </a:p>
+          </p:txBody>
+        </p:sp>
+        <p:sp>
+          <p:nvSpPr>
+            <p:cNvPr id="82" name="圆角矩形 81"/>
+            <p:cNvSpPr/>
+            <p:nvPr/>
+          </p:nvSpPr>
+          <p:spPr>
+            <a:xfrm rot="5400000">
+              <a:off x="8389024" y="2482878"/>
+              <a:ext cx="174690" cy="288313"/>
+            </a:xfrm>
+            <a:prstGeom prst="roundRect">
+              <a:avLst/>
+            </a:prstGeom>
+          </p:spPr>
+          <p:style>
+            <a:lnRef idx="2">
+              <a:schemeClr val="accent2">
+                <a:shade val="50000"/>
+              </a:schemeClr>
+            </a:lnRef>
+            <a:fillRef idx="1">
+              <a:schemeClr val="accent2"/>
+            </a:fillRef>
+            <a:effectRef idx="0">
+              <a:schemeClr val="accent2"/>
+            </a:effectRef>
+            <a:fontRef idx="minor">
+              <a:schemeClr val="lt1"/>
+            </a:fontRef>
+          </p:style>
+          <p:txBody>
+            <a:bodyPr rtlCol="0" anchor="ctr"/>
+            <a:lstStyle/>
+            <a:p>
+              <a:pPr algn="ctr"/>
+              <a:endParaRPr lang="zh-CN" altLang="en-US"/>
+            </a:p>
+          </p:txBody>
+        </p:sp>
+        <p:sp>
+          <p:nvSpPr>
+            <p:cNvPr id="83" name="圆角矩形 82"/>
+            <p:cNvSpPr/>
+            <p:nvPr/>
+          </p:nvSpPr>
+          <p:spPr>
+            <a:xfrm rot="5400000">
+              <a:off x="8738753" y="2482878"/>
+              <a:ext cx="174690" cy="288313"/>
+            </a:xfrm>
+            <a:prstGeom prst="roundRect">
+              <a:avLst/>
+            </a:prstGeom>
+          </p:spPr>
+          <p:style>
+            <a:lnRef idx="2">
+              <a:schemeClr val="accent2">
+                <a:shade val="50000"/>
+              </a:schemeClr>
+            </a:lnRef>
+            <a:fillRef idx="1">
+              <a:schemeClr val="accent2"/>
+            </a:fillRef>
+            <a:effectRef idx="0">
+              <a:schemeClr val="accent2"/>
+            </a:effectRef>
+            <a:fontRef idx="minor">
+              <a:schemeClr val="lt1"/>
+            </a:fontRef>
+          </p:style>
+          <p:txBody>
+            <a:bodyPr rtlCol="0" anchor="ctr"/>
+            <a:lstStyle/>
+            <a:p>
+              <a:pPr algn="ctr"/>
+              <a:endParaRPr lang="zh-CN" altLang="en-US"/>
+            </a:p>
+          </p:txBody>
+        </p:sp>
+        <p:sp>
+          <p:nvSpPr>
+            <p:cNvPr id="84" name="椭圆 83"/>
+            <p:cNvSpPr/>
+            <p:nvPr/>
+          </p:nvSpPr>
+          <p:spPr>
+            <a:xfrm>
+              <a:off x="2683036" y="2618725"/>
+              <a:ext cx="328102" cy="304036"/>
+            </a:xfrm>
+            <a:prstGeom prst="ellipse">
+              <a:avLst/>
+            </a:prstGeom>
+            <a:solidFill>
+              <a:schemeClr val="accent6"/>
+            </a:solidFill>
+          </p:spPr>
+          <p:style>
+            <a:lnRef idx="2">
+              <a:schemeClr val="accent1">
+                <a:shade val="50000"/>
+              </a:schemeClr>
+            </a:lnRef>
+            <a:fillRef idx="1">
+              <a:schemeClr val="accent1"/>
+            </a:fillRef>
+            <a:effectRef idx="0">
+              <a:schemeClr val="accent1"/>
+            </a:effectRef>
+            <a:fontRef idx="minor">
+              <a:schemeClr val="lt1"/>
+            </a:fontRef>
+          </p:style>
+          <p:txBody>
+            <a:bodyPr rtlCol="0" anchor="ctr"/>
+            <a:lstStyle/>
+            <a:p>
+              <a:pPr algn="ctr"/>
+              <a:r>
+                <a:rPr lang="en-US" altLang="zh-CN" dirty="0"/>
+                <a:t>A</a:t>
+              </a:r>
+              <a:endParaRPr lang="zh-CN" altLang="en-US" dirty="0"/>
+            </a:p>
+          </p:txBody>
+        </p:sp>
+        <mc:AlternateContent xmlns:mc="http://schemas.openxmlformats.org/markup-compatibility/2006">
+          <mc:Choice xmlns:a14="http://schemas.microsoft.com/office/drawing/2010/main" Requires="a14">
+            <p:sp>
+              <p:nvSpPr>
+                <p:cNvPr id="85" name="文本框 84"/>
+                <p:cNvSpPr txBox="1"/>
+                <p:nvPr/>
+              </p:nvSpPr>
+              <p:spPr>
+                <a:xfrm>
+                  <a:off x="8241754" y="3416639"/>
+                  <a:ext cx="1946555" cy="369332"/>
+                </a:xfrm>
+                <a:prstGeom prst="rect">
+                  <a:avLst/>
+                </a:prstGeom>
+                <a:noFill/>
+              </p:spPr>
+              <p:txBody>
+                <a:bodyPr wrap="square" rtlCol="0">
+                  <a:spAutoFit/>
+                </a:bodyPr>
+                <a:lstStyle/>
+                <a:p>
+                  <a:pPr/>
+                  <a14:m>
+                    <m:oMathPara xmlns:m="http://schemas.openxmlformats.org/officeDocument/2006/math">
+                      <m:oMathParaPr>
+                        <m:jc m:val="centerGroup"/>
+                      </m:oMathParaPr>
+                      <m:oMath xmlns:m="http://schemas.openxmlformats.org/officeDocument/2006/math">
+                        <m:r>
+                          <m:rPr>
+                            <m:sty m:val="p"/>
+                          </m:rPr>
+                          <a:rPr lang="en-US" altLang="zh-CN">
+                            <a:latin typeface="Cambria Math" panose="02040503050406030204" pitchFamily="18" charset="0"/>
+                          </a:rPr>
+                          <m:t>S</m:t>
+                        </m:r>
+                        <m:r>
+                          <a:rPr lang="en-US" altLang="zh-CN" i="1">
+                            <a:latin typeface="Cambria Math" panose="02040503050406030204" pitchFamily="18" charset="0"/>
+                          </a:rPr>
+                          <m:t>={</m:t>
+                        </m:r>
+                        <m:d>
+                          <m:dPr>
+                            <m:begChr m:val="["/>
+                            <m:endChr m:val="]"/>
+                            <m:ctrlPr>
+                              <a:rPr lang="en-US" altLang="zh-CN" i="1">
+                                <a:latin typeface="Cambria Math" panose="02040503050406030204" pitchFamily="18" charset="0"/>
+                              </a:rPr>
+                            </m:ctrlPr>
+                          </m:dPr>
+                          <m:e>
+                            <m:r>
+                              <a:rPr lang="en-US" altLang="zh-CN" i="1">
+                                <a:latin typeface="Cambria Math" panose="02040503050406030204" pitchFamily="18" charset="0"/>
+                              </a:rPr>
+                              <m:t>2,3,1,0</m:t>
+                            </m:r>
+                          </m:e>
+                        </m:d>
+                        <m:r>
+                          <a:rPr lang="en-US" altLang="zh-CN" i="1">
+                            <a:latin typeface="Cambria Math" panose="02040503050406030204" pitchFamily="18" charset="0"/>
+                          </a:rPr>
+                          <m:t>,</m:t>
+                        </m:r>
+                        <m:sSub>
+                          <m:sSubPr>
+                            <m:ctrlPr>
+                              <a:rPr lang="en-US" altLang="zh-CN" i="1">
+                                <a:latin typeface="Cambria Math" panose="02040503050406030204" pitchFamily="18" charset="0"/>
+                              </a:rPr>
+                            </m:ctrlPr>
+                          </m:sSubPr>
+                          <m:e>
+                            <m:r>
+                              <a:rPr lang="en-US" altLang="zh-CN" i="1">
+                                <a:latin typeface="Cambria Math" panose="02040503050406030204" pitchFamily="18" charset="0"/>
+                              </a:rPr>
+                              <m:t>𝑝</m:t>
+                            </m:r>
+                          </m:e>
+                          <m:sub>
+                            <m:r>
+                              <a:rPr lang="en-US" altLang="zh-CN" i="1">
+                                <a:latin typeface="Cambria Math" panose="02040503050406030204" pitchFamily="18" charset="0"/>
+                              </a:rPr>
+                              <m:t>𝑏</m:t>
+                            </m:r>
+                          </m:sub>
+                        </m:sSub>
+                        <m:r>
+                          <a:rPr lang="en-US" altLang="zh-CN" i="1">
+                            <a:latin typeface="Cambria Math" panose="02040503050406030204" pitchFamily="18" charset="0"/>
+                          </a:rPr>
+                          <m:t>}</m:t>
+                        </m:r>
+                      </m:oMath>
+                    </m:oMathPara>
+                  </a14:m>
+                  <a:endParaRPr lang="zh-CN" altLang="en-US" dirty="0"/>
+                </a:p>
+              </p:txBody>
+            </p:sp>
+          </mc:Choice>
+          <mc:Fallback>
+            <p:sp>
+              <p:nvSpPr>
+                <p:cNvPr id="85" name="文本框 84"/>
+                <p:cNvSpPr txBox="1">
+                  <a:spLocks noRot="1" noChangeAspect="1" noMove="1" noResize="1" noEditPoints="1" noAdjustHandles="1" noChangeArrowheads="1" noChangeShapeType="1" noTextEdit="1"/>
+                </p:cNvSpPr>
+                <p:nvPr/>
+              </p:nvSpPr>
+              <p:spPr>
+                <a:xfrm>
+                  <a:off x="8241754" y="3416639"/>
+                  <a:ext cx="1946555" cy="369332"/>
+                </a:xfrm>
+                <a:prstGeom prst="rect">
+                  <a:avLst/>
+                </a:prstGeom>
+                <a:blipFill>
+                  <a:blip r:embed="rId2"/>
+                  <a:stretch>
+                    <a:fillRect r="-313" b="-16667"/>
+                  </a:stretch>
+                </a:blipFill>
+              </p:spPr>
+              <p:txBody>
+                <a:bodyPr/>
+                <a:lstStyle/>
+                <a:p>
+                  <a:r>
+                    <a:rPr lang="zh-CN" altLang="en-US">
+                      <a:noFill/>
+                    </a:rPr>
+                    <a:t> </a:t>
+                  </a:r>
+                </a:p>
+              </p:txBody>
+            </p:sp>
+          </mc:Fallback>
+        </mc:AlternateContent>
+        <p:sp>
+          <p:nvSpPr>
+            <p:cNvPr id="86" name="椭圆 85"/>
+            <p:cNvSpPr/>
+            <p:nvPr/>
+          </p:nvSpPr>
+          <p:spPr>
+            <a:xfrm>
+              <a:off x="7376633" y="2451063"/>
+              <a:ext cx="88149" cy="104410"/>
+            </a:xfrm>
+            <a:prstGeom prst="ellipse">
+              <a:avLst/>
+            </a:prstGeom>
+            <a:solidFill>
+              <a:srgbClr val="FF0000"/>
+            </a:solidFill>
+          </p:spPr>
+          <p:style>
+            <a:lnRef idx="2">
+              <a:schemeClr val="accent1">
+                <a:shade val="50000"/>
+              </a:schemeClr>
+            </a:lnRef>
+            <a:fillRef idx="1">
+              <a:schemeClr val="accent1"/>
+            </a:fillRef>
+            <a:effectRef idx="0">
+              <a:schemeClr val="accent1"/>
+            </a:effectRef>
+            <a:fontRef idx="minor">
+              <a:schemeClr val="lt1"/>
+            </a:fontRef>
+          </p:style>
+          <p:txBody>
+            <a:bodyPr rtlCol="0" anchor="ctr"/>
+            <a:lstStyle/>
+            <a:p>
+              <a:pPr algn="ctr"/>
+              <a:endParaRPr lang="zh-CN" altLang="en-US" dirty="0"/>
+            </a:p>
+          </p:txBody>
+        </p:sp>
+        <p:sp>
+          <p:nvSpPr>
+            <p:cNvPr id="87" name="椭圆 86"/>
+            <p:cNvSpPr/>
+            <p:nvPr/>
+          </p:nvSpPr>
+          <p:spPr>
+            <a:xfrm>
+              <a:off x="7797091" y="2574828"/>
+              <a:ext cx="88149" cy="104410"/>
+            </a:xfrm>
+            <a:prstGeom prst="ellipse">
+              <a:avLst/>
+            </a:prstGeom>
+            <a:solidFill>
+              <a:srgbClr val="00B050"/>
+            </a:solidFill>
+          </p:spPr>
+          <p:style>
+            <a:lnRef idx="2">
+              <a:schemeClr val="accent1">
+                <a:shade val="50000"/>
+              </a:schemeClr>
+            </a:lnRef>
+            <a:fillRef idx="1">
+              <a:schemeClr val="accent1"/>
+            </a:fillRef>
+            <a:effectRef idx="0">
+              <a:schemeClr val="accent1"/>
+            </a:effectRef>
+            <a:fontRef idx="minor">
+              <a:schemeClr val="lt1"/>
+            </a:fontRef>
+          </p:style>
+          <p:txBody>
+            <a:bodyPr rtlCol="0" anchor="ctr"/>
+            <a:lstStyle/>
+            <a:p>
+              <a:pPr algn="ctr"/>
+              <a:endParaRPr lang="zh-CN" altLang="en-US" dirty="0"/>
+            </a:p>
+          </p:txBody>
+        </p:sp>
+        <p:sp>
+          <p:nvSpPr>
+            <p:cNvPr id="88" name="椭圆 87"/>
+            <p:cNvSpPr/>
+            <p:nvPr/>
+          </p:nvSpPr>
+          <p:spPr>
+            <a:xfrm>
+              <a:off x="7729275" y="2979817"/>
+              <a:ext cx="88149" cy="104410"/>
+            </a:xfrm>
+            <a:prstGeom prst="ellipse">
+              <a:avLst/>
+            </a:prstGeom>
+            <a:solidFill>
+              <a:srgbClr val="FF0000"/>
+            </a:solidFill>
+          </p:spPr>
+          <p:style>
+            <a:lnRef idx="2">
+              <a:schemeClr val="accent1">
+                <a:shade val="50000"/>
+              </a:schemeClr>
+            </a:lnRef>
+            <a:fillRef idx="1">
+              <a:schemeClr val="accent1"/>
+            </a:fillRef>
+            <a:effectRef idx="0">
+              <a:schemeClr val="accent1"/>
+            </a:effectRef>
+            <a:fontRef idx="minor">
+              <a:schemeClr val="lt1"/>
+            </a:fontRef>
+          </p:style>
+          <p:txBody>
+            <a:bodyPr rtlCol="0" anchor="ctr"/>
+            <a:lstStyle/>
+            <a:p>
+              <a:pPr algn="ctr"/>
+              <a:endParaRPr lang="zh-CN" altLang="en-US" dirty="0"/>
+            </a:p>
+          </p:txBody>
+        </p:sp>
+        <p:sp>
+          <p:nvSpPr>
+            <p:cNvPr id="89" name="文本框 88"/>
             <p:cNvSpPr txBox="1"/>
             <p:nvPr/>
           </p:nvSpPr>
           <p:spPr>
             <a:xfrm>
-              <a:off x="4766277" y="5399516"/>
-              <a:ext cx="1080905" cy="307777"/>
+              <a:off x="7323862" y="376341"/>
+              <a:ext cx="119555" cy="369332"/>
             </a:xfrm>
             <a:prstGeom prst="rect">
               <a:avLst/>
@@ -6012,22 +5794,82 @@
             <a:lstStyle/>
             <a:p>
               <a:r>
-                <a:rPr lang="zh-CN" altLang="en-US" sz="1400" dirty="0" smtClean="0"/>
-                <a:t>：车辆</a:t>
+                <a:rPr lang="en-US" altLang="zh-CN" dirty="0"/>
+                <a:t>1</a:t>
               </a:r>
-              <a:endParaRPr lang="zh-CN" altLang="en-US" sz="1400" dirty="0"/>
+              <a:endParaRPr lang="zh-CN" altLang="en-US" dirty="0"/>
             </a:p>
           </p:txBody>
         </p:sp>
         <p:sp>
           <p:nvSpPr>
-            <p:cNvPr id="97" name="下箭头 96"/>
+            <p:cNvPr id="90" name="文本框 89"/>
+            <p:cNvSpPr txBox="1"/>
+            <p:nvPr/>
+          </p:nvSpPr>
+          <p:spPr>
+            <a:xfrm>
+              <a:off x="10095998" y="2451063"/>
+              <a:ext cx="293831" cy="369332"/>
+            </a:xfrm>
+            <a:prstGeom prst="rect">
+              <a:avLst/>
+            </a:prstGeom>
+            <a:noFill/>
+          </p:spPr>
+          <p:txBody>
+            <a:bodyPr wrap="square" rtlCol="0">
+              <a:spAutoFit/>
+            </a:bodyPr>
+            <a:lstStyle/>
+            <a:p>
+              <a:r>
+                <a:rPr lang="en-US" altLang="zh-CN" dirty="0"/>
+                <a:t>2</a:t>
+              </a:r>
+              <a:endParaRPr lang="zh-CN" altLang="en-US" dirty="0"/>
+            </a:p>
+          </p:txBody>
+        </p:sp>
+        <p:sp>
+          <p:nvSpPr>
+            <p:cNvPr id="91" name="文本框 90"/>
+            <p:cNvSpPr txBox="1"/>
+            <p:nvPr/>
+          </p:nvSpPr>
+          <p:spPr>
+            <a:xfrm>
+              <a:off x="7641140" y="4786312"/>
+              <a:ext cx="271423" cy="369332"/>
+            </a:xfrm>
+            <a:prstGeom prst="rect">
+              <a:avLst/>
+            </a:prstGeom>
+            <a:noFill/>
+          </p:spPr>
+          <p:txBody>
+            <a:bodyPr wrap="square" rtlCol="0">
+              <a:spAutoFit/>
+            </a:bodyPr>
+            <a:lstStyle/>
+            <a:p>
+              <a:r>
+                <a:rPr lang="en-US" altLang="zh-CN" dirty="0"/>
+                <a:t>3</a:t>
+              </a:r>
+              <a:endParaRPr lang="zh-CN" altLang="en-US" dirty="0"/>
+            </a:p>
+          </p:txBody>
+        </p:sp>
+        <p:sp>
+          <p:nvSpPr>
+            <p:cNvPr id="93" name="下箭头 92"/>
             <p:cNvSpPr/>
             <p:nvPr/>
           </p:nvSpPr>
           <p:spPr>
-            <a:xfrm rot="5400000" flipV="1">
-              <a:off x="4328280" y="5539379"/>
+            <a:xfrm rot="5400000">
+              <a:off x="8350093" y="1972305"/>
               <a:ext cx="158729" cy="775189"/>
             </a:xfrm>
             <a:prstGeom prst="downArrow">
@@ -6067,64 +5909,153 @@
         </p:sp>
         <p:sp>
           <p:nvSpPr>
-            <p:cNvPr id="99" name="文本框 98"/>
-            <p:cNvSpPr txBox="1"/>
+            <p:cNvPr id="94" name="下箭头 93"/>
+            <p:cNvSpPr/>
             <p:nvPr/>
           </p:nvSpPr>
           <p:spPr>
-            <a:xfrm>
-              <a:off x="4766276" y="5773084"/>
-              <a:ext cx="1080905" cy="307777"/>
+            <a:xfrm flipV="1">
+              <a:off x="7989899" y="3072518"/>
+              <a:ext cx="158729" cy="775189"/>
             </a:xfrm>
-            <a:prstGeom prst="rect">
+            <a:prstGeom prst="downArrow">
               <a:avLst/>
             </a:prstGeom>
-            <a:noFill/>
+            <a:solidFill>
+              <a:schemeClr val="accent4">
+                <a:lumMod val="40000"/>
+                <a:lumOff val="60000"/>
+              </a:schemeClr>
+            </a:solidFill>
           </p:spPr>
+          <p:style>
+            <a:lnRef idx="2">
+              <a:schemeClr val="accent1">
+                <a:shade val="50000"/>
+              </a:schemeClr>
+            </a:lnRef>
+            <a:fillRef idx="1">
+              <a:schemeClr val="accent1"/>
+            </a:fillRef>
+            <a:effectRef idx="0">
+              <a:schemeClr val="accent1"/>
+            </a:effectRef>
+            <a:fontRef idx="minor">
+              <a:schemeClr val="lt1"/>
+            </a:fontRef>
+          </p:style>
           <p:txBody>
-            <a:bodyPr wrap="square" rtlCol="0">
-              <a:spAutoFit/>
-            </a:bodyPr>
+            <a:bodyPr rtlCol="0" anchor="ctr"/>
             <a:lstStyle/>
             <a:p>
-              <a:r>
-                <a:rPr lang="zh-CN" altLang="en-US" sz="1400" dirty="0" smtClean="0"/>
-                <a:t>：交通流向</a:t>
-              </a:r>
-              <a:endParaRPr lang="zh-CN" altLang="en-US" sz="1400" dirty="0"/>
+              <a:pPr algn="ctr"/>
+              <a:endParaRPr lang="zh-CN" altLang="en-US"/>
             </a:p>
           </p:txBody>
         </p:sp>
         <p:grpSp>
           <p:nvGrpSpPr>
-            <p:cNvPr id="103" name="组合 102"/>
+            <p:cNvPr id="104" name="组合 103"/>
             <p:cNvGrpSpPr/>
             <p:nvPr/>
           </p:nvGrpSpPr>
           <p:grpSpPr>
             <a:xfrm>
-              <a:off x="4407644" y="6168971"/>
-              <a:ext cx="286736" cy="104410"/>
-              <a:chOff x="4409223" y="6156591"/>
-              <a:chExt cx="286736" cy="104410"/>
+              <a:off x="4626720" y="5381932"/>
+              <a:ext cx="1827132" cy="975549"/>
+              <a:chOff x="4020050" y="5399516"/>
+              <a:chExt cx="1827132" cy="975549"/>
             </a:xfrm>
           </p:grpSpPr>
           <p:sp>
             <p:nvSpPr>
-              <p:cNvPr id="100" name="椭圆 99"/>
+              <p:cNvPr id="95" name="圆角矩形 94"/>
               <p:cNvSpPr/>
               <p:nvPr/>
             </p:nvSpPr>
             <p:spPr>
+              <a:xfrm rot="5400000">
+                <a:off x="4464457" y="5413649"/>
+                <a:ext cx="174690" cy="288313"/>
+              </a:xfrm>
+              <a:prstGeom prst="roundRect">
+                <a:avLst/>
+              </a:prstGeom>
+            </p:spPr>
+            <p:style>
+              <a:lnRef idx="2">
+                <a:schemeClr val="accent2">
+                  <a:shade val="50000"/>
+                </a:schemeClr>
+              </a:lnRef>
+              <a:fillRef idx="1">
+                <a:schemeClr val="accent2"/>
+              </a:fillRef>
+              <a:effectRef idx="0">
+                <a:schemeClr val="accent2"/>
+              </a:effectRef>
+              <a:fontRef idx="minor">
+                <a:schemeClr val="lt1"/>
+              </a:fontRef>
+            </p:style>
+            <p:txBody>
+              <a:bodyPr rtlCol="0" anchor="ctr"/>
+              <a:lstStyle/>
+              <a:p>
+                <a:pPr algn="ctr"/>
+                <a:endParaRPr lang="zh-CN" altLang="en-US"/>
+              </a:p>
+            </p:txBody>
+          </p:sp>
+          <p:sp>
+            <p:nvSpPr>
+              <p:cNvPr id="96" name="文本框 95"/>
+              <p:cNvSpPr txBox="1"/>
+              <p:nvPr/>
+            </p:nvSpPr>
+            <p:spPr>
               <a:xfrm>
-                <a:off x="4409223" y="6156591"/>
-                <a:ext cx="88149" cy="104410"/>
+                <a:off x="4766277" y="5399516"/>
+                <a:ext cx="1080905" cy="307777"/>
               </a:xfrm>
-              <a:prstGeom prst="ellipse">
+              <a:prstGeom prst="rect">
+                <a:avLst/>
+              </a:prstGeom>
+              <a:noFill/>
+            </p:spPr>
+            <p:txBody>
+              <a:bodyPr wrap="square" rtlCol="0">
+                <a:spAutoFit/>
+              </a:bodyPr>
+              <a:lstStyle/>
+              <a:p>
+                <a:r>
+                  <a:rPr lang="zh-CN" altLang="en-US" sz="1400" dirty="0"/>
+                  <a:t>：车辆</a:t>
+                </a:r>
+                <a:endParaRPr lang="zh-CN" altLang="en-US" sz="1400" dirty="0"/>
+              </a:p>
+            </p:txBody>
+          </p:sp>
+          <p:sp>
+            <p:nvSpPr>
+              <p:cNvPr id="97" name="下箭头 96"/>
+              <p:cNvSpPr/>
+              <p:nvPr/>
+            </p:nvSpPr>
+            <p:spPr>
+              <a:xfrm rot="5400000" flipV="1">
+                <a:off x="4328280" y="5539379"/>
+                <a:ext cx="158729" cy="775189"/>
+              </a:xfrm>
+              <a:prstGeom prst="downArrow">
                 <a:avLst/>
               </a:prstGeom>
               <a:solidFill>
-                <a:srgbClr val="00B050"/>
+                <a:schemeClr val="accent4">
+                  <a:lumMod val="40000"/>
+                  <a:lumOff val="60000"/>
+                </a:schemeClr>
               </a:solidFill>
             </p:spPr>
             <p:style>
@@ -6148,84 +6079,172 @@
               <a:lstStyle/>
               <a:p>
                 <a:pPr algn="ctr"/>
-                <a:endParaRPr lang="zh-CN" altLang="en-US" dirty="0"/>
+                <a:endParaRPr lang="zh-CN" altLang="en-US"/>
               </a:p>
             </p:txBody>
           </p:sp>
           <p:sp>
             <p:nvSpPr>
-              <p:cNvPr id="101" name="椭圆 100"/>
-              <p:cNvSpPr/>
+              <p:cNvPr id="99" name="文本框 98"/>
+              <p:cNvSpPr txBox="1"/>
               <p:nvPr/>
             </p:nvSpPr>
             <p:spPr>
               <a:xfrm>
-                <a:off x="4607810" y="6156591"/>
-                <a:ext cx="88149" cy="104410"/>
+                <a:off x="4766276" y="5773084"/>
+                <a:ext cx="1080905" cy="307777"/>
               </a:xfrm>
-              <a:prstGeom prst="ellipse">
+              <a:prstGeom prst="rect">
                 <a:avLst/>
               </a:prstGeom>
-              <a:solidFill>
-                <a:srgbClr val="FF0000"/>
-              </a:solidFill>
+              <a:noFill/>
             </p:spPr>
-            <p:style>
-              <a:lnRef idx="2">
-                <a:schemeClr val="accent1">
-                  <a:shade val="50000"/>
-                </a:schemeClr>
-              </a:lnRef>
-              <a:fillRef idx="1">
-                <a:schemeClr val="accent1"/>
-              </a:fillRef>
-              <a:effectRef idx="0">
-                <a:schemeClr val="accent1"/>
-              </a:effectRef>
-              <a:fontRef idx="minor">
-                <a:schemeClr val="lt1"/>
-              </a:fontRef>
-            </p:style>
             <p:txBody>
-              <a:bodyPr rtlCol="0" anchor="ctr"/>
+              <a:bodyPr wrap="square" rtlCol="0">
+                <a:spAutoFit/>
+              </a:bodyPr>
               <a:lstStyle/>
               <a:p>
-                <a:pPr algn="ctr"/>
-                <a:endParaRPr lang="zh-CN" altLang="en-US" dirty="0"/>
+                <a:r>
+                  <a:rPr lang="zh-CN" altLang="en-US" sz="1400" dirty="0"/>
+                  <a:t>：交通流向</a:t>
+                </a:r>
+                <a:endParaRPr lang="zh-CN" altLang="en-US" sz="1400" dirty="0"/>
+              </a:p>
+            </p:txBody>
+          </p:sp>
+          <p:grpSp>
+            <p:nvGrpSpPr>
+              <p:cNvPr id="103" name="组合 102"/>
+              <p:cNvGrpSpPr/>
+              <p:nvPr/>
+            </p:nvGrpSpPr>
+            <p:grpSpPr>
+              <a:xfrm>
+                <a:off x="4407644" y="6168971"/>
+                <a:ext cx="286736" cy="104410"/>
+                <a:chOff x="4409223" y="6156591"/>
+                <a:chExt cx="286736" cy="104410"/>
+              </a:xfrm>
+            </p:grpSpPr>
+            <p:sp>
+              <p:nvSpPr>
+                <p:cNvPr id="100" name="椭圆 99"/>
+                <p:cNvSpPr/>
+                <p:nvPr/>
+              </p:nvSpPr>
+              <p:spPr>
+                <a:xfrm>
+                  <a:off x="4409223" y="6156591"/>
+                  <a:ext cx="88149" cy="104410"/>
+                </a:xfrm>
+                <a:prstGeom prst="ellipse">
+                  <a:avLst/>
+                </a:prstGeom>
+                <a:solidFill>
+                  <a:srgbClr val="00B050"/>
+                </a:solidFill>
+              </p:spPr>
+              <p:style>
+                <a:lnRef idx="2">
+                  <a:schemeClr val="accent1">
+                    <a:shade val="50000"/>
+                  </a:schemeClr>
+                </a:lnRef>
+                <a:fillRef idx="1">
+                  <a:schemeClr val="accent1"/>
+                </a:fillRef>
+                <a:effectRef idx="0">
+                  <a:schemeClr val="accent1"/>
+                </a:effectRef>
+                <a:fontRef idx="minor">
+                  <a:schemeClr val="lt1"/>
+                </a:fontRef>
+              </p:style>
+              <p:txBody>
+                <a:bodyPr rtlCol="0" anchor="ctr"/>
+                <a:lstStyle/>
+                <a:p>
+                  <a:pPr algn="ctr"/>
+                  <a:endParaRPr lang="zh-CN" altLang="en-US" dirty="0"/>
+                </a:p>
+              </p:txBody>
+            </p:sp>
+            <p:sp>
+              <p:nvSpPr>
+                <p:cNvPr id="101" name="椭圆 100"/>
+                <p:cNvSpPr/>
+                <p:nvPr/>
+              </p:nvSpPr>
+              <p:spPr>
+                <a:xfrm>
+                  <a:off x="4607810" y="6156591"/>
+                  <a:ext cx="88149" cy="104410"/>
+                </a:xfrm>
+                <a:prstGeom prst="ellipse">
+                  <a:avLst/>
+                </a:prstGeom>
+                <a:solidFill>
+                  <a:srgbClr val="FF0000"/>
+                </a:solidFill>
+              </p:spPr>
+              <p:style>
+                <a:lnRef idx="2">
+                  <a:schemeClr val="accent1">
+                    <a:shade val="50000"/>
+                  </a:schemeClr>
+                </a:lnRef>
+                <a:fillRef idx="1">
+                  <a:schemeClr val="accent1"/>
+                </a:fillRef>
+                <a:effectRef idx="0">
+                  <a:schemeClr val="accent1"/>
+                </a:effectRef>
+                <a:fontRef idx="minor">
+                  <a:schemeClr val="lt1"/>
+                </a:fontRef>
+              </p:style>
+              <p:txBody>
+                <a:bodyPr rtlCol="0" anchor="ctr"/>
+                <a:lstStyle/>
+                <a:p>
+                  <a:pPr algn="ctr"/>
+                  <a:endParaRPr lang="zh-CN" altLang="en-US" dirty="0"/>
+                </a:p>
+              </p:txBody>
+            </p:sp>
+          </p:grpSp>
+          <p:sp>
+            <p:nvSpPr>
+              <p:cNvPr id="102" name="文本框 101"/>
+              <p:cNvSpPr txBox="1"/>
+              <p:nvPr/>
+            </p:nvSpPr>
+            <p:spPr>
+              <a:xfrm>
+                <a:off x="4757045" y="6067288"/>
+                <a:ext cx="1080905" cy="307777"/>
+              </a:xfrm>
+              <a:prstGeom prst="rect">
+                <a:avLst/>
+              </a:prstGeom>
+              <a:noFill/>
+            </p:spPr>
+            <p:txBody>
+              <a:bodyPr wrap="square" rtlCol="0">
+                <a:spAutoFit/>
+              </a:bodyPr>
+              <a:lstStyle/>
+              <a:p>
+                <a:r>
+                  <a:rPr lang="zh-CN" altLang="en-US" sz="1400" dirty="0"/>
+                  <a:t>：交通信号</a:t>
+                </a:r>
+                <a:endParaRPr lang="zh-CN" altLang="en-US" sz="1400" dirty="0"/>
               </a:p>
             </p:txBody>
           </p:sp>
         </p:grpSp>
-        <p:sp>
-          <p:nvSpPr>
-            <p:cNvPr id="102" name="文本框 101"/>
-            <p:cNvSpPr txBox="1"/>
-            <p:nvPr/>
-          </p:nvSpPr>
-          <p:spPr>
-            <a:xfrm>
-              <a:off x="4757045" y="6067288"/>
-              <a:ext cx="1080905" cy="307777"/>
-            </a:xfrm>
-            <a:prstGeom prst="rect">
-              <a:avLst/>
-            </a:prstGeom>
-            <a:noFill/>
-          </p:spPr>
-          <p:txBody>
-            <a:bodyPr wrap="square" rtlCol="0">
-              <a:spAutoFit/>
-            </a:bodyPr>
-            <a:lstStyle/>
-            <a:p>
-              <a:r>
-                <a:rPr lang="zh-CN" altLang="en-US" sz="1400" dirty="0" smtClean="0"/>
-                <a:t>：交通信号</a:t>
-              </a:r>
-              <a:endParaRPr lang="zh-CN" altLang="en-US" sz="1400" dirty="0"/>
-            </a:p>
-          </p:txBody>
-        </p:sp>
       </p:grpSp>
     </p:spTree>
     <p:extLst>
@@ -6243,7 +6262,7 @@
 <file path=ppt/theme/theme1.xml><?xml version="1.0" encoding="utf-8"?>
 <a:theme xmlns:a="http://schemas.openxmlformats.org/drawingml/2006/main" name="Office 主题​​">
   <a:themeElements>
-    <a:clrScheme name="Office">
+    <a:clrScheme name="Office 主题​​">
       <a:dk1>
         <a:sysClr val="windowText" lastClr="000000"/>
       </a:dk1>
@@ -6281,9 +6300,9 @@
         <a:srgbClr val="954F72"/>
       </a:folHlink>
     </a:clrScheme>
-    <a:fontScheme name="Office">
+    <a:fontScheme name="Office 主题​​">
       <a:majorFont>
-        <a:latin typeface="等线 Light" panose="020F0302020204030204"/>
+        <a:latin typeface="Calibri Light" panose="020F0302020204030204"/>
         <a:ea typeface=""/>
         <a:cs typeface=""/>
         <a:font script="Jpan" typeface="游ゴシック Light"/>
@@ -6318,7 +6337,7 @@
         <a:font script="Geor" typeface="Sylfaen"/>
       </a:majorFont>
       <a:minorFont>
-        <a:latin typeface="等线" panose="020F0502020204030204"/>
+        <a:latin typeface="Calibri" panose="020F0502020204030204"/>
         <a:ea typeface=""/>
         <a:cs typeface=""/>
         <a:font script="Jpan" typeface="游ゴシック"/>
@@ -6353,7 +6372,7 @@
         <a:font script="Geor" typeface="Sylfaen"/>
       </a:minorFont>
     </a:fontScheme>
-    <a:fmtScheme name="Office">
+    <a:fmtScheme name="Office 主题​​">
       <a:fillStyleLst>
         <a:solidFill>
           <a:schemeClr val="phClr"/>
